--- a/NotesAndSlides/CIS399Wk4Day1-WebServices+kSOAP.pptx
+++ b/NotesAndSlides/CIS399Wk4Day1-WebServices+kSOAP.pptx
@@ -5,7 +5,7 @@
     <p:sldMasterId id="2147483648" r:id="rId1"/>
   </p:sldMasterIdLst>
   <p:notesMasterIdLst>
-    <p:notesMasterId r:id="rId27"/>
+    <p:notesMasterId r:id="rId25"/>
   </p:notesMasterIdLst>
   <p:sldIdLst>
     <p:sldId id="269" r:id="rId2"/>
@@ -14,25 +14,23 @@
     <p:sldId id="449" r:id="rId5"/>
     <p:sldId id="450" r:id="rId6"/>
     <p:sldId id="451" r:id="rId7"/>
-    <p:sldId id="452" r:id="rId8"/>
-    <p:sldId id="448" r:id="rId9"/>
-    <p:sldId id="470" r:id="rId10"/>
-    <p:sldId id="453" r:id="rId11"/>
-    <p:sldId id="454" r:id="rId12"/>
-    <p:sldId id="455" r:id="rId13"/>
-    <p:sldId id="456" r:id="rId14"/>
-    <p:sldId id="457" r:id="rId15"/>
-    <p:sldId id="458" r:id="rId16"/>
-    <p:sldId id="469" r:id="rId17"/>
-    <p:sldId id="461" r:id="rId18"/>
-    <p:sldId id="462" r:id="rId19"/>
-    <p:sldId id="463" r:id="rId20"/>
-    <p:sldId id="464" r:id="rId21"/>
-    <p:sldId id="465" r:id="rId22"/>
-    <p:sldId id="466" r:id="rId23"/>
-    <p:sldId id="467" r:id="rId24"/>
-    <p:sldId id="468" r:id="rId25"/>
-    <p:sldId id="392" r:id="rId26"/>
+    <p:sldId id="470" r:id="rId8"/>
+    <p:sldId id="453" r:id="rId9"/>
+    <p:sldId id="454" r:id="rId10"/>
+    <p:sldId id="455" r:id="rId11"/>
+    <p:sldId id="456" r:id="rId12"/>
+    <p:sldId id="457" r:id="rId13"/>
+    <p:sldId id="458" r:id="rId14"/>
+    <p:sldId id="469" r:id="rId15"/>
+    <p:sldId id="461" r:id="rId16"/>
+    <p:sldId id="462" r:id="rId17"/>
+    <p:sldId id="463" r:id="rId18"/>
+    <p:sldId id="464" r:id="rId19"/>
+    <p:sldId id="465" r:id="rId20"/>
+    <p:sldId id="466" r:id="rId21"/>
+    <p:sldId id="467" r:id="rId22"/>
+    <p:sldId id="468" r:id="rId23"/>
+    <p:sldId id="392" r:id="rId24"/>
   </p:sldIdLst>
   <p:sldSz cx="9144000" cy="6858000" type="screen4x3"/>
   <p:notesSz cx="6858000" cy="9144000"/>
@@ -232,7 +230,7 @@
           <a:p>
             <a:fld id="{1FC32AA1-1225-9048-80C3-2B6F58548154}" type="datetimeFigureOut">
               <a:rPr lang="en-US" smtClean="0"/>
-              <a:t>7/17/17</a:t>
+              <a:t>7/17/18</a:t>
             </a:fld>
             <a:endParaRPr lang="en-US"/>
           </a:p>
@@ -296,38 +294,37 @@
           <a:p>
             <a:pPr lvl="0"/>
             <a:r>
-              <a:rPr lang="en-US" smtClean="0"/>
+              <a:rPr lang="en-US"/>
               <a:t>Click to edit Master text styles</a:t>
             </a:r>
           </a:p>
           <a:p>
             <a:pPr lvl="1"/>
             <a:r>
-              <a:rPr lang="en-US" smtClean="0"/>
+              <a:rPr lang="en-US"/>
               <a:t>Second level</a:t>
             </a:r>
           </a:p>
           <a:p>
             <a:pPr lvl="2"/>
             <a:r>
-              <a:rPr lang="en-US" smtClean="0"/>
+              <a:rPr lang="en-US"/>
               <a:t>Third level</a:t>
             </a:r>
           </a:p>
           <a:p>
             <a:pPr lvl="3"/>
             <a:r>
-              <a:rPr lang="en-US" smtClean="0"/>
+              <a:rPr lang="en-US"/>
               <a:t>Fourth level</a:t>
             </a:r>
           </a:p>
           <a:p>
             <a:pPr lvl="4"/>
             <a:r>
-              <a:rPr lang="en-US" smtClean="0"/>
+              <a:rPr lang="en-US"/>
               <a:t>Fifth level</a:t>
             </a:r>
-            <a:endParaRPr lang="en-US"/>
           </a:p>
         </p:txBody>
       </p:sp>
@@ -545,11 +542,11 @@
           <a:lstStyle/>
           <a:p>
             <a:r>
-              <a:rPr lang="en-US" dirty="0" smtClean="0"/>
+              <a:rPr lang="en-US" dirty="0"/>
               <a:t>http://</a:t>
             </a:r>
             <a:r>
-              <a:rPr lang="en-US" dirty="0" err="1" smtClean="0"/>
+              <a:rPr lang="en-US" dirty="0" err="1"/>
               <a:t>sqlite.org</a:t>
             </a:r>
             <a:endParaRPr lang="en-US" dirty="0"/>
@@ -657,7 +654,7 @@
           <a:p>
             <a:fld id="{44EB6C7D-DFD8-944D-93E3-D07F7EBDDEA8}" type="slidenum">
               <a:rPr lang="en-US" smtClean="0"/>
-              <a:t>22</a:t>
+              <a:t>21</a:t>
             </a:fld>
             <a:endParaRPr lang="en-US"/>
           </a:p>
@@ -741,91 +738,7 @@
           <a:p>
             <a:fld id="{44EB6C7D-DFD8-944D-93E3-D07F7EBDDEA8}" type="slidenum">
               <a:rPr lang="en-US" smtClean="0"/>
-              <a:t>23</a:t>
-            </a:fld>
-            <a:endParaRPr lang="en-US"/>
-          </a:p>
-        </p:txBody>
-      </p:sp>
-    </p:spTree>
-    <p:extLst>
-      <p:ext uri="{BB962C8B-B14F-4D97-AF65-F5344CB8AC3E}">
-        <p14:creationId xmlns:p14="http://schemas.microsoft.com/office/powerpoint/2010/main" val="2094514162"/>
-      </p:ext>
-    </p:extLst>
-  </p:cSld>
-  <p:clrMapOvr>
-    <a:masterClrMapping/>
-  </p:clrMapOvr>
-</p:notes>
-</file>
-
-<file path=ppt/notesSlides/notesSlide12.xml><?xml version="1.0" encoding="utf-8"?>
-<p:notes xmlns:a="http://schemas.openxmlformats.org/drawingml/2006/main" xmlns:r="http://schemas.openxmlformats.org/officeDocument/2006/relationships" xmlns:p="http://schemas.openxmlformats.org/presentationml/2006/main">
-  <p:cSld>
-    <p:spTree>
-      <p:nvGrpSpPr>
-        <p:cNvPr id="1" name=""/>
-        <p:cNvGrpSpPr/>
-        <p:nvPr/>
-      </p:nvGrpSpPr>
-      <p:grpSpPr>
-        <a:xfrm>
-          <a:off x="0" y="0"/>
-          <a:ext cx="0" cy="0"/>
-          <a:chOff x="0" y="0"/>
-          <a:chExt cx="0" cy="0"/>
-        </a:xfrm>
-      </p:grpSpPr>
-      <p:sp>
-        <p:nvSpPr>
-          <p:cNvPr id="2" name="Slide Image Placeholder 1"/>
-          <p:cNvSpPr>
-            <a:spLocks noGrp="1" noRot="1" noChangeAspect="1"/>
-          </p:cNvSpPr>
-          <p:nvPr>
-            <p:ph type="sldImg"/>
-          </p:nvPr>
-        </p:nvSpPr>
-        <p:spPr/>
-      </p:sp>
-      <p:sp>
-        <p:nvSpPr>
-          <p:cNvPr id="3" name="Notes Placeholder 2"/>
-          <p:cNvSpPr>
-            <a:spLocks noGrp="1"/>
-          </p:cNvSpPr>
-          <p:nvPr>
-            <p:ph type="body" idx="1"/>
-          </p:nvPr>
-        </p:nvSpPr>
-        <p:spPr/>
-        <p:txBody>
-          <a:bodyPr/>
-          <a:lstStyle/>
-          <a:p>
-            <a:endParaRPr lang="en-US" dirty="0"/>
-          </a:p>
-        </p:txBody>
-      </p:sp>
-      <p:sp>
-        <p:nvSpPr>
-          <p:cNvPr id="4" name="Slide Number Placeholder 3"/>
-          <p:cNvSpPr>
-            <a:spLocks noGrp="1"/>
-          </p:cNvSpPr>
-          <p:nvPr>
-            <p:ph type="sldNum" sz="quarter" idx="10"/>
-          </p:nvPr>
-        </p:nvSpPr>
-        <p:spPr/>
-        <p:txBody>
-          <a:bodyPr/>
-          <a:lstStyle/>
-          <a:p>
-            <a:fld id="{44EB6C7D-DFD8-944D-93E3-D07F7EBDDEA8}" type="slidenum">
-              <a:rPr lang="en-US" smtClean="0"/>
-              <a:t>24</a:t>
+              <a:t>22</a:t>
             </a:fld>
             <a:endParaRPr lang="en-US"/>
           </a:p>
@@ -889,11 +802,11 @@
           <a:lstStyle/>
           <a:p>
             <a:r>
-              <a:rPr lang="en-US" dirty="0" smtClean="0"/>
+              <a:rPr lang="en-US" dirty="0"/>
               <a:t>http://</a:t>
             </a:r>
             <a:r>
-              <a:rPr lang="en-US" dirty="0" err="1" smtClean="0"/>
+              <a:rPr lang="en-US" dirty="0" err="1"/>
               <a:t>sqlite.org</a:t>
             </a:r>
             <a:endParaRPr lang="en-US" dirty="0"/>
@@ -980,28 +893,6 @@
           <a:bodyPr/>
           <a:lstStyle/>
           <a:p>
-            <a:r>
-              <a:rPr lang="en-US" dirty="0" smtClean="0"/>
-              <a:t>http://</a:t>
-            </a:r>
-            <a:r>
-              <a:rPr lang="en-US" dirty="0" err="1" smtClean="0"/>
-              <a:t>api.wunderground.com</a:t>
-            </a:r>
-            <a:r>
-              <a:rPr lang="en-US" dirty="0" smtClean="0"/>
-              <a:t>/weather/</a:t>
-            </a:r>
-            <a:r>
-              <a:rPr lang="en-US" dirty="0" err="1" smtClean="0"/>
-              <a:t>api</a:t>
-            </a:r>
-            <a:r>
-              <a:rPr lang="en-US" dirty="0" smtClean="0"/>
-              <a:t>/d/docs</a:t>
-            </a:r>
-          </a:p>
-          <a:p>
             <a:endParaRPr lang="en-US" dirty="0"/>
           </a:p>
         </p:txBody>
@@ -1023,7 +914,7 @@
           <a:p>
             <a:fld id="{44EB6C7D-DFD8-944D-93E3-D07F7EBDDEA8}" type="slidenum">
               <a:rPr lang="en-US" smtClean="0"/>
-              <a:t>8</a:t>
+              <a:t>14</a:t>
             </a:fld>
             <a:endParaRPr lang="en-US"/>
           </a:p>
@@ -1032,7 +923,7 @@
     </p:spTree>
     <p:extLst>
       <p:ext uri="{BB962C8B-B14F-4D97-AF65-F5344CB8AC3E}">
-        <p14:creationId xmlns:p14="http://schemas.microsoft.com/office/powerpoint/2010/main" val="2094514162"/>
+        <p14:creationId xmlns:p14="http://schemas.microsoft.com/office/powerpoint/2010/main" val="2130505189"/>
       </p:ext>
     </p:extLst>
   </p:cSld>
@@ -1107,7 +998,7 @@
           <a:p>
             <a:fld id="{44EB6C7D-DFD8-944D-93E3-D07F7EBDDEA8}" type="slidenum">
               <a:rPr lang="en-US" smtClean="0"/>
-              <a:t>16</a:t>
+              <a:t>15</a:t>
             </a:fld>
             <a:endParaRPr lang="en-US"/>
           </a:p>
@@ -1116,7 +1007,7 @@
     </p:spTree>
     <p:extLst>
       <p:ext uri="{BB962C8B-B14F-4D97-AF65-F5344CB8AC3E}">
-        <p14:creationId xmlns:p14="http://schemas.microsoft.com/office/powerpoint/2010/main" val="2130505189"/>
+        <p14:creationId xmlns:p14="http://schemas.microsoft.com/office/powerpoint/2010/main" val="2094514162"/>
       </p:ext>
     </p:extLst>
   </p:cSld>
@@ -1191,7 +1082,7 @@
           <a:p>
             <a:fld id="{44EB6C7D-DFD8-944D-93E3-D07F7EBDDEA8}" type="slidenum">
               <a:rPr lang="en-US" smtClean="0"/>
-              <a:t>17</a:t>
+              <a:t>16</a:t>
             </a:fld>
             <a:endParaRPr lang="en-US"/>
           </a:p>
@@ -1275,7 +1166,7 @@
           <a:p>
             <a:fld id="{44EB6C7D-DFD8-944D-93E3-D07F7EBDDEA8}" type="slidenum">
               <a:rPr lang="en-US" smtClean="0"/>
-              <a:t>18</a:t>
+              <a:t>17</a:t>
             </a:fld>
             <a:endParaRPr lang="en-US"/>
           </a:p>
@@ -1359,7 +1250,7 @@
           <a:p>
             <a:fld id="{44EB6C7D-DFD8-944D-93E3-D07F7EBDDEA8}" type="slidenum">
               <a:rPr lang="en-US" smtClean="0"/>
-              <a:t>19</a:t>
+              <a:t>18</a:t>
             </a:fld>
             <a:endParaRPr lang="en-US"/>
           </a:p>
@@ -1443,7 +1334,7 @@
           <a:p>
             <a:fld id="{44EB6C7D-DFD8-944D-93E3-D07F7EBDDEA8}" type="slidenum">
               <a:rPr lang="en-US" smtClean="0"/>
-              <a:t>20</a:t>
+              <a:t>19</a:t>
             </a:fld>
             <a:endParaRPr lang="en-US"/>
           </a:p>
@@ -1527,7 +1418,7 @@
           <a:p>
             <a:fld id="{44EB6C7D-DFD8-944D-93E3-D07F7EBDDEA8}" type="slidenum">
               <a:rPr lang="en-US" smtClean="0"/>
-              <a:t>21</a:t>
+              <a:t>20</a:t>
             </a:fld>
             <a:endParaRPr lang="en-US"/>
           </a:p>
@@ -1584,10 +1475,9 @@
           <a:lstStyle/>
           <a:p>
             <a:r>
-              <a:rPr lang="en-US" smtClean="0"/>
+              <a:rPr lang="en-US"/>
               <a:t>Click to edit Master title style</a:t>
             </a:r>
-            <a:endParaRPr lang="en-US"/>
           </a:p>
         </p:txBody>
       </p:sp>
@@ -1703,10 +1593,9 @@
           </a:lstStyle>
           <a:p>
             <a:r>
-              <a:rPr lang="en-US" smtClean="0"/>
+              <a:rPr lang="en-US"/>
               <a:t>Click to edit Master subtitle style</a:t>
             </a:r>
-            <a:endParaRPr lang="en-US"/>
           </a:p>
         </p:txBody>
       </p:sp>
@@ -1727,7 +1616,7 @@
           <a:p>
             <a:fld id="{12110144-19AD-4D4E-902D-E18AF93089D3}" type="datetimeFigureOut">
               <a:rPr lang="en-US" smtClean="0"/>
-              <a:t>7/17/17</a:t>
+              <a:t>7/17/18</a:t>
             </a:fld>
             <a:endParaRPr lang="en-US"/>
           </a:p>
@@ -1821,10 +1710,9 @@
           <a:lstStyle/>
           <a:p>
             <a:r>
-              <a:rPr lang="en-US" smtClean="0"/>
+              <a:rPr lang="en-US"/>
               <a:t>Click to edit Master title style</a:t>
             </a:r>
-            <a:endParaRPr lang="en-US"/>
           </a:p>
         </p:txBody>
       </p:sp>
@@ -1845,38 +1733,37 @@
           <a:p>
             <a:pPr lvl="0"/>
             <a:r>
-              <a:rPr lang="en-US" smtClean="0"/>
+              <a:rPr lang="en-US"/>
               <a:t>Click to edit Master text styles</a:t>
             </a:r>
           </a:p>
           <a:p>
             <a:pPr lvl="1"/>
             <a:r>
-              <a:rPr lang="en-US" smtClean="0"/>
+              <a:rPr lang="en-US"/>
               <a:t>Second level</a:t>
             </a:r>
           </a:p>
           <a:p>
             <a:pPr lvl="2"/>
             <a:r>
-              <a:rPr lang="en-US" smtClean="0"/>
+              <a:rPr lang="en-US"/>
               <a:t>Third level</a:t>
             </a:r>
           </a:p>
           <a:p>
             <a:pPr lvl="3"/>
             <a:r>
-              <a:rPr lang="en-US" smtClean="0"/>
+              <a:rPr lang="en-US"/>
               <a:t>Fourth level</a:t>
             </a:r>
           </a:p>
           <a:p>
             <a:pPr lvl="4"/>
             <a:r>
-              <a:rPr lang="en-US" smtClean="0"/>
+              <a:rPr lang="en-US"/>
               <a:t>Fifth level</a:t>
             </a:r>
-            <a:endParaRPr lang="en-US"/>
           </a:p>
         </p:txBody>
       </p:sp>
@@ -1897,7 +1784,7 @@
           <a:p>
             <a:fld id="{12110144-19AD-4D4E-902D-E18AF93089D3}" type="datetimeFigureOut">
               <a:rPr lang="en-US" smtClean="0"/>
-              <a:t>7/17/17</a:t>
+              <a:t>7/17/18</a:t>
             </a:fld>
             <a:endParaRPr lang="en-US"/>
           </a:p>
@@ -1996,10 +1883,9 @@
           <a:lstStyle/>
           <a:p>
             <a:r>
-              <a:rPr lang="en-US" smtClean="0"/>
+              <a:rPr lang="en-US"/>
               <a:t>Click to edit Master title style</a:t>
             </a:r>
-            <a:endParaRPr lang="en-US"/>
           </a:p>
         </p:txBody>
       </p:sp>
@@ -2025,38 +1911,37 @@
           <a:p>
             <a:pPr lvl="0"/>
             <a:r>
-              <a:rPr lang="en-US" smtClean="0"/>
+              <a:rPr lang="en-US"/>
               <a:t>Click to edit Master text styles</a:t>
             </a:r>
           </a:p>
           <a:p>
             <a:pPr lvl="1"/>
             <a:r>
-              <a:rPr lang="en-US" smtClean="0"/>
+              <a:rPr lang="en-US"/>
               <a:t>Second level</a:t>
             </a:r>
           </a:p>
           <a:p>
             <a:pPr lvl="2"/>
             <a:r>
-              <a:rPr lang="en-US" smtClean="0"/>
+              <a:rPr lang="en-US"/>
               <a:t>Third level</a:t>
             </a:r>
           </a:p>
           <a:p>
             <a:pPr lvl="3"/>
             <a:r>
-              <a:rPr lang="en-US" smtClean="0"/>
+              <a:rPr lang="en-US"/>
               <a:t>Fourth level</a:t>
             </a:r>
           </a:p>
           <a:p>
             <a:pPr lvl="4"/>
             <a:r>
-              <a:rPr lang="en-US" smtClean="0"/>
+              <a:rPr lang="en-US"/>
               <a:t>Fifth level</a:t>
             </a:r>
-            <a:endParaRPr lang="en-US"/>
           </a:p>
         </p:txBody>
       </p:sp>
@@ -2077,7 +1962,7 @@
           <a:p>
             <a:fld id="{12110144-19AD-4D4E-902D-E18AF93089D3}" type="datetimeFigureOut">
               <a:rPr lang="en-US" smtClean="0"/>
-              <a:t>7/17/17</a:t>
+              <a:t>7/17/18</a:t>
             </a:fld>
             <a:endParaRPr lang="en-US"/>
           </a:p>
@@ -2171,10 +2056,9 @@
           <a:lstStyle/>
           <a:p>
             <a:r>
-              <a:rPr lang="en-US" smtClean="0"/>
+              <a:rPr lang="en-US"/>
               <a:t>Click to edit Master title style</a:t>
             </a:r>
-            <a:endParaRPr lang="en-US"/>
           </a:p>
         </p:txBody>
       </p:sp>
@@ -2195,38 +2079,37 @@
           <a:p>
             <a:pPr lvl="0"/>
             <a:r>
-              <a:rPr lang="en-US" smtClean="0"/>
+              <a:rPr lang="en-US"/>
               <a:t>Click to edit Master text styles</a:t>
             </a:r>
           </a:p>
           <a:p>
             <a:pPr lvl="1"/>
             <a:r>
-              <a:rPr lang="en-US" smtClean="0"/>
+              <a:rPr lang="en-US"/>
               <a:t>Second level</a:t>
             </a:r>
           </a:p>
           <a:p>
             <a:pPr lvl="2"/>
             <a:r>
-              <a:rPr lang="en-US" smtClean="0"/>
+              <a:rPr lang="en-US"/>
               <a:t>Third level</a:t>
             </a:r>
           </a:p>
           <a:p>
             <a:pPr lvl="3"/>
             <a:r>
-              <a:rPr lang="en-US" smtClean="0"/>
+              <a:rPr lang="en-US"/>
               <a:t>Fourth level</a:t>
             </a:r>
           </a:p>
           <a:p>
             <a:pPr lvl="4"/>
             <a:r>
-              <a:rPr lang="en-US" smtClean="0"/>
+              <a:rPr lang="en-US"/>
               <a:t>Fifth level</a:t>
             </a:r>
-            <a:endParaRPr lang="en-US"/>
           </a:p>
         </p:txBody>
       </p:sp>
@@ -2247,7 +2130,7 @@
           <a:p>
             <a:fld id="{12110144-19AD-4D4E-902D-E18AF93089D3}" type="datetimeFigureOut">
               <a:rPr lang="en-US" smtClean="0"/>
-              <a:t>7/17/17</a:t>
+              <a:t>7/17/18</a:t>
             </a:fld>
             <a:endParaRPr lang="en-US"/>
           </a:p>
@@ -2350,10 +2233,9 @@
           </a:lstStyle>
           <a:p>
             <a:r>
-              <a:rPr lang="en-US" smtClean="0"/>
+              <a:rPr lang="en-US"/>
               <a:t>Click to edit Master title style</a:t>
             </a:r>
-            <a:endParaRPr lang="en-US"/>
           </a:p>
         </p:txBody>
       </p:sp>
@@ -2470,7 +2352,7 @@
           <a:p>
             <a:pPr lvl="0"/>
             <a:r>
-              <a:rPr lang="en-US" smtClean="0"/>
+              <a:rPr lang="en-US"/>
               <a:t>Click to edit Master text styles</a:t>
             </a:r>
           </a:p>
@@ -2493,7 +2375,7 @@
           <a:p>
             <a:fld id="{12110144-19AD-4D4E-902D-E18AF93089D3}" type="datetimeFigureOut">
               <a:rPr lang="en-US" smtClean="0"/>
-              <a:t>7/17/17</a:t>
+              <a:t>7/17/18</a:t>
             </a:fld>
             <a:endParaRPr lang="en-US"/>
           </a:p>
@@ -2587,10 +2469,9 @@
           <a:lstStyle/>
           <a:p>
             <a:r>
-              <a:rPr lang="en-US" smtClean="0"/>
+              <a:rPr lang="en-US"/>
               <a:t>Click to edit Master title style</a:t>
             </a:r>
-            <a:endParaRPr lang="en-US"/>
           </a:p>
         </p:txBody>
       </p:sp>
@@ -2644,38 +2525,37 @@
           <a:p>
             <a:pPr lvl="0"/>
             <a:r>
-              <a:rPr lang="en-US" smtClean="0"/>
+              <a:rPr lang="en-US"/>
               <a:t>Click to edit Master text styles</a:t>
             </a:r>
           </a:p>
           <a:p>
             <a:pPr lvl="1"/>
             <a:r>
-              <a:rPr lang="en-US" smtClean="0"/>
+              <a:rPr lang="en-US"/>
               <a:t>Second level</a:t>
             </a:r>
           </a:p>
           <a:p>
             <a:pPr lvl="2"/>
             <a:r>
-              <a:rPr lang="en-US" smtClean="0"/>
+              <a:rPr lang="en-US"/>
               <a:t>Third level</a:t>
             </a:r>
           </a:p>
           <a:p>
             <a:pPr lvl="3"/>
             <a:r>
-              <a:rPr lang="en-US" smtClean="0"/>
+              <a:rPr lang="en-US"/>
               <a:t>Fourth level</a:t>
             </a:r>
           </a:p>
           <a:p>
             <a:pPr lvl="4"/>
             <a:r>
-              <a:rPr lang="en-US" smtClean="0"/>
+              <a:rPr lang="en-US"/>
               <a:t>Fifth level</a:t>
             </a:r>
-            <a:endParaRPr lang="en-US"/>
           </a:p>
         </p:txBody>
       </p:sp>
@@ -2729,38 +2609,37 @@
           <a:p>
             <a:pPr lvl="0"/>
             <a:r>
-              <a:rPr lang="en-US" smtClean="0"/>
+              <a:rPr lang="en-US"/>
               <a:t>Click to edit Master text styles</a:t>
             </a:r>
           </a:p>
           <a:p>
             <a:pPr lvl="1"/>
             <a:r>
-              <a:rPr lang="en-US" smtClean="0"/>
+              <a:rPr lang="en-US"/>
               <a:t>Second level</a:t>
             </a:r>
           </a:p>
           <a:p>
             <a:pPr lvl="2"/>
             <a:r>
-              <a:rPr lang="en-US" smtClean="0"/>
+              <a:rPr lang="en-US"/>
               <a:t>Third level</a:t>
             </a:r>
           </a:p>
           <a:p>
             <a:pPr lvl="3"/>
             <a:r>
-              <a:rPr lang="en-US" smtClean="0"/>
+              <a:rPr lang="en-US"/>
               <a:t>Fourth level</a:t>
             </a:r>
           </a:p>
           <a:p>
             <a:pPr lvl="4"/>
             <a:r>
-              <a:rPr lang="en-US" smtClean="0"/>
+              <a:rPr lang="en-US"/>
               <a:t>Fifth level</a:t>
             </a:r>
-            <a:endParaRPr lang="en-US"/>
           </a:p>
         </p:txBody>
       </p:sp>
@@ -2781,7 +2660,7 @@
           <a:p>
             <a:fld id="{12110144-19AD-4D4E-902D-E18AF93089D3}" type="datetimeFigureOut">
               <a:rPr lang="en-US" smtClean="0"/>
-              <a:t>7/17/17</a:t>
+              <a:t>7/17/18</a:t>
             </a:fld>
             <a:endParaRPr lang="en-US"/>
           </a:p>
@@ -2879,10 +2758,9 @@
           </a:lstStyle>
           <a:p>
             <a:r>
-              <a:rPr lang="en-US" smtClean="0"/>
+              <a:rPr lang="en-US"/>
               <a:t>Click to edit Master title style</a:t>
             </a:r>
-            <a:endParaRPr lang="en-US"/>
           </a:p>
         </p:txBody>
       </p:sp>
@@ -2945,7 +2823,7 @@
           <a:p>
             <a:pPr lvl="0"/>
             <a:r>
-              <a:rPr lang="en-US" smtClean="0"/>
+              <a:rPr lang="en-US"/>
               <a:t>Click to edit Master text styles</a:t>
             </a:r>
           </a:p>
@@ -3001,38 +2879,37 @@
           <a:p>
             <a:pPr lvl="0"/>
             <a:r>
-              <a:rPr lang="en-US" smtClean="0"/>
+              <a:rPr lang="en-US"/>
               <a:t>Click to edit Master text styles</a:t>
             </a:r>
           </a:p>
           <a:p>
             <a:pPr lvl="1"/>
             <a:r>
-              <a:rPr lang="en-US" smtClean="0"/>
+              <a:rPr lang="en-US"/>
               <a:t>Second level</a:t>
             </a:r>
           </a:p>
           <a:p>
             <a:pPr lvl="2"/>
             <a:r>
-              <a:rPr lang="en-US" smtClean="0"/>
+              <a:rPr lang="en-US"/>
               <a:t>Third level</a:t>
             </a:r>
           </a:p>
           <a:p>
             <a:pPr lvl="3"/>
             <a:r>
-              <a:rPr lang="en-US" smtClean="0"/>
+              <a:rPr lang="en-US"/>
               <a:t>Fourth level</a:t>
             </a:r>
           </a:p>
           <a:p>
             <a:pPr lvl="4"/>
             <a:r>
-              <a:rPr lang="en-US" smtClean="0"/>
+              <a:rPr lang="en-US"/>
               <a:t>Fifth level</a:t>
             </a:r>
-            <a:endParaRPr lang="en-US"/>
           </a:p>
         </p:txBody>
       </p:sp>
@@ -3095,7 +2972,7 @@
           <a:p>
             <a:pPr lvl="0"/>
             <a:r>
-              <a:rPr lang="en-US" smtClean="0"/>
+              <a:rPr lang="en-US"/>
               <a:t>Click to edit Master text styles</a:t>
             </a:r>
           </a:p>
@@ -3151,38 +3028,37 @@
           <a:p>
             <a:pPr lvl="0"/>
             <a:r>
-              <a:rPr lang="en-US" smtClean="0"/>
+              <a:rPr lang="en-US"/>
               <a:t>Click to edit Master text styles</a:t>
             </a:r>
           </a:p>
           <a:p>
             <a:pPr lvl="1"/>
             <a:r>
-              <a:rPr lang="en-US" smtClean="0"/>
+              <a:rPr lang="en-US"/>
               <a:t>Second level</a:t>
             </a:r>
           </a:p>
           <a:p>
             <a:pPr lvl="2"/>
             <a:r>
-              <a:rPr lang="en-US" smtClean="0"/>
+              <a:rPr lang="en-US"/>
               <a:t>Third level</a:t>
             </a:r>
           </a:p>
           <a:p>
             <a:pPr lvl="3"/>
             <a:r>
-              <a:rPr lang="en-US" smtClean="0"/>
+              <a:rPr lang="en-US"/>
               <a:t>Fourth level</a:t>
             </a:r>
           </a:p>
           <a:p>
             <a:pPr lvl="4"/>
             <a:r>
-              <a:rPr lang="en-US" smtClean="0"/>
+              <a:rPr lang="en-US"/>
               <a:t>Fifth level</a:t>
             </a:r>
-            <a:endParaRPr lang="en-US"/>
           </a:p>
         </p:txBody>
       </p:sp>
@@ -3203,7 +3079,7 @@
           <a:p>
             <a:fld id="{12110144-19AD-4D4E-902D-E18AF93089D3}" type="datetimeFigureOut">
               <a:rPr lang="en-US" smtClean="0"/>
-              <a:t>7/17/17</a:t>
+              <a:t>7/17/18</a:t>
             </a:fld>
             <a:endParaRPr lang="en-US"/>
           </a:p>
@@ -3297,10 +3173,9 @@
           <a:lstStyle/>
           <a:p>
             <a:r>
-              <a:rPr lang="en-US" smtClean="0"/>
+              <a:rPr lang="en-US"/>
               <a:t>Click to edit Master title style</a:t>
             </a:r>
-            <a:endParaRPr lang="en-US"/>
           </a:p>
         </p:txBody>
       </p:sp>
@@ -3321,7 +3196,7 @@
           <a:p>
             <a:fld id="{12110144-19AD-4D4E-902D-E18AF93089D3}" type="datetimeFigureOut">
               <a:rPr lang="en-US" smtClean="0"/>
-              <a:t>7/17/17</a:t>
+              <a:t>7/17/18</a:t>
             </a:fld>
             <a:endParaRPr lang="en-US"/>
           </a:p>
@@ -3416,7 +3291,7 @@
           <a:p>
             <a:fld id="{12110144-19AD-4D4E-902D-E18AF93089D3}" type="datetimeFigureOut">
               <a:rPr lang="en-US" smtClean="0"/>
-              <a:t>7/17/17</a:t>
+              <a:t>7/17/18</a:t>
             </a:fld>
             <a:endParaRPr lang="en-US"/>
           </a:p>
@@ -3519,10 +3394,9 @@
           </a:lstStyle>
           <a:p>
             <a:r>
-              <a:rPr lang="en-US" smtClean="0"/>
+              <a:rPr lang="en-US"/>
               <a:t>Click to edit Master title style</a:t>
             </a:r>
-            <a:endParaRPr lang="en-US"/>
           </a:p>
         </p:txBody>
       </p:sp>
@@ -3576,38 +3450,37 @@
           <a:p>
             <a:pPr lvl="0"/>
             <a:r>
-              <a:rPr lang="en-US" smtClean="0"/>
+              <a:rPr lang="en-US"/>
               <a:t>Click to edit Master text styles</a:t>
             </a:r>
           </a:p>
           <a:p>
             <a:pPr lvl="1"/>
             <a:r>
-              <a:rPr lang="en-US" smtClean="0"/>
+              <a:rPr lang="en-US"/>
               <a:t>Second level</a:t>
             </a:r>
           </a:p>
           <a:p>
             <a:pPr lvl="2"/>
             <a:r>
-              <a:rPr lang="en-US" smtClean="0"/>
+              <a:rPr lang="en-US"/>
               <a:t>Third level</a:t>
             </a:r>
           </a:p>
           <a:p>
             <a:pPr lvl="3"/>
             <a:r>
-              <a:rPr lang="en-US" smtClean="0"/>
+              <a:rPr lang="en-US"/>
               <a:t>Fourth level</a:t>
             </a:r>
           </a:p>
           <a:p>
             <a:pPr lvl="4"/>
             <a:r>
-              <a:rPr lang="en-US" smtClean="0"/>
+              <a:rPr lang="en-US"/>
               <a:t>Fifth level</a:t>
             </a:r>
-            <a:endParaRPr lang="en-US"/>
           </a:p>
         </p:txBody>
       </p:sp>
@@ -3670,7 +3543,7 @@
           <a:p>
             <a:pPr lvl="0"/>
             <a:r>
-              <a:rPr lang="en-US" smtClean="0"/>
+              <a:rPr lang="en-US"/>
               <a:t>Click to edit Master text styles</a:t>
             </a:r>
           </a:p>
@@ -3693,7 +3566,7 @@
           <a:p>
             <a:fld id="{12110144-19AD-4D4E-902D-E18AF93089D3}" type="datetimeFigureOut">
               <a:rPr lang="en-US" smtClean="0"/>
-              <a:t>7/17/17</a:t>
+              <a:t>7/17/18</a:t>
             </a:fld>
             <a:endParaRPr lang="en-US"/>
           </a:p>
@@ -3796,10 +3669,9 @@
           </a:lstStyle>
           <a:p>
             <a:r>
-              <a:rPr lang="en-US" smtClean="0"/>
+              <a:rPr lang="en-US"/>
               <a:t>Click to edit Master title style</a:t>
             </a:r>
-            <a:endParaRPr lang="en-US"/>
           </a:p>
         </p:txBody>
       </p:sp>
@@ -3923,7 +3795,7 @@
           <a:p>
             <a:pPr lvl="0"/>
             <a:r>
-              <a:rPr lang="en-US" smtClean="0"/>
+              <a:rPr lang="en-US"/>
               <a:t>Click to edit Master text styles</a:t>
             </a:r>
           </a:p>
@@ -3946,7 +3818,7 @@
           <a:p>
             <a:fld id="{12110144-19AD-4D4E-902D-E18AF93089D3}" type="datetimeFigureOut">
               <a:rPr lang="en-US" smtClean="0"/>
-              <a:t>7/17/17</a:t>
+              <a:t>7/17/18</a:t>
             </a:fld>
             <a:endParaRPr lang="en-US"/>
           </a:p>
@@ -4073,10 +3945,9 @@
           <a:lstStyle/>
           <a:p>
             <a:r>
-              <a:rPr lang="en-US" smtClean="0"/>
+              <a:rPr lang="en-US"/>
               <a:t>Click to edit Master title style</a:t>
             </a:r>
-            <a:endParaRPr lang="en-US"/>
           </a:p>
         </p:txBody>
       </p:sp>
@@ -4107,38 +3978,37 @@
           <a:p>
             <a:pPr lvl="0"/>
             <a:r>
-              <a:rPr lang="en-US" smtClean="0"/>
+              <a:rPr lang="en-US"/>
               <a:t>Click to edit Master text styles</a:t>
             </a:r>
           </a:p>
           <a:p>
             <a:pPr lvl="1"/>
             <a:r>
-              <a:rPr lang="en-US" smtClean="0"/>
+              <a:rPr lang="en-US"/>
               <a:t>Second level</a:t>
             </a:r>
           </a:p>
           <a:p>
             <a:pPr lvl="2"/>
             <a:r>
-              <a:rPr lang="en-US" smtClean="0"/>
+              <a:rPr lang="en-US"/>
               <a:t>Third level</a:t>
             </a:r>
           </a:p>
           <a:p>
             <a:pPr lvl="3"/>
             <a:r>
-              <a:rPr lang="en-US" smtClean="0"/>
+              <a:rPr lang="en-US"/>
               <a:t>Fourth level</a:t>
             </a:r>
           </a:p>
           <a:p>
             <a:pPr lvl="4"/>
             <a:r>
-              <a:rPr lang="en-US" smtClean="0"/>
+              <a:rPr lang="en-US"/>
               <a:t>Fifth level</a:t>
             </a:r>
-            <a:endParaRPr lang="en-US"/>
           </a:p>
         </p:txBody>
       </p:sp>
@@ -4177,7 +4047,7 @@
           <a:p>
             <a:fld id="{12110144-19AD-4D4E-902D-E18AF93089D3}" type="datetimeFigureOut">
               <a:rPr lang="en-US" smtClean="0"/>
-              <a:t>7/17/17</a:t>
+              <a:t>7/17/18</a:t>
             </a:fld>
             <a:endParaRPr lang="en-US"/>
           </a:p>
@@ -4591,14 +4461,14 @@
               </a:spcAft>
             </a:pPr>
             <a:r>
-              <a:rPr lang="en-US" sz="8800" b="1" dirty="0" smtClean="0"/>
+              <a:rPr lang="en-US" sz="8800" b="1" dirty="0"/>
               <a:t>Consuming </a:t>
             </a:r>
             <a:br>
-              <a:rPr lang="en-US" sz="8800" b="1" dirty="0" smtClean="0"/>
+              <a:rPr lang="en-US" sz="8800" b="1" dirty="0"/>
             </a:br>
             <a:r>
-              <a:rPr lang="en-US" sz="8800" b="1" dirty="0" smtClean="0"/>
+              <a:rPr lang="en-US" sz="8800" b="1" dirty="0"/>
               <a:t>Web Services</a:t>
             </a:r>
             <a:endParaRPr lang="en-US" sz="9600" b="1" dirty="0"/>
@@ -4628,18 +4498,13 @@
           <a:lstStyle/>
           <a:p>
             <a:r>
-              <a:rPr lang="en-US" sz="4400" dirty="0" smtClean="0">
+              <a:rPr lang="en-US" sz="4400" dirty="0">
                 <a:solidFill>
                   <a:schemeClr val="tx1"/>
                 </a:solidFill>
               </a:rPr>
               <a:t>CIS 399</a:t>
             </a:r>
-            <a:endParaRPr lang="en-US" sz="4400" dirty="0">
-              <a:solidFill>
-                <a:schemeClr val="tx1"/>
-              </a:solidFill>
-            </a:endParaRPr>
           </a:p>
         </p:txBody>
       </p:sp>
@@ -4653,13 +4518,6 @@
   <p:clrMapOvr>
     <a:masterClrMapping/>
   </p:clrMapOvr>
-  <p:timing>
-    <p:tnLst>
-      <p:par>
-        <p:cTn id="1" dur="indefinite" restart="never" nodeType="tmRoot"/>
-      </p:par>
-    </p:tnLst>
-  </p:timing>
 </p:sld>
 </file>
 
@@ -4692,96 +4550,192 @@
         </p:nvSpPr>
         <p:spPr/>
         <p:txBody>
+          <a:bodyPr/>
+          <a:lstStyle/>
+          <a:p>
+            <a:r>
+              <a:rPr lang="en-US" dirty="0"/>
+              <a:t>Skeleton SOAP Message</a:t>
+            </a:r>
+          </a:p>
+        </p:txBody>
+      </p:sp>
+      <p:sp>
+        <p:nvSpPr>
+          <p:cNvPr id="3" name="Content Placeholder 2"/>
+          <p:cNvSpPr>
+            <a:spLocks noGrp="1"/>
+          </p:cNvSpPr>
+          <p:nvPr>
+            <p:ph idx="1"/>
+          </p:nvPr>
+        </p:nvSpPr>
+        <p:spPr/>
+        <p:txBody>
           <a:bodyPr>
-            <a:normAutofit/>
+            <a:normAutofit fontScale="62500" lnSpcReduction="20000"/>
           </a:bodyPr>
           <a:lstStyle/>
           <a:p>
-            <a:r>
-              <a:rPr lang="en-US" dirty="0" smtClean="0"/>
-              <a:t>WSDL</a:t>
+            <a:pPr marL="0" indent="0">
+              <a:buNone/>
+            </a:pPr>
+            <a:endParaRPr lang="en-US" sz="1400" dirty="0"/>
+          </a:p>
+          <a:p>
+            <a:pPr marL="400050" lvl="1" indent="0">
+              <a:buNone/>
+            </a:pPr>
+            <a:r>
+              <a:rPr lang="en-US" dirty="0"/>
+              <a:t>&lt;?xml version="1.0"?&gt;</a:t>
+            </a:r>
+          </a:p>
+          <a:p>
+            <a:pPr marL="400050" lvl="1" indent="0">
+              <a:buNone/>
+            </a:pPr>
+            <a:r>
+              <a:rPr lang="ro-RO" dirty="0"/>
+              <a:t>&lt;soap:Envelope</a:t>
+            </a:r>
+          </a:p>
+          <a:p>
+            <a:pPr marL="400050" lvl="1" indent="0">
+              <a:buNone/>
+            </a:pPr>
+            <a:r>
+              <a:rPr lang="ro-RO" dirty="0"/>
+              <a:t>xmlns:soap="http://www.w3.org/2001/12/soap-envelope"</a:t>
+            </a:r>
+          </a:p>
+          <a:p>
+            <a:pPr marL="400050" lvl="1" indent="0">
+              <a:buNone/>
+            </a:pPr>
+            <a:r>
+              <a:rPr lang="ro-RO" dirty="0"/>
+              <a:t>soap:encodingStyle="http://www.w3.org/2001/12/soap-encoding"&gt;</a:t>
+            </a:r>
+          </a:p>
+          <a:p>
+            <a:pPr marL="400050" lvl="1" indent="0">
+              <a:buNone/>
+            </a:pPr>
+            <a:endParaRPr lang="en-US" sz="1100" dirty="0"/>
+          </a:p>
+          <a:p>
+            <a:pPr marL="400050" lvl="1" indent="0">
+              <a:buNone/>
+            </a:pPr>
+            <a:r>
+              <a:rPr lang="ro-RO" dirty="0"/>
+              <a:t>&lt;soap:Header&gt;</a:t>
+            </a:r>
+          </a:p>
+          <a:p>
+            <a:pPr marL="400050" lvl="1" indent="0">
+              <a:buNone/>
+            </a:pPr>
+            <a:r>
+              <a:rPr lang="en-US" sz="2200" dirty="0"/>
+              <a:t>...</a:t>
+            </a:r>
+          </a:p>
+          <a:p>
+            <a:pPr marL="400050" lvl="1" indent="0">
+              <a:buNone/>
+            </a:pPr>
+            <a:r>
+              <a:rPr lang="ro-RO" dirty="0"/>
+              <a:t>&lt;/soap:Header&gt;</a:t>
+            </a:r>
+          </a:p>
+          <a:p>
+            <a:pPr marL="400050" lvl="1" indent="0">
+              <a:buNone/>
+            </a:pPr>
+            <a:endParaRPr lang="en-US" sz="1600" dirty="0"/>
+          </a:p>
+          <a:p>
+            <a:pPr marL="400050" lvl="1" indent="0">
+              <a:buNone/>
+            </a:pPr>
+            <a:r>
+              <a:rPr lang="ro-RO" dirty="0"/>
+              <a:t>&lt;soap:Body&gt;</a:t>
+            </a:r>
+          </a:p>
+          <a:p>
+            <a:pPr marL="400050" lvl="1" indent="0">
+              <a:buNone/>
+            </a:pPr>
+            <a:r>
+              <a:rPr lang="en-US" sz="2200" dirty="0"/>
+              <a:t>...</a:t>
+            </a:r>
+          </a:p>
+          <a:p>
+            <a:pPr marL="400050" lvl="1" indent="0">
+              <a:buNone/>
+            </a:pPr>
+            <a:r>
+              <a:rPr lang="ro-RO" dirty="0"/>
+              <a:t>  &lt;soap:Fault&gt;</a:t>
+            </a:r>
+          </a:p>
+          <a:p>
+            <a:pPr marL="400050" lvl="1" indent="0">
+              <a:buNone/>
+            </a:pPr>
+            <a:r>
+              <a:rPr lang="en-US" sz="2200" dirty="0"/>
+              <a:t>  ...</a:t>
+            </a:r>
+          </a:p>
+          <a:p>
+            <a:pPr marL="400050" lvl="1" indent="0">
+              <a:buNone/>
+            </a:pPr>
+            <a:r>
+              <a:rPr lang="ro-RO" dirty="0"/>
+              <a:t>  &lt;/soap:Fault&gt;</a:t>
+            </a:r>
+          </a:p>
+          <a:p>
+            <a:pPr marL="400050" lvl="1" indent="0">
+              <a:buNone/>
+            </a:pPr>
+            <a:r>
+              <a:rPr lang="ro-RO" dirty="0"/>
+              <a:t>&lt;/soap:Body&gt;</a:t>
             </a:r>
             <a:endParaRPr lang="en-US" dirty="0"/>
           </a:p>
-        </p:txBody>
-      </p:sp>
-      <p:sp>
-        <p:nvSpPr>
-          <p:cNvPr id="3" name="Content Placeholder 2"/>
-          <p:cNvSpPr>
-            <a:spLocks noGrp="1"/>
-          </p:cNvSpPr>
-          <p:nvPr>
-            <p:ph idx="1"/>
-          </p:nvPr>
-        </p:nvSpPr>
-        <p:spPr/>
-        <p:txBody>
-          <a:bodyPr>
-            <a:normAutofit/>
-          </a:bodyPr>
-          <a:lstStyle/>
-          <a:p>
-            <a:r>
-              <a:rPr lang="en-US" dirty="0"/>
-              <a:t>Web Services Description Layer</a:t>
-            </a:r>
-          </a:p>
-          <a:p>
-            <a:r>
-              <a:rPr lang="en-US" dirty="0"/>
-              <a:t>An XML document that describes a web service</a:t>
-            </a:r>
-          </a:p>
-          <a:p>
-            <a:r>
-              <a:rPr lang="en-US" dirty="0"/>
-              <a:t>The main elements in a WSDL document:</a:t>
-            </a:r>
-          </a:p>
-          <a:p>
-            <a:pPr marL="457200" lvl="1" indent="0">
+          <a:p>
+            <a:pPr marL="400050" lvl="1" indent="0">
               <a:buNone/>
             </a:pPr>
             <a:r>
-              <a:rPr lang="en-US" dirty="0"/>
-              <a:t>&lt;types&gt; 		Contains data type definitions</a:t>
-            </a:r>
-          </a:p>
-          <a:p>
-            <a:pPr marL="457200" lvl="1" indent="0">
+              <a:rPr lang="ro-RO" dirty="0"/>
+              <a:t>&lt;/soap:Envelope&gt;</a:t>
+            </a:r>
+          </a:p>
+          <a:p>
+            <a:pPr marL="400050" lvl="1" indent="0">
               <a:buNone/>
             </a:pPr>
-            <a:r>
-              <a:rPr lang="en-US" dirty="0"/>
-              <a:t>&lt;message&gt;	Definition of the data being sent</a:t>
-            </a:r>
-          </a:p>
-          <a:p>
-            <a:pPr marL="457200" lvl="1" indent="0">
+            <a:endParaRPr lang="ro-RO" sz="1300" dirty="0"/>
+          </a:p>
+          <a:p>
+            <a:pPr marL="400050" lvl="1" indent="0">
               <a:buNone/>
             </a:pPr>
             <a:r>
-              <a:rPr lang="en-US" dirty="0"/>
-              <a:t>&lt;</a:t>
-            </a:r>
-            <a:r>
-              <a:rPr lang="en-US" dirty="0" err="1"/>
-              <a:t>portType</a:t>
-            </a:r>
-            <a:r>
-              <a:rPr lang="en-US" dirty="0"/>
-              <a:t>&gt;	List of operations </a:t>
-            </a:r>
-          </a:p>
-          <a:p>
-            <a:pPr marL="457200" lvl="1" indent="0">
-              <a:buNone/>
-            </a:pPr>
-            <a:r>
-              <a:rPr lang="en-US" dirty="0"/>
-              <a:t>&lt;binding&gt;	Protocol and data format for port type</a:t>
-            </a:r>
+              <a:rPr lang="ro-RO" dirty="0"/>
+              <a:t>(From w3schools)</a:t>
+            </a:r>
+            <a:endParaRPr lang="en-US" dirty="0"/>
           </a:p>
           <a:p>
             <a:endParaRPr lang="en-US" dirty="0"/>
@@ -4791,20 +4745,13 @@
     </p:spTree>
     <p:extLst>
       <p:ext uri="{BB962C8B-B14F-4D97-AF65-F5344CB8AC3E}">
-        <p14:creationId xmlns:p14="http://schemas.microsoft.com/office/powerpoint/2010/main" val="885899410"/>
+        <p14:creationId xmlns:p14="http://schemas.microsoft.com/office/powerpoint/2010/main" val="1683562864"/>
       </p:ext>
     </p:extLst>
   </p:cSld>
   <p:clrMapOvr>
     <a:masterClrMapping/>
   </p:clrMapOvr>
-  <p:timing>
-    <p:tnLst>
-      <p:par>
-        <p:cTn id="1" dur="indefinite" restart="never" nodeType="tmRoot"/>
-      </p:par>
-    </p:tnLst>
-  </p:timing>
 </p:sld>
 </file>
 
@@ -4841,10 +4788,9 @@
           <a:lstStyle/>
           <a:p>
             <a:r>
-              <a:rPr lang="en-US" dirty="0" smtClean="0"/>
-              <a:t>SOAP Messages</a:t>
-            </a:r>
-            <a:endParaRPr lang="en-US" dirty="0"/>
+              <a:rPr lang="en-US" dirty="0"/>
+              <a:t>Request Body</a:t>
+            </a:r>
           </a:p>
         </p:txBody>
       </p:sp>
@@ -4866,56 +4812,116 @@
           <a:lstStyle/>
           <a:p>
             <a:r>
-              <a:rPr lang="en-US" dirty="0" smtClean="0"/>
-              <a:t>Used for Request and Response</a:t>
-            </a:r>
-            <a:endParaRPr lang="en-US" dirty="0"/>
-          </a:p>
-          <a:p>
-            <a:r>
               <a:rPr lang="en-US" dirty="0"/>
-              <a:t>A SOAP message is an XML document (not a file) with these elements:</a:t>
-            </a:r>
-          </a:p>
-          <a:p>
-            <a:pPr lvl="1">
-              <a:buFont typeface="Courier New"/>
-              <a:buChar char="o"/>
+              <a:t>Contains the actual SOAP message. </a:t>
+            </a:r>
+          </a:p>
+          <a:p>
+            <a:r>
+              <a:rPr lang="en-US" dirty="0"/>
+              <a:t>Example request message (w3schools),</a:t>
+            </a:r>
+            <a:br>
+              <a:rPr lang="en-US" dirty="0"/>
+            </a:br>
+            <a:r>
+              <a:rPr lang="en-US" dirty="0"/>
+              <a:t>requests the price of apples</a:t>
+            </a:r>
+          </a:p>
+          <a:p>
+            <a:pPr marL="400050" lvl="1" indent="0">
+              <a:buNone/>
             </a:pPr>
             <a:r>
+              <a:rPr lang="ro-RO" sz="2400" dirty="0"/>
+              <a:t>&lt;soap:Body&gt;</a:t>
+            </a:r>
+          </a:p>
+          <a:p>
+            <a:pPr marL="800100" lvl="2" indent="0">
+              <a:buNone/>
+            </a:pPr>
+            <a:r>
+              <a:rPr lang="nl-NL" dirty="0"/>
+              <a:t>&lt;</a:t>
+            </a:r>
+            <a:r>
+              <a:rPr lang="nl-NL" dirty="0" err="1"/>
+              <a:t>m:GetPrice</a:t>
+            </a:r>
+            <a:r>
+              <a:rPr lang="nl-NL" dirty="0"/>
+              <a:t> </a:t>
+            </a:r>
+            <a:r>
+              <a:rPr lang="nl-NL" dirty="0" err="1"/>
+              <a:t>xmlns:m</a:t>
+            </a:r>
+            <a:r>
+              <a:rPr lang="nl-NL" dirty="0"/>
+              <a:t>="http://www.w3schools.com/</a:t>
+            </a:r>
+            <a:r>
+              <a:rPr lang="nl-NL" dirty="0" err="1"/>
+              <a:t>prices</a:t>
+            </a:r>
+            <a:r>
+              <a:rPr lang="nl-NL" dirty="0"/>
+              <a:t>"&gt;</a:t>
+            </a:r>
+          </a:p>
+          <a:p>
+            <a:pPr marL="1257300" lvl="3" indent="0">
+              <a:buNone/>
+            </a:pPr>
+            <a:r>
+              <a:rPr lang="en-US" sz="2400" dirty="0"/>
+              <a:t>&lt;</a:t>
+            </a:r>
+            <a:r>
+              <a:rPr lang="en-US" sz="2400" dirty="0" err="1"/>
+              <a:t>m:Item</a:t>
+            </a:r>
+            <a:r>
+              <a:rPr lang="en-US" sz="2400" dirty="0"/>
+              <a:t>&gt;Apples&lt;/</a:t>
+            </a:r>
+            <a:r>
+              <a:rPr lang="en-US" sz="2400" dirty="0" err="1"/>
+              <a:t>m:Item</a:t>
+            </a:r>
+            <a:r>
+              <a:rPr lang="en-US" sz="2400" dirty="0"/>
+              <a:t>&gt;</a:t>
+            </a:r>
+          </a:p>
+          <a:p>
+            <a:pPr marL="800100" lvl="2" indent="0">
+              <a:buNone/>
+            </a:pPr>
+            <a:r>
               <a:rPr lang="en-US" dirty="0"/>
-              <a:t>Header</a:t>
-            </a:r>
-          </a:p>
-          <a:p>
-            <a:pPr lvl="1">
-              <a:buFont typeface="Courier New"/>
-              <a:buChar char="o"/>
+              <a:t>&lt;/</a:t>
+            </a:r>
+            <a:r>
+              <a:rPr lang="en-US" dirty="0" err="1"/>
+              <a:t>m:GetPrice</a:t>
+            </a:r>
+            <a:r>
+              <a:rPr lang="en-US" dirty="0"/>
+              <a:t>&gt;</a:t>
+            </a:r>
+          </a:p>
+          <a:p>
+            <a:pPr marL="400050" lvl="1" indent="0">
+              <a:buNone/>
             </a:pPr>
             <a:r>
-              <a:rPr lang="en-US" dirty="0"/>
-              <a:t>Body</a:t>
-            </a:r>
-          </a:p>
-          <a:p>
-            <a:pPr lvl="1">
-              <a:buFont typeface="Courier New"/>
-              <a:buChar char="o"/>
-            </a:pPr>
-            <a:r>
-              <a:rPr lang="en-US" dirty="0"/>
-              <a:t>Fault</a:t>
-            </a:r>
-          </a:p>
-          <a:p>
-            <a:pPr lvl="1">
-              <a:buFont typeface="Courier New"/>
-              <a:buChar char="o"/>
-            </a:pPr>
-            <a:r>
-              <a:rPr lang="en-US" dirty="0"/>
-              <a:t>Envelope</a:t>
-            </a:r>
+              <a:rPr lang="ro-RO" sz="2400" dirty="0"/>
+              <a:t>&lt;/soap:Body&gt;</a:t>
+            </a:r>
+            <a:endParaRPr lang="en-US" sz="2400" dirty="0"/>
           </a:p>
           <a:p>
             <a:endParaRPr lang="en-US" dirty="0"/>
@@ -4925,20 +4931,13 @@
     </p:spTree>
     <p:extLst>
       <p:ext uri="{BB962C8B-B14F-4D97-AF65-F5344CB8AC3E}">
-        <p14:creationId xmlns:p14="http://schemas.microsoft.com/office/powerpoint/2010/main" val="644461026"/>
+        <p14:creationId xmlns:p14="http://schemas.microsoft.com/office/powerpoint/2010/main" val="3058979535"/>
       </p:ext>
     </p:extLst>
   </p:cSld>
   <p:clrMapOvr>
     <a:masterClrMapping/>
   </p:clrMapOvr>
-  <p:timing>
-    <p:tnLst>
-      <p:par>
-        <p:cTn id="1" dur="indefinite" restart="never" nodeType="tmRoot"/>
-      </p:par>
-    </p:tnLst>
-  </p:timing>
 </p:sld>
 </file>
 
@@ -4975,10 +4974,9 @@
           <a:lstStyle/>
           <a:p>
             <a:r>
-              <a:rPr lang="en-US" dirty="0" smtClean="0"/>
-              <a:t>Skeleton SOAP Message</a:t>
-            </a:r>
-            <a:endParaRPr lang="en-US" dirty="0"/>
+              <a:rPr lang="en-US" dirty="0"/>
+              <a:t>Response Body</a:t>
+            </a:r>
           </a:p>
         </p:txBody>
       </p:sp>
@@ -4995,169 +4993,107 @@
         <p:spPr/>
         <p:txBody>
           <a:bodyPr>
-            <a:normAutofit fontScale="62500" lnSpcReduction="20000"/>
+            <a:normAutofit/>
           </a:bodyPr>
           <a:lstStyle/>
           <a:p>
-            <a:pPr marL="0" indent="0">
+            <a:r>
+              <a:rPr lang="en-US" dirty="0"/>
+              <a:t>Response message example (w3schools),</a:t>
+            </a:r>
+            <a:br>
+              <a:rPr lang="en-US" dirty="0"/>
+            </a:br>
+            <a:r>
+              <a:rPr lang="en-US" dirty="0"/>
+              <a:t>returns the price of apples</a:t>
+            </a:r>
+          </a:p>
+          <a:p>
+            <a:pPr marL="400050" lvl="1" indent="0">
               <a:buNone/>
             </a:pPr>
-            <a:endParaRPr lang="en-US" sz="1400" dirty="0"/>
+            <a:r>
+              <a:rPr lang="ro-RO" sz="2400" dirty="0"/>
+              <a:t>&lt;soap:Body&gt;</a:t>
+            </a:r>
+          </a:p>
+          <a:p>
+            <a:pPr marL="800100" lvl="2" indent="0">
+              <a:buNone/>
+            </a:pPr>
+            <a:r>
+              <a:rPr lang="nl-NL" dirty="0"/>
+              <a:t>&lt;</a:t>
+            </a:r>
+            <a:r>
+              <a:rPr lang="nl-NL" dirty="0" err="1"/>
+              <a:t>m:GetPriceResponsexmlns:m</a:t>
+            </a:r>
+            <a:r>
+              <a:rPr lang="nl-NL" dirty="0"/>
+              <a:t>="http://www.w3schools.com/</a:t>
+            </a:r>
+            <a:r>
+              <a:rPr lang="nl-NL" dirty="0" err="1"/>
+              <a:t>prices</a:t>
+            </a:r>
+            <a:r>
+              <a:rPr lang="nl-NL" dirty="0"/>
+              <a:t>"&gt;</a:t>
+            </a:r>
+          </a:p>
+          <a:p>
+            <a:pPr marL="1257300" lvl="3" indent="0">
+              <a:buNone/>
+            </a:pPr>
+            <a:r>
+              <a:rPr lang="en-US" sz="2400" dirty="0"/>
+              <a:t>&lt;</a:t>
+            </a:r>
+            <a:r>
+              <a:rPr lang="en-US" sz="2400" dirty="0" err="1"/>
+              <a:t>m:Price</a:t>
+            </a:r>
+            <a:r>
+              <a:rPr lang="en-US" sz="2400" dirty="0"/>
+              <a:t>&gt;1.90&lt;/</a:t>
+            </a:r>
+            <a:r>
+              <a:rPr lang="en-US" sz="2400" dirty="0" err="1"/>
+              <a:t>m:Price</a:t>
+            </a:r>
+            <a:r>
+              <a:rPr lang="en-US" sz="2400" dirty="0"/>
+              <a:t>&gt;</a:t>
+            </a:r>
+          </a:p>
+          <a:p>
+            <a:pPr marL="800100" lvl="2" indent="0">
+              <a:buNone/>
+            </a:pPr>
+            <a:r>
+              <a:rPr lang="en-US" dirty="0"/>
+              <a:t> &lt;/</a:t>
+            </a:r>
+            <a:r>
+              <a:rPr lang="en-US" dirty="0" err="1"/>
+              <a:t>m:GetPriceResponse</a:t>
+            </a:r>
+            <a:r>
+              <a:rPr lang="en-US" dirty="0"/>
+              <a:t>&gt;</a:t>
+            </a:r>
           </a:p>
           <a:p>
             <a:pPr marL="400050" lvl="1" indent="0">
               <a:buNone/>
             </a:pPr>
             <a:r>
-              <a:rPr lang="en-US" dirty="0"/>
-              <a:t>&lt;?xml version="1.0"?&gt;</a:t>
-            </a:r>
-          </a:p>
-          <a:p>
-            <a:pPr marL="400050" lvl="1" indent="0">
-              <a:buNone/>
-            </a:pPr>
-            <a:r>
-              <a:rPr lang="ro-RO" dirty="0"/>
-              <a:t>&lt;soap:Envelope</a:t>
-            </a:r>
-          </a:p>
-          <a:p>
-            <a:pPr marL="400050" lvl="1" indent="0">
-              <a:buNone/>
-            </a:pPr>
-            <a:r>
-              <a:rPr lang="ro-RO" dirty="0"/>
-              <a:t>xmlns:soap="http://www.w3.org/2001/12/soap-envelope"</a:t>
-            </a:r>
-          </a:p>
-          <a:p>
-            <a:pPr marL="400050" lvl="1" indent="0">
-              <a:buNone/>
-            </a:pPr>
-            <a:r>
-              <a:rPr lang="ro-RO" dirty="0"/>
-              <a:t>soap:encodingStyle="http://www.w3.org/2001/12/soap-encoding"&gt;</a:t>
-            </a:r>
-          </a:p>
-          <a:p>
-            <a:pPr marL="400050" lvl="1" indent="0">
-              <a:buNone/>
-            </a:pPr>
-            <a:endParaRPr lang="en-US" sz="1100" dirty="0"/>
-          </a:p>
-          <a:p>
-            <a:pPr marL="400050" lvl="1" indent="0">
-              <a:buNone/>
-            </a:pPr>
-            <a:r>
-              <a:rPr lang="ro-RO" dirty="0"/>
-              <a:t>&lt;soap:Header&gt;</a:t>
-            </a:r>
-          </a:p>
-          <a:p>
-            <a:pPr marL="400050" lvl="1" indent="0">
-              <a:buNone/>
-            </a:pPr>
-            <a:r>
-              <a:rPr lang="en-US" sz="2200" dirty="0"/>
-              <a:t>...</a:t>
-            </a:r>
-          </a:p>
-          <a:p>
-            <a:pPr marL="400050" lvl="1" indent="0">
-              <a:buNone/>
-            </a:pPr>
-            <a:r>
-              <a:rPr lang="ro-RO" dirty="0"/>
-              <a:t>&lt;/soap:Header&gt;</a:t>
-            </a:r>
-          </a:p>
-          <a:p>
-            <a:pPr marL="400050" lvl="1" indent="0">
-              <a:buNone/>
-            </a:pPr>
-            <a:endParaRPr lang="en-US" sz="1600" dirty="0"/>
-          </a:p>
-          <a:p>
-            <a:pPr marL="400050" lvl="1" indent="0">
-              <a:buNone/>
-            </a:pPr>
-            <a:r>
-              <a:rPr lang="ro-RO" dirty="0"/>
-              <a:t>&lt;soap:Body&gt;</a:t>
-            </a:r>
-          </a:p>
-          <a:p>
-            <a:pPr marL="400050" lvl="1" indent="0">
-              <a:buNone/>
-            </a:pPr>
-            <a:r>
-              <a:rPr lang="en-US" sz="2200" dirty="0"/>
-              <a:t>...</a:t>
-            </a:r>
-          </a:p>
-          <a:p>
-            <a:pPr marL="400050" lvl="1" indent="0">
-              <a:buNone/>
-            </a:pPr>
-            <a:r>
-              <a:rPr lang="ro-RO" dirty="0"/>
-              <a:t>  &lt;soap:Fault&gt;</a:t>
-            </a:r>
-          </a:p>
-          <a:p>
-            <a:pPr marL="400050" lvl="1" indent="0">
-              <a:buNone/>
-            </a:pPr>
-            <a:r>
-              <a:rPr lang="en-US" sz="2200" dirty="0"/>
-              <a:t>  ...</a:t>
-            </a:r>
-          </a:p>
-          <a:p>
-            <a:pPr marL="400050" lvl="1" indent="0">
-              <a:buNone/>
-            </a:pPr>
-            <a:r>
-              <a:rPr lang="ro-RO" dirty="0"/>
-              <a:t>  &lt;/soap:Fault&gt;</a:t>
-            </a:r>
-          </a:p>
-          <a:p>
-            <a:pPr marL="400050" lvl="1" indent="0">
-              <a:buNone/>
-            </a:pPr>
-            <a:r>
-              <a:rPr lang="ro-RO" dirty="0"/>
+              <a:rPr lang="ro-RO" sz="2400" dirty="0"/>
               <a:t>&lt;/soap:Body&gt;</a:t>
             </a:r>
-            <a:endParaRPr lang="en-US" dirty="0"/>
-          </a:p>
-          <a:p>
-            <a:pPr marL="400050" lvl="1" indent="0">
-              <a:buNone/>
-            </a:pPr>
-            <a:r>
-              <a:rPr lang="ro-RO" dirty="0"/>
-              <a:t>&lt;/soap:Envelope&gt;</a:t>
-            </a:r>
-          </a:p>
-          <a:p>
-            <a:pPr marL="400050" lvl="1" indent="0">
-              <a:buNone/>
-            </a:pPr>
-            <a:endParaRPr lang="ro-RO" sz="1300" dirty="0"/>
-          </a:p>
-          <a:p>
-            <a:pPr marL="400050" lvl="1" indent="0">
-              <a:buNone/>
-            </a:pPr>
-            <a:r>
-              <a:rPr lang="ro-RO" dirty="0"/>
-              <a:t>(From w3schools)</a:t>
-            </a:r>
-            <a:endParaRPr lang="en-US" dirty="0"/>
+            <a:endParaRPr lang="en-US" sz="2400" dirty="0"/>
           </a:p>
           <a:p>
             <a:endParaRPr lang="en-US" dirty="0"/>
@@ -5167,20 +5103,13 @@
     </p:spTree>
     <p:extLst>
       <p:ext uri="{BB962C8B-B14F-4D97-AF65-F5344CB8AC3E}">
-        <p14:creationId xmlns:p14="http://schemas.microsoft.com/office/powerpoint/2010/main" val="1683562864"/>
+        <p14:creationId xmlns:p14="http://schemas.microsoft.com/office/powerpoint/2010/main" val="967842952"/>
       </p:ext>
     </p:extLst>
   </p:cSld>
   <p:clrMapOvr>
     <a:masterClrMapping/>
   </p:clrMapOvr>
-  <p:timing>
-    <p:tnLst>
-      <p:par>
-        <p:cTn id="1" dur="indefinite" restart="never" nodeType="tmRoot"/>
-      </p:par>
-    </p:tnLst>
-  </p:timing>
 </p:sld>
 </file>
 
@@ -5217,384 +5146,9 @@
           <a:lstStyle/>
           <a:p>
             <a:r>
-              <a:rPr lang="en-US" dirty="0" smtClean="0"/>
-              <a:t>Request Body</a:t>
-            </a:r>
-            <a:endParaRPr lang="en-US" dirty="0"/>
-          </a:p>
-        </p:txBody>
-      </p:sp>
-      <p:sp>
-        <p:nvSpPr>
-          <p:cNvPr id="3" name="Content Placeholder 2"/>
-          <p:cNvSpPr>
-            <a:spLocks noGrp="1"/>
-          </p:cNvSpPr>
-          <p:nvPr>
-            <p:ph idx="1"/>
-          </p:nvPr>
-        </p:nvSpPr>
-        <p:spPr/>
-        <p:txBody>
-          <a:bodyPr>
-            <a:normAutofit/>
-          </a:bodyPr>
-          <a:lstStyle/>
-          <a:p>
-            <a:r>
               <a:rPr lang="en-US" dirty="0"/>
-              <a:t>Contains the actual SOAP message. </a:t>
-            </a:r>
-          </a:p>
-          <a:p>
-            <a:r>
-              <a:rPr lang="en-US" dirty="0"/>
-              <a:t>Example request message (w3schools),</a:t>
-            </a:r>
-            <a:br>
-              <a:rPr lang="en-US" dirty="0"/>
-            </a:br>
-            <a:r>
-              <a:rPr lang="en-US" dirty="0"/>
-              <a:t>requests the price of apples</a:t>
-            </a:r>
-          </a:p>
-          <a:p>
-            <a:pPr marL="400050" lvl="1" indent="0">
-              <a:buNone/>
-            </a:pPr>
-            <a:r>
-              <a:rPr lang="ro-RO" sz="2400" dirty="0"/>
-              <a:t>&lt;soap:Body&gt;</a:t>
-            </a:r>
-          </a:p>
-          <a:p>
-            <a:pPr marL="800100" lvl="2" indent="0">
-              <a:buNone/>
-            </a:pPr>
-            <a:r>
-              <a:rPr lang="nl-NL" dirty="0"/>
-              <a:t>&lt;</a:t>
-            </a:r>
-            <a:r>
-              <a:rPr lang="nl-NL" dirty="0" err="1"/>
-              <a:t>m:GetPrice</a:t>
-            </a:r>
-            <a:r>
-              <a:rPr lang="nl-NL" dirty="0"/>
-              <a:t> </a:t>
-            </a:r>
-            <a:r>
-              <a:rPr lang="nl-NL" dirty="0" err="1"/>
-              <a:t>xmlns:m</a:t>
-            </a:r>
-            <a:r>
-              <a:rPr lang="nl-NL" dirty="0"/>
-              <a:t>="http://www.w3schools.com/</a:t>
-            </a:r>
-            <a:r>
-              <a:rPr lang="nl-NL" dirty="0" err="1"/>
-              <a:t>prices</a:t>
-            </a:r>
-            <a:r>
-              <a:rPr lang="nl-NL" dirty="0"/>
-              <a:t>"&gt;</a:t>
-            </a:r>
-          </a:p>
-          <a:p>
-            <a:pPr marL="1257300" lvl="3" indent="0">
-              <a:buNone/>
-            </a:pPr>
-            <a:r>
-              <a:rPr lang="en-US" sz="2400" dirty="0"/>
-              <a:t>&lt;</a:t>
-            </a:r>
-            <a:r>
-              <a:rPr lang="en-US" sz="2400" dirty="0" err="1"/>
-              <a:t>m:Item</a:t>
-            </a:r>
-            <a:r>
-              <a:rPr lang="en-US" sz="2400" dirty="0"/>
-              <a:t>&gt;Apples&lt;/</a:t>
-            </a:r>
-            <a:r>
-              <a:rPr lang="en-US" sz="2400" dirty="0" err="1"/>
-              <a:t>m:Item</a:t>
-            </a:r>
-            <a:r>
-              <a:rPr lang="en-US" sz="2400" dirty="0"/>
-              <a:t>&gt;</a:t>
-            </a:r>
-          </a:p>
-          <a:p>
-            <a:pPr marL="800100" lvl="2" indent="0">
-              <a:buNone/>
-            </a:pPr>
-            <a:r>
-              <a:rPr lang="en-US" dirty="0"/>
-              <a:t>&lt;/</a:t>
-            </a:r>
-            <a:r>
-              <a:rPr lang="en-US" dirty="0" err="1"/>
-              <a:t>m:GetPrice</a:t>
-            </a:r>
-            <a:r>
-              <a:rPr lang="en-US" dirty="0"/>
-              <a:t>&gt;</a:t>
-            </a:r>
-          </a:p>
-          <a:p>
-            <a:pPr marL="400050" lvl="1" indent="0">
-              <a:buNone/>
-            </a:pPr>
-            <a:r>
-              <a:rPr lang="ro-RO" sz="2400" dirty="0"/>
-              <a:t>&lt;/soap:Body&gt;</a:t>
-            </a:r>
-            <a:endParaRPr lang="en-US" sz="2400" dirty="0"/>
-          </a:p>
-          <a:p>
-            <a:endParaRPr lang="en-US" dirty="0"/>
-          </a:p>
-        </p:txBody>
-      </p:sp>
-    </p:spTree>
-    <p:extLst>
-      <p:ext uri="{BB962C8B-B14F-4D97-AF65-F5344CB8AC3E}">
-        <p14:creationId xmlns:p14="http://schemas.microsoft.com/office/powerpoint/2010/main" val="3058979535"/>
-      </p:ext>
-    </p:extLst>
-  </p:cSld>
-  <p:clrMapOvr>
-    <a:masterClrMapping/>
-  </p:clrMapOvr>
-  <p:timing>
-    <p:tnLst>
-      <p:par>
-        <p:cTn id="1" dur="indefinite" restart="never" nodeType="tmRoot"/>
-      </p:par>
-    </p:tnLst>
-  </p:timing>
-</p:sld>
-</file>
-
-<file path=ppt/slides/slide14.xml><?xml version="1.0" encoding="utf-8"?>
-<p:sld xmlns:a="http://schemas.openxmlformats.org/drawingml/2006/main" xmlns:r="http://schemas.openxmlformats.org/officeDocument/2006/relationships" xmlns:p="http://schemas.openxmlformats.org/presentationml/2006/main">
-  <p:cSld>
-    <p:spTree>
-      <p:nvGrpSpPr>
-        <p:cNvPr id="1" name=""/>
-        <p:cNvGrpSpPr/>
-        <p:nvPr/>
-      </p:nvGrpSpPr>
-      <p:grpSpPr>
-        <a:xfrm>
-          <a:off x="0" y="0"/>
-          <a:ext cx="0" cy="0"/>
-          <a:chOff x="0" y="0"/>
-          <a:chExt cx="0" cy="0"/>
-        </a:xfrm>
-      </p:grpSpPr>
-      <p:sp>
-        <p:nvSpPr>
-          <p:cNvPr id="2" name="Title 1"/>
-          <p:cNvSpPr>
-            <a:spLocks noGrp="1"/>
-          </p:cNvSpPr>
-          <p:nvPr>
-            <p:ph type="title"/>
-          </p:nvPr>
-        </p:nvSpPr>
-        <p:spPr/>
-        <p:txBody>
-          <a:bodyPr/>
-          <a:lstStyle/>
-          <a:p>
-            <a:r>
-              <a:rPr lang="en-US" dirty="0" smtClean="0"/>
-              <a:t>Response Body</a:t>
-            </a:r>
-            <a:endParaRPr lang="en-US" dirty="0"/>
-          </a:p>
-        </p:txBody>
-      </p:sp>
-      <p:sp>
-        <p:nvSpPr>
-          <p:cNvPr id="3" name="Content Placeholder 2"/>
-          <p:cNvSpPr>
-            <a:spLocks noGrp="1"/>
-          </p:cNvSpPr>
-          <p:nvPr>
-            <p:ph idx="1"/>
-          </p:nvPr>
-        </p:nvSpPr>
-        <p:spPr/>
-        <p:txBody>
-          <a:bodyPr>
-            <a:normAutofit/>
-          </a:bodyPr>
-          <a:lstStyle/>
-          <a:p>
-            <a:r>
-              <a:rPr lang="en-US" dirty="0"/>
-              <a:t>Response message example (w3schools),</a:t>
-            </a:r>
-            <a:br>
-              <a:rPr lang="en-US" dirty="0"/>
-            </a:br>
-            <a:r>
-              <a:rPr lang="en-US" dirty="0"/>
-              <a:t>returns the price of apples</a:t>
-            </a:r>
-          </a:p>
-          <a:p>
-            <a:pPr marL="400050" lvl="1" indent="0">
-              <a:buNone/>
-            </a:pPr>
-            <a:r>
-              <a:rPr lang="ro-RO" sz="2400" dirty="0"/>
-              <a:t>&lt;soap:Body&gt;</a:t>
-            </a:r>
-          </a:p>
-          <a:p>
-            <a:pPr marL="800100" lvl="2" indent="0">
-              <a:buNone/>
-            </a:pPr>
-            <a:r>
-              <a:rPr lang="nl-NL" dirty="0"/>
-              <a:t>&lt;</a:t>
-            </a:r>
-            <a:r>
-              <a:rPr lang="nl-NL" dirty="0" err="1"/>
-              <a:t>m:GetPriceResponsexmlns:m</a:t>
-            </a:r>
-            <a:r>
-              <a:rPr lang="nl-NL" dirty="0"/>
-              <a:t>="http://www.w3schools.com/</a:t>
-            </a:r>
-            <a:r>
-              <a:rPr lang="nl-NL" dirty="0" err="1"/>
-              <a:t>prices</a:t>
-            </a:r>
-            <a:r>
-              <a:rPr lang="nl-NL" dirty="0"/>
-              <a:t>"&gt;</a:t>
-            </a:r>
-          </a:p>
-          <a:p>
-            <a:pPr marL="1257300" lvl="3" indent="0">
-              <a:buNone/>
-            </a:pPr>
-            <a:r>
-              <a:rPr lang="en-US" sz="2400" dirty="0"/>
-              <a:t>&lt;</a:t>
-            </a:r>
-            <a:r>
-              <a:rPr lang="en-US" sz="2400" dirty="0" err="1"/>
-              <a:t>m:Price</a:t>
-            </a:r>
-            <a:r>
-              <a:rPr lang="en-US" sz="2400" dirty="0"/>
-              <a:t>&gt;1.90&lt;/</a:t>
-            </a:r>
-            <a:r>
-              <a:rPr lang="en-US" sz="2400" dirty="0" err="1"/>
-              <a:t>m:Price</a:t>
-            </a:r>
-            <a:r>
-              <a:rPr lang="en-US" sz="2400" dirty="0"/>
-              <a:t>&gt;</a:t>
-            </a:r>
-          </a:p>
-          <a:p>
-            <a:pPr marL="800100" lvl="2" indent="0">
-              <a:buNone/>
-            </a:pPr>
-            <a:r>
-              <a:rPr lang="en-US" dirty="0"/>
-              <a:t> &lt;/</a:t>
-            </a:r>
-            <a:r>
-              <a:rPr lang="en-US" dirty="0" err="1"/>
-              <a:t>m:GetPriceResponse</a:t>
-            </a:r>
-            <a:r>
-              <a:rPr lang="en-US" dirty="0"/>
-              <a:t>&gt;</a:t>
-            </a:r>
-          </a:p>
-          <a:p>
-            <a:pPr marL="400050" lvl="1" indent="0">
-              <a:buNone/>
-            </a:pPr>
-            <a:r>
-              <a:rPr lang="ro-RO" sz="2400" dirty="0"/>
-              <a:t>&lt;/soap:Body&gt;</a:t>
-            </a:r>
-            <a:endParaRPr lang="en-US" sz="2400" dirty="0"/>
-          </a:p>
-          <a:p>
-            <a:endParaRPr lang="en-US" dirty="0"/>
-          </a:p>
-        </p:txBody>
-      </p:sp>
-    </p:spTree>
-    <p:extLst>
-      <p:ext uri="{BB962C8B-B14F-4D97-AF65-F5344CB8AC3E}">
-        <p14:creationId xmlns:p14="http://schemas.microsoft.com/office/powerpoint/2010/main" val="967842952"/>
-      </p:ext>
-    </p:extLst>
-  </p:cSld>
-  <p:clrMapOvr>
-    <a:masterClrMapping/>
-  </p:clrMapOvr>
-  <p:timing>
-    <p:tnLst>
-      <p:par>
-        <p:cTn id="1" dur="indefinite" restart="never" nodeType="tmRoot"/>
-      </p:par>
-    </p:tnLst>
-  </p:timing>
-</p:sld>
-</file>
-
-<file path=ppt/slides/slide15.xml><?xml version="1.0" encoding="utf-8"?>
-<p:sld xmlns:a="http://schemas.openxmlformats.org/drawingml/2006/main" xmlns:r="http://schemas.openxmlformats.org/officeDocument/2006/relationships" xmlns:p="http://schemas.openxmlformats.org/presentationml/2006/main">
-  <p:cSld>
-    <p:spTree>
-      <p:nvGrpSpPr>
-        <p:cNvPr id="1" name=""/>
-        <p:cNvGrpSpPr/>
-        <p:nvPr/>
-      </p:nvGrpSpPr>
-      <p:grpSpPr>
-        <a:xfrm>
-          <a:off x="0" y="0"/>
-          <a:ext cx="0" cy="0"/>
-          <a:chOff x="0" y="0"/>
-          <a:chExt cx="0" cy="0"/>
-        </a:xfrm>
-      </p:grpSpPr>
-      <p:sp>
-        <p:nvSpPr>
-          <p:cNvPr id="2" name="Title 1"/>
-          <p:cNvSpPr>
-            <a:spLocks noGrp="1"/>
-          </p:cNvSpPr>
-          <p:nvPr>
-            <p:ph type="title"/>
-          </p:nvPr>
-        </p:nvSpPr>
-        <p:spPr/>
-        <p:txBody>
-          <a:bodyPr/>
-          <a:lstStyle/>
-          <a:p>
-            <a:r>
-              <a:rPr lang="en-US" dirty="0" smtClean="0"/>
               <a:t>SOAP Service and Client</a:t>
             </a:r>
-            <a:endParaRPr lang="en-US" dirty="0"/>
           </a:p>
         </p:txBody>
       </p:sp>
@@ -5621,24 +5175,23 @@
           <a:lstStyle/>
           <a:p>
             <a:r>
-              <a:rPr lang="en-US" dirty="0" smtClean="0"/>
+              <a:rPr lang="en-US" dirty="0"/>
               <a:t>A SOAP client consists of:</a:t>
             </a:r>
           </a:p>
           <a:p>
             <a:pPr lvl="1"/>
             <a:r>
-              <a:rPr lang="en-US" dirty="0" smtClean="0"/>
+              <a:rPr lang="en-US" dirty="0"/>
               <a:t>A proxy that represents the web service</a:t>
             </a:r>
           </a:p>
           <a:p>
             <a:pPr lvl="1"/>
             <a:r>
-              <a:rPr lang="en-US" dirty="0" smtClean="0"/>
+              <a:rPr lang="en-US" dirty="0"/>
               <a:t>Client code that communicates with the proxy</a:t>
             </a:r>
-            <a:endParaRPr lang="en-US" dirty="0"/>
           </a:p>
         </p:txBody>
       </p:sp>
@@ -5726,10 +5279,9 @@
           <a:p>
             <a:pPr algn="ctr"/>
             <a:r>
-              <a:rPr lang="en-US" sz="2800" dirty="0" smtClean="0"/>
+              <a:rPr lang="en-US" sz="2800" dirty="0"/>
               <a:t>SOAP Web Service</a:t>
             </a:r>
-            <a:endParaRPr lang="en-US" sz="2800" dirty="0"/>
           </a:p>
         </p:txBody>
       </p:sp>
@@ -5774,10 +5326,9 @@
           <a:p>
             <a:pPr algn="ctr"/>
             <a:r>
-              <a:rPr lang="en-US" sz="2800" dirty="0" smtClean="0"/>
+              <a:rPr lang="en-US" sz="2800" dirty="0"/>
               <a:t>Client code</a:t>
             </a:r>
-            <a:endParaRPr lang="en-US" sz="2800" dirty="0"/>
           </a:p>
         </p:txBody>
       </p:sp>
@@ -5822,10 +5373,9 @@
           <a:p>
             <a:pPr algn="ctr"/>
             <a:r>
-              <a:rPr lang="en-US" sz="2800" dirty="0" smtClean="0"/>
+              <a:rPr lang="en-US" sz="2800" dirty="0"/>
               <a:t>Proxy object</a:t>
             </a:r>
-            <a:endParaRPr lang="en-US" sz="2800" dirty="0"/>
           </a:p>
         </p:txBody>
       </p:sp>
@@ -6003,7 +5553,7 @@
           <a:p>
             <a:pPr algn="ctr"/>
             <a:r>
-              <a:rPr lang="en-US" sz="2400" dirty="0" smtClean="0"/>
+              <a:rPr lang="en-US" sz="2400" dirty="0"/>
               <a:t>Network</a:t>
             </a:r>
           </a:p>
@@ -6019,13 +5569,489 @@
   <p:clrMapOvr>
     <a:masterClrMapping/>
   </p:clrMapOvr>
-  <p:timing>
-    <p:tnLst>
-      <p:par>
-        <p:cTn id="1" dur="indefinite" restart="never" nodeType="tmRoot"/>
-      </p:par>
-    </p:tnLst>
-  </p:timing>
+</p:sld>
+</file>
+
+<file path=ppt/slides/slide14.xml><?xml version="1.0" encoding="utf-8"?>
+<p:sld xmlns:a="http://schemas.openxmlformats.org/drawingml/2006/main" xmlns:r="http://schemas.openxmlformats.org/officeDocument/2006/relationships" xmlns:p="http://schemas.openxmlformats.org/presentationml/2006/main">
+  <p:cSld>
+    <p:bg>
+      <p:bgPr>
+        <a:gradFill flip="none" rotWithShape="1">
+          <a:gsLst>
+            <a:gs pos="100000">
+              <a:schemeClr val="bg2">
+                <a:lumMod val="25000"/>
+                <a:alpha val="68000"/>
+              </a:schemeClr>
+            </a:gs>
+            <a:gs pos="55000">
+              <a:schemeClr val="bg2">
+                <a:lumMod val="50000"/>
+                <a:alpha val="30000"/>
+              </a:schemeClr>
+            </a:gs>
+          </a:gsLst>
+          <a:lin ang="5400000" scaled="0"/>
+          <a:tileRect/>
+        </a:gradFill>
+        <a:effectLst/>
+      </p:bgPr>
+    </p:bg>
+    <p:spTree>
+      <p:nvGrpSpPr>
+        <p:cNvPr id="1" name=""/>
+        <p:cNvGrpSpPr/>
+        <p:nvPr/>
+      </p:nvGrpSpPr>
+      <p:grpSpPr>
+        <a:xfrm>
+          <a:off x="0" y="0"/>
+          <a:ext cx="0" cy="0"/>
+          <a:chOff x="0" y="0"/>
+          <a:chExt cx="0" cy="0"/>
+        </a:xfrm>
+      </p:grpSpPr>
+      <p:sp>
+        <p:nvSpPr>
+          <p:cNvPr id="3" name="Content Placeholder 2"/>
+          <p:cNvSpPr>
+            <a:spLocks noGrp="1"/>
+          </p:cNvSpPr>
+          <p:nvPr>
+            <p:ph idx="1"/>
+          </p:nvPr>
+        </p:nvSpPr>
+        <p:spPr>
+          <a:xfrm>
+            <a:off x="457200" y="1173238"/>
+            <a:ext cx="8229600" cy="4952925"/>
+          </a:xfrm>
+        </p:spPr>
+        <p:txBody>
+          <a:bodyPr/>
+          <a:lstStyle/>
+          <a:p>
+            <a:pPr marL="0" indent="0" algn="ctr">
+              <a:buNone/>
+            </a:pPr>
+            <a:r>
+              <a:rPr lang="en-US" sz="6000" b="1" dirty="0"/>
+              <a:t>Using the ksoap2-Android library </a:t>
+            </a:r>
+          </a:p>
+          <a:p>
+            <a:pPr marL="0" indent="0" algn="ctr">
+              <a:buNone/>
+            </a:pPr>
+            <a:r>
+              <a:rPr lang="en-US" sz="6000" b="1" dirty="0"/>
+              <a:t>to consume a SOAP web service</a:t>
+            </a:r>
+          </a:p>
+          <a:p>
+            <a:pPr marL="0" indent="0">
+              <a:buNone/>
+            </a:pPr>
+            <a:endParaRPr lang="en-US" dirty="0"/>
+          </a:p>
+        </p:txBody>
+      </p:sp>
+      <p:sp>
+        <p:nvSpPr>
+          <p:cNvPr id="4" name="Title 3"/>
+          <p:cNvSpPr>
+            <a:spLocks noGrp="1"/>
+          </p:cNvSpPr>
+          <p:nvPr>
+            <p:ph type="title"/>
+          </p:nvPr>
+        </p:nvSpPr>
+        <p:spPr/>
+        <p:txBody>
+          <a:bodyPr/>
+          <a:lstStyle/>
+          <a:p>
+            <a:r>
+              <a:rPr lang="en-US" b="1" dirty="0">
+                <a:solidFill>
+                  <a:srgbClr val="0000FF"/>
+                </a:solidFill>
+              </a:rPr>
+              <a:t>Code Tour</a:t>
+            </a:r>
+          </a:p>
+        </p:txBody>
+      </p:sp>
+    </p:spTree>
+    <p:extLst>
+      <p:ext uri="{BB962C8B-B14F-4D97-AF65-F5344CB8AC3E}">
+        <p14:creationId xmlns:p14="http://schemas.microsoft.com/office/powerpoint/2010/main" val="351502977"/>
+      </p:ext>
+    </p:extLst>
+  </p:cSld>
+  <p:clrMapOvr>
+    <a:masterClrMapping/>
+  </p:clrMapOvr>
+</p:sld>
+</file>
+
+<file path=ppt/slides/slide15.xml><?xml version="1.0" encoding="utf-8"?>
+<p:sld xmlns:a="http://schemas.openxmlformats.org/drawingml/2006/main" xmlns:r="http://schemas.openxmlformats.org/officeDocument/2006/relationships" xmlns:p="http://schemas.openxmlformats.org/presentationml/2006/main">
+  <p:cSld>
+    <p:bg>
+      <p:bgPr>
+        <a:gradFill flip="none" rotWithShape="1">
+          <a:gsLst>
+            <a:gs pos="100000">
+              <a:schemeClr val="bg2">
+                <a:lumMod val="25000"/>
+                <a:alpha val="68000"/>
+              </a:schemeClr>
+            </a:gs>
+            <a:gs pos="55000">
+              <a:schemeClr val="bg2">
+                <a:lumMod val="50000"/>
+                <a:alpha val="30000"/>
+              </a:schemeClr>
+            </a:gs>
+          </a:gsLst>
+          <a:lin ang="5400000" scaled="0"/>
+          <a:tileRect/>
+        </a:gradFill>
+        <a:effectLst/>
+      </p:bgPr>
+    </p:bg>
+    <p:spTree>
+      <p:nvGrpSpPr>
+        <p:cNvPr id="1" name=""/>
+        <p:cNvGrpSpPr/>
+        <p:nvPr/>
+      </p:nvGrpSpPr>
+      <p:grpSpPr>
+        <a:xfrm>
+          <a:off x="0" y="0"/>
+          <a:ext cx="0" cy="0"/>
+          <a:chOff x="0" y="0"/>
+          <a:chExt cx="0" cy="0"/>
+        </a:xfrm>
+      </p:grpSpPr>
+      <p:sp>
+        <p:nvSpPr>
+          <p:cNvPr id="2" name="Title 1"/>
+          <p:cNvSpPr txBox="1">
+            <a:spLocks/>
+          </p:cNvSpPr>
+          <p:nvPr/>
+        </p:nvSpPr>
+        <p:spPr>
+          <a:xfrm>
+            <a:off x="457200" y="274638"/>
+            <a:ext cx="8229600" cy="1143000"/>
+          </a:xfrm>
+          <a:prstGeom prst="rect">
+            <a:avLst/>
+          </a:prstGeom>
+        </p:spPr>
+        <p:txBody>
+          <a:bodyPr/>
+          <a:lstStyle>
+            <a:lvl1pPr algn="ctr" defTabSz="457200" rtl="0" eaLnBrk="1" latinLnBrk="0" hangingPunct="1">
+              <a:spcBef>
+                <a:spcPct val="0"/>
+              </a:spcBef>
+              <a:buNone/>
+              <a:defRPr sz="4400" kern="1200">
+                <a:solidFill>
+                  <a:schemeClr val="tx1"/>
+                </a:solidFill>
+                <a:latin typeface="+mj-lt"/>
+                <a:ea typeface="+mj-ea"/>
+                <a:cs typeface="+mj-cs"/>
+              </a:defRPr>
+            </a:lvl1pPr>
+          </a:lstStyle>
+          <a:p>
+            <a:r>
+              <a:rPr lang="en-US">
+                <a:solidFill>
+                  <a:srgbClr val="0000FF"/>
+                </a:solidFill>
+              </a:rPr>
+              <a:t>Android Project Setup</a:t>
+            </a:r>
+            <a:endParaRPr lang="en-US" dirty="0">
+              <a:solidFill>
+                <a:srgbClr val="0000FF"/>
+              </a:solidFill>
+            </a:endParaRPr>
+          </a:p>
+        </p:txBody>
+      </p:sp>
+      <p:sp>
+        <p:nvSpPr>
+          <p:cNvPr id="3" name="Content Placeholder 2"/>
+          <p:cNvSpPr txBox="1">
+            <a:spLocks/>
+          </p:cNvSpPr>
+          <p:nvPr/>
+        </p:nvSpPr>
+        <p:spPr>
+          <a:xfrm>
+            <a:off x="457200" y="1600200"/>
+            <a:ext cx="8229600" cy="4525963"/>
+          </a:xfrm>
+          <a:prstGeom prst="rect">
+            <a:avLst/>
+          </a:prstGeom>
+        </p:spPr>
+        <p:txBody>
+          <a:bodyPr>
+            <a:normAutofit/>
+          </a:bodyPr>
+          <a:lstStyle>
+            <a:lvl1pPr marL="342900" indent="-342900" algn="l" defTabSz="457200" rtl="0" eaLnBrk="1" latinLnBrk="0" hangingPunct="1">
+              <a:spcBef>
+                <a:spcPct val="20000"/>
+              </a:spcBef>
+              <a:buFont typeface="Arial"/>
+              <a:buChar char="•"/>
+              <a:defRPr sz="3200" kern="1200">
+                <a:solidFill>
+                  <a:schemeClr val="tx1"/>
+                </a:solidFill>
+                <a:latin typeface="+mn-lt"/>
+                <a:ea typeface="+mn-ea"/>
+                <a:cs typeface="+mn-cs"/>
+              </a:defRPr>
+            </a:lvl1pPr>
+            <a:lvl2pPr marL="742950" indent="-285750" algn="l" defTabSz="457200" rtl="0" eaLnBrk="1" latinLnBrk="0" hangingPunct="1">
+              <a:spcBef>
+                <a:spcPct val="20000"/>
+              </a:spcBef>
+              <a:buFont typeface="Arial"/>
+              <a:buChar char="–"/>
+              <a:defRPr sz="2800" kern="1200">
+                <a:solidFill>
+                  <a:schemeClr val="tx1"/>
+                </a:solidFill>
+                <a:latin typeface="+mn-lt"/>
+                <a:ea typeface="+mn-ea"/>
+                <a:cs typeface="+mn-cs"/>
+              </a:defRPr>
+            </a:lvl2pPr>
+            <a:lvl3pPr marL="1143000" indent="-228600" algn="l" defTabSz="457200" rtl="0" eaLnBrk="1" latinLnBrk="0" hangingPunct="1">
+              <a:spcBef>
+                <a:spcPct val="20000"/>
+              </a:spcBef>
+              <a:buFont typeface="Arial"/>
+              <a:buChar char="•"/>
+              <a:defRPr sz="2400" kern="1200">
+                <a:solidFill>
+                  <a:schemeClr val="tx1"/>
+                </a:solidFill>
+                <a:latin typeface="+mn-lt"/>
+                <a:ea typeface="+mn-ea"/>
+                <a:cs typeface="+mn-cs"/>
+              </a:defRPr>
+            </a:lvl3pPr>
+            <a:lvl4pPr marL="1600200" indent="-228600" algn="l" defTabSz="457200" rtl="0" eaLnBrk="1" latinLnBrk="0" hangingPunct="1">
+              <a:spcBef>
+                <a:spcPct val="20000"/>
+              </a:spcBef>
+              <a:buFont typeface="Arial"/>
+              <a:buChar char="–"/>
+              <a:defRPr sz="2000" kern="1200">
+                <a:solidFill>
+                  <a:schemeClr val="tx1"/>
+                </a:solidFill>
+                <a:latin typeface="+mn-lt"/>
+                <a:ea typeface="+mn-ea"/>
+                <a:cs typeface="+mn-cs"/>
+              </a:defRPr>
+            </a:lvl4pPr>
+            <a:lvl5pPr marL="2057400" indent="-228600" algn="l" defTabSz="457200" rtl="0" eaLnBrk="1" latinLnBrk="0" hangingPunct="1">
+              <a:spcBef>
+                <a:spcPct val="20000"/>
+              </a:spcBef>
+              <a:buFont typeface="Arial"/>
+              <a:buChar char="»"/>
+              <a:defRPr sz="2000" kern="1200">
+                <a:solidFill>
+                  <a:schemeClr val="tx1"/>
+                </a:solidFill>
+                <a:latin typeface="+mn-lt"/>
+                <a:ea typeface="+mn-ea"/>
+                <a:cs typeface="+mn-cs"/>
+              </a:defRPr>
+            </a:lvl5pPr>
+            <a:lvl6pPr marL="2514600" indent="-228600" algn="l" defTabSz="457200" rtl="0" eaLnBrk="1" latinLnBrk="0" hangingPunct="1">
+              <a:spcBef>
+                <a:spcPct val="20000"/>
+              </a:spcBef>
+              <a:buFont typeface="Arial"/>
+              <a:buChar char="•"/>
+              <a:defRPr sz="2000" kern="1200">
+                <a:solidFill>
+                  <a:schemeClr val="tx1"/>
+                </a:solidFill>
+                <a:latin typeface="+mn-lt"/>
+                <a:ea typeface="+mn-ea"/>
+                <a:cs typeface="+mn-cs"/>
+              </a:defRPr>
+            </a:lvl6pPr>
+            <a:lvl7pPr marL="2971800" indent="-228600" algn="l" defTabSz="457200" rtl="0" eaLnBrk="1" latinLnBrk="0" hangingPunct="1">
+              <a:spcBef>
+                <a:spcPct val="20000"/>
+              </a:spcBef>
+              <a:buFont typeface="Arial"/>
+              <a:buChar char="•"/>
+              <a:defRPr sz="2000" kern="1200">
+                <a:solidFill>
+                  <a:schemeClr val="tx1"/>
+                </a:solidFill>
+                <a:latin typeface="+mn-lt"/>
+                <a:ea typeface="+mn-ea"/>
+                <a:cs typeface="+mn-cs"/>
+              </a:defRPr>
+            </a:lvl7pPr>
+            <a:lvl8pPr marL="3429000" indent="-228600" algn="l" defTabSz="457200" rtl="0" eaLnBrk="1" latinLnBrk="0" hangingPunct="1">
+              <a:spcBef>
+                <a:spcPct val="20000"/>
+              </a:spcBef>
+              <a:buFont typeface="Arial"/>
+              <a:buChar char="•"/>
+              <a:defRPr sz="2000" kern="1200">
+                <a:solidFill>
+                  <a:schemeClr val="tx1"/>
+                </a:solidFill>
+                <a:latin typeface="+mn-lt"/>
+                <a:ea typeface="+mn-ea"/>
+                <a:cs typeface="+mn-cs"/>
+              </a:defRPr>
+            </a:lvl8pPr>
+            <a:lvl9pPr marL="3886200" indent="-228600" algn="l" defTabSz="457200" rtl="0" eaLnBrk="1" latinLnBrk="0" hangingPunct="1">
+              <a:spcBef>
+                <a:spcPct val="20000"/>
+              </a:spcBef>
+              <a:buFont typeface="Arial"/>
+              <a:buChar char="•"/>
+              <a:defRPr sz="2000" kern="1200">
+                <a:solidFill>
+                  <a:schemeClr val="tx1"/>
+                </a:solidFill>
+                <a:latin typeface="+mn-lt"/>
+                <a:ea typeface="+mn-ea"/>
+                <a:cs typeface="+mn-cs"/>
+              </a:defRPr>
+            </a:lvl9pPr>
+          </a:lstStyle>
+          <a:p>
+            <a:r>
+              <a:rPr lang="en-US" dirty="0"/>
+              <a:t>Manifest</a:t>
+            </a:r>
+            <a:br>
+              <a:rPr lang="en-US" dirty="0"/>
+            </a:br>
+            <a:r>
+              <a:rPr lang="fr-FR" sz="2800" i="1" dirty="0"/>
+              <a:t>&lt;uses-permission </a:t>
+            </a:r>
+            <a:r>
+              <a:rPr lang="fr-FR" sz="2800" i="1" dirty="0" err="1"/>
+              <a:t>android:name</a:t>
+            </a:r>
+            <a:r>
+              <a:rPr lang="fr-FR" sz="2800" i="1" dirty="0"/>
+              <a:t>="</a:t>
+            </a:r>
+            <a:r>
+              <a:rPr lang="fr-FR" sz="2800" i="1" dirty="0" err="1"/>
+              <a:t>android.permission.INTERNET</a:t>
+            </a:r>
+            <a:r>
+              <a:rPr lang="fr-FR" sz="2800" i="1" dirty="0"/>
+              <a:t>"/&gt;</a:t>
+            </a:r>
+          </a:p>
+          <a:p>
+            <a:r>
+              <a:rPr lang="fr-FR" sz="2800" dirty="0" err="1"/>
+              <a:t>Activity</a:t>
+            </a:r>
+            <a:r>
+              <a:rPr lang="fr-FR" sz="2800" dirty="0"/>
+              <a:t> </a:t>
+            </a:r>
+            <a:r>
+              <a:rPr lang="fr-FR" sz="2800" dirty="0" err="1"/>
+              <a:t>that</a:t>
+            </a:r>
+            <a:r>
+              <a:rPr lang="fr-FR" sz="2800" dirty="0"/>
+              <a:t> </a:t>
+            </a:r>
+            <a:r>
+              <a:rPr lang="fr-FR" sz="2800" dirty="0" err="1"/>
+              <a:t>contains</a:t>
+            </a:r>
+            <a:r>
+              <a:rPr lang="fr-FR" sz="2800" dirty="0"/>
+              <a:t> the web service client</a:t>
+            </a:r>
+          </a:p>
+          <a:p>
+            <a:pPr marL="400050" lvl="1" indent="0">
+              <a:buFont typeface="Arial"/>
+              <a:buNone/>
+            </a:pPr>
+            <a:r>
+              <a:rPr lang="ro-RO" sz="2400" i="1" dirty="0"/>
+              <a:t>import org.ksoap2.SoapEnvelope;</a:t>
+            </a:r>
+            <a:br>
+              <a:rPr lang="ro-RO" sz="2400" i="1" dirty="0"/>
+            </a:br>
+            <a:r>
+              <a:rPr lang="ro-RO" sz="2400" i="1" dirty="0"/>
+              <a:t>import org.ksoap2.serialization.SoapObject;</a:t>
+            </a:r>
+            <a:br>
+              <a:rPr lang="ro-RO" sz="2400" i="1" dirty="0"/>
+            </a:br>
+            <a:r>
+              <a:rPr lang="ro-RO" sz="2400" i="1" dirty="0"/>
+              <a:t>import org.ksoap2.serialization.SoapSerializationEnvelope;</a:t>
+            </a:r>
+            <a:br>
+              <a:rPr lang="ro-RO" sz="2400" i="1" dirty="0"/>
+            </a:br>
+            <a:r>
+              <a:rPr lang="ro-RO" sz="2400" i="1" dirty="0"/>
+              <a:t>import org.ksoap2.transport.HttpResponseException;</a:t>
+            </a:r>
+            <a:br>
+              <a:rPr lang="ro-RO" sz="2400" i="1" dirty="0"/>
+            </a:br>
+            <a:r>
+              <a:rPr lang="ro-RO" sz="2400" i="1" dirty="0"/>
+              <a:t>import org.ksoap2.transport.HttpTransportSE;</a:t>
+            </a:r>
+            <a:endParaRPr lang="en-US" dirty="0"/>
+          </a:p>
+        </p:txBody>
+      </p:sp>
+    </p:spTree>
+    <p:extLst>
+      <p:ext uri="{BB962C8B-B14F-4D97-AF65-F5344CB8AC3E}">
+        <p14:creationId xmlns:p14="http://schemas.microsoft.com/office/powerpoint/2010/main" val="2690874412"/>
+      </p:ext>
+    </p:extLst>
+  </p:cSld>
+  <p:clrMapOvr>
+    <a:masterClrMapping/>
+  </p:clrMapOvr>
 </p:sld>
 </file>
 
@@ -6071,102 +6097,478 @@
       </p:grpSpPr>
       <p:sp>
         <p:nvSpPr>
-          <p:cNvPr id="3" name="Content Placeholder 2"/>
-          <p:cNvSpPr>
-            <a:spLocks noGrp="1"/>
-          </p:cNvSpPr>
-          <p:nvPr>
-            <p:ph idx="1"/>
-          </p:nvPr>
+          <p:cNvPr id="2" name="Title 1"/>
+          <p:cNvSpPr txBox="1">
+            <a:spLocks/>
+          </p:cNvSpPr>
+          <p:nvPr/>
         </p:nvSpPr>
         <p:spPr>
           <a:xfrm>
-            <a:off x="457200" y="1173238"/>
-            <a:ext cx="8229600" cy="4952925"/>
+            <a:off x="457200" y="220310"/>
+            <a:ext cx="8229600" cy="1197328"/>
           </a:xfrm>
+          <a:prstGeom prst="rect">
+            <a:avLst/>
+          </a:prstGeom>
         </p:spPr>
         <p:txBody>
-          <a:bodyPr/>
+          <a:bodyPr>
+            <a:normAutofit fontScale="97500"/>
+          </a:bodyPr>
+          <a:lstStyle>
+            <a:lvl1pPr algn="ctr" defTabSz="457200" rtl="0" eaLnBrk="1" latinLnBrk="0" hangingPunct="1">
+              <a:spcBef>
+                <a:spcPct val="0"/>
+              </a:spcBef>
+              <a:buNone/>
+              <a:defRPr sz="4400" kern="1200">
+                <a:solidFill>
+                  <a:schemeClr val="tx1"/>
+                </a:solidFill>
+                <a:latin typeface="+mj-lt"/>
+                <a:ea typeface="+mj-ea"/>
+                <a:cs typeface="+mj-cs"/>
+              </a:defRPr>
+            </a:lvl1pPr>
+          </a:lstStyle>
+          <a:p>
+            <a:r>
+              <a:rPr lang="en-US" dirty="0">
+                <a:solidFill>
+                  <a:srgbClr val="0000FF"/>
+                </a:solidFill>
+              </a:rPr>
+              <a:t>Project Setup: Gradle (Module: app)</a:t>
+            </a:r>
+          </a:p>
+        </p:txBody>
+      </p:sp>
+      <p:sp>
+        <p:nvSpPr>
+          <p:cNvPr id="3" name="Content Placeholder 2"/>
+          <p:cNvSpPr txBox="1">
+            <a:spLocks/>
+          </p:cNvSpPr>
+          <p:nvPr/>
+        </p:nvSpPr>
+        <p:spPr>
+          <a:xfrm>
+            <a:off x="457200" y="1171255"/>
+            <a:ext cx="8229600" cy="5429986"/>
+          </a:xfrm>
+          <a:prstGeom prst="rect">
+            <a:avLst/>
+          </a:prstGeom>
+        </p:spPr>
+        <p:txBody>
+          <a:bodyPr>
+            <a:noAutofit/>
+          </a:bodyPr>
+          <a:lstStyle>
+            <a:lvl1pPr marL="342900" indent="-342900" algn="l" defTabSz="457200" rtl="0" eaLnBrk="1" latinLnBrk="0" hangingPunct="1">
+              <a:spcBef>
+                <a:spcPct val="20000"/>
+              </a:spcBef>
+              <a:buFont typeface="Arial"/>
+              <a:buChar char="•"/>
+              <a:defRPr sz="3200" kern="1200">
+                <a:solidFill>
+                  <a:schemeClr val="tx1"/>
+                </a:solidFill>
+                <a:latin typeface="+mn-lt"/>
+                <a:ea typeface="+mn-ea"/>
+                <a:cs typeface="+mn-cs"/>
+              </a:defRPr>
+            </a:lvl1pPr>
+            <a:lvl2pPr marL="742950" indent="-285750" algn="l" defTabSz="457200" rtl="0" eaLnBrk="1" latinLnBrk="0" hangingPunct="1">
+              <a:spcBef>
+                <a:spcPct val="20000"/>
+              </a:spcBef>
+              <a:buFont typeface="Arial"/>
+              <a:buChar char="–"/>
+              <a:defRPr sz="2800" kern="1200">
+                <a:solidFill>
+                  <a:schemeClr val="tx1"/>
+                </a:solidFill>
+                <a:latin typeface="+mn-lt"/>
+                <a:ea typeface="+mn-ea"/>
+                <a:cs typeface="+mn-cs"/>
+              </a:defRPr>
+            </a:lvl2pPr>
+            <a:lvl3pPr marL="1143000" indent="-228600" algn="l" defTabSz="457200" rtl="0" eaLnBrk="1" latinLnBrk="0" hangingPunct="1">
+              <a:spcBef>
+                <a:spcPct val="20000"/>
+              </a:spcBef>
+              <a:buFont typeface="Arial"/>
+              <a:buChar char="•"/>
+              <a:defRPr sz="2400" kern="1200">
+                <a:solidFill>
+                  <a:schemeClr val="tx1"/>
+                </a:solidFill>
+                <a:latin typeface="+mn-lt"/>
+                <a:ea typeface="+mn-ea"/>
+                <a:cs typeface="+mn-cs"/>
+              </a:defRPr>
+            </a:lvl3pPr>
+            <a:lvl4pPr marL="1600200" indent="-228600" algn="l" defTabSz="457200" rtl="0" eaLnBrk="1" latinLnBrk="0" hangingPunct="1">
+              <a:spcBef>
+                <a:spcPct val="20000"/>
+              </a:spcBef>
+              <a:buFont typeface="Arial"/>
+              <a:buChar char="–"/>
+              <a:defRPr sz="2000" kern="1200">
+                <a:solidFill>
+                  <a:schemeClr val="tx1"/>
+                </a:solidFill>
+                <a:latin typeface="+mn-lt"/>
+                <a:ea typeface="+mn-ea"/>
+                <a:cs typeface="+mn-cs"/>
+              </a:defRPr>
+            </a:lvl4pPr>
+            <a:lvl5pPr marL="2057400" indent="-228600" algn="l" defTabSz="457200" rtl="0" eaLnBrk="1" latinLnBrk="0" hangingPunct="1">
+              <a:spcBef>
+                <a:spcPct val="20000"/>
+              </a:spcBef>
+              <a:buFont typeface="Arial"/>
+              <a:buChar char="»"/>
+              <a:defRPr sz="2000" kern="1200">
+                <a:solidFill>
+                  <a:schemeClr val="tx1"/>
+                </a:solidFill>
+                <a:latin typeface="+mn-lt"/>
+                <a:ea typeface="+mn-ea"/>
+                <a:cs typeface="+mn-cs"/>
+              </a:defRPr>
+            </a:lvl5pPr>
+            <a:lvl6pPr marL="2514600" indent="-228600" algn="l" defTabSz="457200" rtl="0" eaLnBrk="1" latinLnBrk="0" hangingPunct="1">
+              <a:spcBef>
+                <a:spcPct val="20000"/>
+              </a:spcBef>
+              <a:buFont typeface="Arial"/>
+              <a:buChar char="•"/>
+              <a:defRPr sz="2000" kern="1200">
+                <a:solidFill>
+                  <a:schemeClr val="tx1"/>
+                </a:solidFill>
+                <a:latin typeface="+mn-lt"/>
+                <a:ea typeface="+mn-ea"/>
+                <a:cs typeface="+mn-cs"/>
+              </a:defRPr>
+            </a:lvl6pPr>
+            <a:lvl7pPr marL="2971800" indent="-228600" algn="l" defTabSz="457200" rtl="0" eaLnBrk="1" latinLnBrk="0" hangingPunct="1">
+              <a:spcBef>
+                <a:spcPct val="20000"/>
+              </a:spcBef>
+              <a:buFont typeface="Arial"/>
+              <a:buChar char="•"/>
+              <a:defRPr sz="2000" kern="1200">
+                <a:solidFill>
+                  <a:schemeClr val="tx1"/>
+                </a:solidFill>
+                <a:latin typeface="+mn-lt"/>
+                <a:ea typeface="+mn-ea"/>
+                <a:cs typeface="+mn-cs"/>
+              </a:defRPr>
+            </a:lvl7pPr>
+            <a:lvl8pPr marL="3429000" indent="-228600" algn="l" defTabSz="457200" rtl="0" eaLnBrk="1" latinLnBrk="0" hangingPunct="1">
+              <a:spcBef>
+                <a:spcPct val="20000"/>
+              </a:spcBef>
+              <a:buFont typeface="Arial"/>
+              <a:buChar char="•"/>
+              <a:defRPr sz="2000" kern="1200">
+                <a:solidFill>
+                  <a:schemeClr val="tx1"/>
+                </a:solidFill>
+                <a:latin typeface="+mn-lt"/>
+                <a:ea typeface="+mn-ea"/>
+                <a:cs typeface="+mn-cs"/>
+              </a:defRPr>
+            </a:lvl8pPr>
+            <a:lvl9pPr marL="3886200" indent="-228600" algn="l" defTabSz="457200" rtl="0" eaLnBrk="1" latinLnBrk="0" hangingPunct="1">
+              <a:spcBef>
+                <a:spcPct val="20000"/>
+              </a:spcBef>
+              <a:buFont typeface="Arial"/>
+              <a:buChar char="•"/>
+              <a:defRPr sz="2000" kern="1200">
+                <a:solidFill>
+                  <a:schemeClr val="tx1"/>
+                </a:solidFill>
+                <a:latin typeface="+mn-lt"/>
+                <a:ea typeface="+mn-ea"/>
+                <a:cs typeface="+mn-cs"/>
+              </a:defRPr>
+            </a:lvl9pPr>
+          </a:lstStyle>
+          <a:p>
+            <a:pPr marL="0" indent="0">
+              <a:lnSpc>
+                <a:spcPct val="110000"/>
+              </a:lnSpc>
+              <a:buFont typeface="Arial"/>
+              <a:buNone/>
+            </a:pPr>
+            <a:r>
+              <a:rPr lang="en-US" sz="2000" dirty="0"/>
+              <a:t>android {</a:t>
+            </a:r>
+            <a:br>
+              <a:rPr lang="en-US" sz="1800" dirty="0"/>
+            </a:br>
+            <a:r>
+              <a:rPr lang="en-US" sz="1800" dirty="0"/>
+              <a:t>   …</a:t>
+            </a:r>
+            <a:br>
+              <a:rPr lang="en-US" sz="1600" dirty="0"/>
+            </a:br>
+            <a:r>
+              <a:rPr lang="en-US" sz="1800" dirty="0"/>
+              <a:t>    </a:t>
+            </a:r>
+            <a:r>
+              <a:rPr lang="en-US" sz="1800" dirty="0" err="1"/>
+              <a:t>defaultConfig</a:t>
+            </a:r>
+            <a:r>
+              <a:rPr lang="en-US" sz="1800" dirty="0"/>
+              <a:t> {</a:t>
+            </a:r>
+            <a:br>
+              <a:rPr lang="en-US" sz="1800" dirty="0"/>
+            </a:br>
+            <a:r>
+              <a:rPr lang="en-US" sz="1800" dirty="0"/>
+              <a:t>        …   }</a:t>
+            </a:r>
+            <a:br>
+              <a:rPr lang="en-US" sz="1800" dirty="0"/>
+            </a:br>
+            <a:r>
+              <a:rPr lang="en-US" sz="1800" dirty="0"/>
+              <a:t>    </a:t>
+            </a:r>
+            <a:r>
+              <a:rPr lang="en-US" sz="1800" dirty="0" err="1"/>
+              <a:t>buildTypes</a:t>
+            </a:r>
+            <a:r>
+              <a:rPr lang="en-US" sz="1800" dirty="0"/>
+              <a:t> {</a:t>
+            </a:r>
+            <a:br>
+              <a:rPr lang="en-US" sz="1800" dirty="0"/>
+            </a:br>
+            <a:r>
+              <a:rPr lang="en-US" sz="1800" dirty="0"/>
+              <a:t>        …        }</a:t>
+            </a:r>
+            <a:br>
+              <a:rPr lang="en-US" sz="2000" dirty="0"/>
+            </a:br>
+            <a:r>
+              <a:rPr lang="en-US" sz="2000" dirty="0"/>
+              <a:t>        repositories {</a:t>
+            </a:r>
+            <a:br>
+              <a:rPr lang="en-US" sz="2000" dirty="0"/>
+            </a:br>
+            <a:r>
+              <a:rPr lang="en-US" sz="2000" dirty="0"/>
+              <a:t>            maven { </a:t>
+            </a:r>
+            <a:r>
+              <a:rPr lang="en-US" sz="2000" dirty="0" err="1"/>
+              <a:t>url</a:t>
+            </a:r>
+            <a:r>
+              <a:rPr lang="en-US" sz="2000" dirty="0"/>
+              <a:t> 'https://</a:t>
+            </a:r>
+            <a:r>
+              <a:rPr lang="en-US" sz="2000" dirty="0" err="1"/>
+              <a:t>oss.sonatype.org</a:t>
+            </a:r>
+            <a:r>
+              <a:rPr lang="en-US" sz="2000" dirty="0"/>
+              <a:t>/content/repositories/ksoap2-android-releases'}</a:t>
+            </a:r>
+            <a:br>
+              <a:rPr lang="en-US" sz="2000" dirty="0"/>
+            </a:br>
+            <a:r>
+              <a:rPr lang="en-US" sz="2000" dirty="0"/>
+              <a:t>        }</a:t>
+            </a:r>
+            <a:br>
+              <a:rPr lang="en-US" sz="2000" dirty="0"/>
+            </a:br>
+            <a:r>
+              <a:rPr lang="en-US" sz="2000" dirty="0"/>
+              <a:t>    }</a:t>
+            </a:r>
+            <a:br>
+              <a:rPr lang="en-US" sz="2000" dirty="0"/>
+            </a:br>
+            <a:r>
+              <a:rPr lang="en-US" sz="2000" dirty="0"/>
+              <a:t>}</a:t>
+            </a:r>
+          </a:p>
+          <a:p>
+            <a:pPr marL="0" indent="0">
+              <a:lnSpc>
+                <a:spcPct val="120000"/>
+              </a:lnSpc>
+              <a:buFont typeface="Arial"/>
+              <a:buNone/>
+            </a:pPr>
+            <a:endParaRPr lang="en-US" sz="1050" dirty="0"/>
+          </a:p>
+          <a:p>
+            <a:pPr marL="0" indent="0">
+              <a:buFont typeface="Arial"/>
+              <a:buNone/>
+            </a:pPr>
+            <a:r>
+              <a:rPr lang="en-US" sz="2000" dirty="0"/>
+              <a:t>dependencies {</a:t>
+            </a:r>
+            <a:br>
+              <a:rPr lang="en-US" sz="2000" dirty="0"/>
+            </a:br>
+            <a:r>
+              <a:rPr lang="en-US" sz="2000" dirty="0"/>
+              <a:t>    compile 'com.android.support:support-v4:21.0.3'</a:t>
+            </a:r>
+            <a:br>
+              <a:rPr lang="en-US" sz="2000" dirty="0"/>
+            </a:br>
+            <a:r>
+              <a:rPr lang="en-US" sz="2000" dirty="0"/>
+              <a:t>    compile 'com.google.code.ksoap2-android:ksoap2-android:3.6.0'</a:t>
+            </a:r>
+            <a:br>
+              <a:rPr lang="en-US" sz="2000" b="1" dirty="0"/>
+            </a:br>
+            <a:r>
+              <a:rPr lang="en-US" sz="2000" dirty="0"/>
+              <a:t>}</a:t>
+            </a:r>
+          </a:p>
+        </p:txBody>
+      </p:sp>
+      <p:cxnSp>
+        <p:nvCxnSpPr>
+          <p:cNvPr id="4" name="Straight Arrow Connector 3"/>
+          <p:cNvCxnSpPr/>
+          <p:nvPr/>
+        </p:nvCxnSpPr>
+        <p:spPr>
+          <a:xfrm flipH="1">
+            <a:off x="6456239" y="5087236"/>
+            <a:ext cx="423308" cy="916982"/>
+          </a:xfrm>
+          <a:prstGeom prst="straightConnector1">
+            <a:avLst/>
+          </a:prstGeom>
+          <a:ln>
+            <a:tailEnd type="arrow"/>
+          </a:ln>
+        </p:spPr>
+        <p:style>
+          <a:lnRef idx="2">
+            <a:schemeClr val="accent1"/>
+          </a:lnRef>
+          <a:fillRef idx="0">
+            <a:schemeClr val="accent1"/>
+          </a:fillRef>
+          <a:effectRef idx="1">
+            <a:schemeClr val="accent1"/>
+          </a:effectRef>
+          <a:fontRef idx="minor">
+            <a:schemeClr val="tx1"/>
+          </a:fontRef>
+        </p:style>
+      </p:cxnSp>
+      <p:sp>
+        <p:nvSpPr>
+          <p:cNvPr id="5" name="TextBox 4"/>
+          <p:cNvSpPr txBox="1"/>
+          <p:nvPr/>
+        </p:nvSpPr>
+        <p:spPr>
+          <a:xfrm>
+            <a:off x="5663159" y="4717904"/>
+            <a:ext cx="1788423" cy="369332"/>
+          </a:xfrm>
+          <a:prstGeom prst="rect">
+            <a:avLst/>
+          </a:prstGeom>
+          <a:noFill/>
+        </p:spPr>
+        <p:txBody>
+          <a:bodyPr wrap="square" rtlCol="0">
+            <a:spAutoFit/>
+          </a:bodyPr>
           <a:lstStyle/>
           <a:p>
-            <a:pPr marL="0" indent="0" algn="ctr">
-              <a:buNone/>
-            </a:pPr>
-            <a:r>
-              <a:rPr lang="en-US" sz="6000" b="1" dirty="0"/>
-              <a:t>Using the ksoap2-Android library </a:t>
-            </a:r>
-            <a:endParaRPr lang="en-US" sz="6000" b="1" dirty="0" smtClean="0"/>
-          </a:p>
-          <a:p>
-            <a:pPr marL="0" indent="0" algn="ctr">
-              <a:buNone/>
-            </a:pPr>
-            <a:r>
-              <a:rPr lang="en-US" sz="6000" b="1" dirty="0" smtClean="0"/>
-              <a:t>to </a:t>
-            </a:r>
-            <a:r>
-              <a:rPr lang="en-US" sz="6000" b="1" dirty="0"/>
-              <a:t>consume a SOAP web service</a:t>
-            </a:r>
-          </a:p>
-          <a:p>
-            <a:pPr marL="0" indent="0">
-              <a:buNone/>
-            </a:pPr>
-            <a:endParaRPr lang="en-US" dirty="0"/>
-          </a:p>
-        </p:txBody>
-      </p:sp>
-      <p:sp>
-        <p:nvSpPr>
-          <p:cNvPr id="4" name="Title 3"/>
-          <p:cNvSpPr>
-            <a:spLocks noGrp="1"/>
-          </p:cNvSpPr>
-          <p:nvPr>
-            <p:ph type="title"/>
-          </p:nvPr>
-        </p:nvSpPr>
-        <p:spPr/>
-        <p:txBody>
-          <a:bodyPr/>
-          <a:lstStyle/>
-          <a:p>
-            <a:r>
-              <a:rPr lang="en-US" b="1" dirty="0" smtClean="0">
+            <a:r>
+              <a:rPr lang="en-US" dirty="0">
                 <a:solidFill>
                   <a:srgbClr val="0000FF"/>
                 </a:solidFill>
               </a:rPr>
-              <a:t>Code Tour</a:t>
-            </a:r>
-            <a:endParaRPr lang="en-US" b="1" dirty="0">
-              <a:solidFill>
-                <a:srgbClr val="0000FF"/>
-              </a:solidFill>
-            </a:endParaRPr>
-          </a:p>
-        </p:txBody>
-      </p:sp>
+              <a:t>Add these lines</a:t>
+            </a:r>
+          </a:p>
+        </p:txBody>
+      </p:sp>
+      <p:cxnSp>
+        <p:nvCxnSpPr>
+          <p:cNvPr id="6" name="Straight Arrow Connector 5"/>
+          <p:cNvCxnSpPr/>
+          <p:nvPr/>
+        </p:nvCxnSpPr>
+        <p:spPr>
+          <a:xfrm flipH="1" flipV="1">
+            <a:off x="6029262" y="3882179"/>
+            <a:ext cx="850285" cy="835725"/>
+          </a:xfrm>
+          <a:prstGeom prst="straightConnector1">
+            <a:avLst/>
+          </a:prstGeom>
+          <a:ln>
+            <a:tailEnd type="arrow"/>
+          </a:ln>
+        </p:spPr>
+        <p:style>
+          <a:lnRef idx="2">
+            <a:schemeClr val="accent1"/>
+          </a:lnRef>
+          <a:fillRef idx="0">
+            <a:schemeClr val="accent1"/>
+          </a:fillRef>
+          <a:effectRef idx="1">
+            <a:schemeClr val="accent1"/>
+          </a:effectRef>
+          <a:fontRef idx="minor">
+            <a:schemeClr val="tx1"/>
+          </a:fontRef>
+        </p:style>
+      </p:cxnSp>
     </p:spTree>
     <p:extLst>
       <p:ext uri="{BB962C8B-B14F-4D97-AF65-F5344CB8AC3E}">
-        <p14:creationId xmlns:p14="http://schemas.microsoft.com/office/powerpoint/2010/main" val="351502977"/>
+        <p14:creationId xmlns:p14="http://schemas.microsoft.com/office/powerpoint/2010/main" val="1778985209"/>
       </p:ext>
     </p:extLst>
   </p:cSld>
   <p:clrMapOvr>
     <a:masterClrMapping/>
   </p:clrMapOvr>
-  <p:timing>
-    <p:tnLst>
-      <p:par>
-        <p:cTn id="1" dur="indefinite" restart="never" nodeType="tmRoot"/>
-      </p:par>
-    </p:tnLst>
-  </p:timing>
 </p:sld>
 </file>
 
@@ -6212,7 +6614,7 @@
       </p:grpSpPr>
       <p:sp>
         <p:nvSpPr>
-          <p:cNvPr id="2" name="Title 1"/>
+          <p:cNvPr id="4" name="Title 1"/>
           <p:cNvSpPr txBox="1">
             <a:spLocks/>
           </p:cNvSpPr>
@@ -6247,12 +6649,12 @@
           </a:lstStyle>
           <a:p>
             <a:r>
-              <a:rPr lang="en-US" smtClean="0">
+              <a:rPr lang="en-US">
                 <a:solidFill>
                   <a:srgbClr val="0000FF"/>
                 </a:solidFill>
               </a:rPr>
-              <a:t>Android Project Setup</a:t>
+              <a:t>Creating a SOAP Request</a:t>
             </a:r>
             <a:endParaRPr lang="en-US" dirty="0">
               <a:solidFill>
@@ -6264,7 +6666,7 @@
       </p:sp>
       <p:sp>
         <p:nvSpPr>
-          <p:cNvPr id="3" name="Content Placeholder 2"/>
+          <p:cNvPr id="5" name="Content Placeholder 2"/>
           <p:cNvSpPr txBox="1">
             <a:spLocks/>
           </p:cNvSpPr>
@@ -6281,7 +6683,7 @@
         </p:spPr>
         <p:txBody>
           <a:bodyPr>
-            <a:normAutofit/>
+            <a:normAutofit lnSpcReduction="10000"/>
           </a:bodyPr>
           <a:lstStyle>
             <a:lvl1pPr marL="342900" indent="-342900" algn="l" defTabSz="457200" rtl="0" eaLnBrk="1" latinLnBrk="0" hangingPunct="1">
@@ -6422,117 +6824,108 @@
           </a:lstStyle>
           <a:p>
             <a:r>
-              <a:rPr lang="en-US" dirty="0" smtClean="0"/>
-              <a:t>Manifest</a:t>
+              <a:rPr lang="en-US"/>
+              <a:t>Create an instance of the </a:t>
+            </a:r>
+            <a:r>
+              <a:rPr lang="en-US" i="1"/>
+              <a:t>SoapObject</a:t>
+            </a:r>
+            <a:r>
+              <a:rPr lang="en-US"/>
+              <a:t> class:</a:t>
             </a:r>
             <a:br>
-              <a:rPr lang="en-US" dirty="0" smtClean="0"/>
+              <a:rPr lang="en-US"/>
             </a:br>
             <a:r>
-              <a:rPr lang="fr-FR" sz="2800" i="1" dirty="0" smtClean="0"/>
-              <a:t>&lt;uses-permission </a:t>
-            </a:r>
-            <a:r>
-              <a:rPr lang="fr-FR" sz="2800" i="1" dirty="0" err="1" smtClean="0"/>
-              <a:t>android:name</a:t>
-            </a:r>
-            <a:r>
-              <a:rPr lang="fr-FR" sz="2800" i="1" dirty="0" smtClean="0"/>
-              <a:t>="</a:t>
-            </a:r>
-            <a:r>
-              <a:rPr lang="fr-FR" sz="2800" i="1" dirty="0" err="1" smtClean="0"/>
-              <a:t>android.permission.INTERNET</a:t>
-            </a:r>
-            <a:r>
-              <a:rPr lang="fr-FR" sz="2800" i="1" dirty="0" smtClean="0"/>
-              <a:t>"/&gt;</a:t>
-            </a:r>
-          </a:p>
-          <a:p>
-            <a:r>
-              <a:rPr lang="fr-FR" sz="2800" dirty="0" err="1" smtClean="0"/>
-              <a:t>Activity</a:t>
-            </a:r>
-            <a:r>
-              <a:rPr lang="fr-FR" sz="2800" dirty="0" smtClean="0"/>
-              <a:t> </a:t>
-            </a:r>
-            <a:r>
-              <a:rPr lang="fr-FR" sz="2800" dirty="0" err="1" smtClean="0"/>
-              <a:t>that</a:t>
-            </a:r>
-            <a:r>
-              <a:rPr lang="fr-FR" sz="2800" dirty="0" smtClean="0"/>
-              <a:t> </a:t>
-            </a:r>
-            <a:r>
-              <a:rPr lang="fr-FR" sz="2800" dirty="0" err="1" smtClean="0"/>
-              <a:t>contains</a:t>
-            </a:r>
-            <a:r>
-              <a:rPr lang="fr-FR" sz="2800" dirty="0" smtClean="0"/>
-              <a:t> the web service client</a:t>
-            </a:r>
-          </a:p>
-          <a:p>
-            <a:pPr marL="400050" lvl="1" indent="0">
-              <a:buFont typeface="Arial"/>
-              <a:buNone/>
-            </a:pPr>
-            <a:r>
-              <a:rPr lang="ro-RO" sz="2400" i="1" dirty="0" smtClean="0"/>
-              <a:t>import org.ksoap2.SoapEnvelope;</a:t>
+              <a:rPr lang="en-US" sz="2400" i="1"/>
+              <a:t>SoapObject request = new SoapObject(</a:t>
             </a:r>
             <a:br>
-              <a:rPr lang="ro-RO" sz="2400" i="1" dirty="0" smtClean="0"/>
+              <a:rPr lang="en-US" sz="2400" i="1"/>
             </a:br>
             <a:r>
-              <a:rPr lang="ro-RO" sz="2400" i="1" dirty="0" smtClean="0"/>
-              <a:t>import org.ksoap2.serialization.SoapObject;</a:t>
+              <a:rPr lang="en-US" sz="2400" i="1"/>
+              <a:t>                                  http://ws.cdyne.com/WeatherWS/,</a:t>
             </a:r>
             <a:br>
-              <a:rPr lang="ro-RO" sz="2400" i="1" dirty="0" smtClean="0"/>
+              <a:rPr lang="en-US" sz="2400" i="1"/>
             </a:br>
             <a:r>
-              <a:rPr lang="ro-RO" sz="2400" i="1" dirty="0" smtClean="0"/>
-              <a:t>import org.ksoap2.serialization.SoapSerializationEnvelope;</a:t>
+              <a:rPr lang="en-US" sz="2400" i="1"/>
+              <a:t>                                  "GetCityForecastByZIP");</a:t>
+            </a:r>
+          </a:p>
+          <a:p>
+            <a:pPr lvl="1"/>
+            <a:r>
+              <a:rPr lang="en-US"/>
+              <a:t>Parameters: </a:t>
+            </a:r>
+          </a:p>
+          <a:p>
+            <a:pPr lvl="2"/>
+            <a:r>
+              <a:rPr lang="en-US"/>
+              <a:t>URI of the web service</a:t>
+            </a:r>
+          </a:p>
+          <a:p>
+            <a:pPr lvl="2"/>
+            <a:r>
+              <a:rPr lang="en-US"/>
+              <a:t>Name of the operation</a:t>
+            </a:r>
+          </a:p>
+          <a:p>
+            <a:r>
+              <a:rPr lang="en-US"/>
+              <a:t>Add a parameter (message part)</a:t>
             </a:r>
             <a:br>
-              <a:rPr lang="ro-RO" sz="2400" i="1" dirty="0" smtClean="0"/>
+              <a:rPr lang="en-US"/>
             </a:br>
             <a:r>
-              <a:rPr lang="ro-RO" sz="2400" i="1" dirty="0" smtClean="0"/>
-              <a:t>import org.ksoap2.transport.HttpResponseException;</a:t>
+              <a:rPr lang="en-US" sz="2800"/>
+              <a:t>Example: add a zip code parameter</a:t>
             </a:r>
             <a:br>
-              <a:rPr lang="ro-RO" sz="2400" i="1" dirty="0" smtClean="0"/>
+              <a:rPr lang="en-US" sz="2800"/>
             </a:br>
             <a:r>
-              <a:rPr lang="ro-RO" sz="2400" i="1" dirty="0" smtClean="0"/>
-              <a:t>import org.ksoap2.transport.HttpTransportSE;</a:t>
-            </a:r>
-            <a:endParaRPr lang="en-US" dirty="0"/>
+              <a:rPr lang="en-US" sz="2400" i="1"/>
+              <a:t>String zipCode = “97405”;</a:t>
+            </a:r>
+            <a:br>
+              <a:rPr lang="en-US" sz="2400" i="1"/>
+            </a:br>
+            <a:r>
+              <a:rPr lang="en-US" sz="2400" i="1"/>
+              <a:t>request.addProperty(</a:t>
+            </a:r>
+            <a:r>
+              <a:rPr lang="en-US" sz="2400" b="1" i="1"/>
+              <a:t>"ZIP"</a:t>
+            </a:r>
+            <a:r>
+              <a:rPr lang="en-US" sz="2400" i="1"/>
+              <a:t>, zipCode);</a:t>
+            </a:r>
+            <a:endParaRPr lang="en-US" sz="2400" i="1" dirty="0"/>
           </a:p>
         </p:txBody>
       </p:sp>
     </p:spTree>
     <p:extLst>
       <p:ext uri="{BB962C8B-B14F-4D97-AF65-F5344CB8AC3E}">
-        <p14:creationId xmlns:p14="http://schemas.microsoft.com/office/powerpoint/2010/main" val="2690874412"/>
+        <p14:creationId xmlns:p14="http://schemas.microsoft.com/office/powerpoint/2010/main" val="1698150701"/>
       </p:ext>
     </p:extLst>
   </p:cSld>
   <p:clrMapOvr>
     <a:masterClrMapping/>
   </p:clrMapOvr>
-  <p:timing>
-    <p:tnLst>
-      <p:par>
-        <p:cTn id="1" dur="indefinite" restart="never" nodeType="tmRoot"/>
-      </p:par>
-    </p:tnLst>
-  </p:timing>
 </p:sld>
 </file>
 
@@ -6578,7 +6971,7 @@
       </p:grpSpPr>
       <p:sp>
         <p:nvSpPr>
-          <p:cNvPr id="2" name="Title 1"/>
+          <p:cNvPr id="4" name="Title 1"/>
           <p:cNvSpPr txBox="1">
             <a:spLocks/>
           </p:cNvSpPr>
@@ -6586,8 +6979,8 @@
         </p:nvSpPr>
         <p:spPr>
           <a:xfrm>
-            <a:off x="457200" y="220310"/>
-            <a:ext cx="8229600" cy="1197328"/>
+            <a:off x="457200" y="274638"/>
+            <a:ext cx="8229600" cy="1143000"/>
           </a:xfrm>
           <a:prstGeom prst="rect">
             <a:avLst/>
@@ -6595,7 +6988,7 @@
         </p:spPr>
         <p:txBody>
           <a:bodyPr>
-            <a:normAutofit fontScale="97500"/>
+            <a:normAutofit fontScale="90000"/>
           </a:bodyPr>
           <a:lstStyle>
             <a:lvl1pPr algn="ctr" defTabSz="457200" rtl="0" eaLnBrk="1" latinLnBrk="0" hangingPunct="1">
@@ -6615,12 +7008,12 @@
           </a:lstStyle>
           <a:p>
             <a:r>
-              <a:rPr lang="en-US" dirty="0" smtClean="0">
+              <a:rPr lang="en-US">
                 <a:solidFill>
                   <a:srgbClr val="0000FF"/>
                 </a:solidFill>
               </a:rPr>
-              <a:t>Project Setup: Gradle (Module: app)</a:t>
+              <a:t>Creating a SOAP Request (continued)</a:t>
             </a:r>
             <a:endParaRPr lang="en-US" dirty="0">
               <a:solidFill>
@@ -6632,7 +7025,7 @@
       </p:sp>
       <p:sp>
         <p:nvSpPr>
-          <p:cNvPr id="3" name="Content Placeholder 2"/>
+          <p:cNvPr id="5" name="Content Placeholder 2"/>
           <p:cNvSpPr txBox="1">
             <a:spLocks/>
           </p:cNvSpPr>
@@ -6640,8 +7033,8 @@
         </p:nvSpPr>
         <p:spPr>
           <a:xfrm>
-            <a:off x="457200" y="1171255"/>
-            <a:ext cx="8229600" cy="5429986"/>
+            <a:off x="457200" y="1600200"/>
+            <a:ext cx="8229600" cy="4954002"/>
           </a:xfrm>
           <a:prstGeom prst="rect">
             <a:avLst/>
@@ -6649,7 +7042,7 @@
         </p:spPr>
         <p:txBody>
           <a:bodyPr>
-            <a:noAutofit/>
+            <a:normAutofit lnSpcReduction="10000"/>
           </a:bodyPr>
           <a:lstStyle>
             <a:lvl1pPr marL="342900" indent="-342900" algn="l" defTabSz="457200" rtl="0" eaLnBrk="1" latinLnBrk="0" hangingPunct="1">
@@ -6789,300 +7182,139 @@
             </a:lvl9pPr>
           </a:lstStyle>
           <a:p>
-            <a:pPr marL="0" indent="0">
-              <a:lnSpc>
-                <a:spcPct val="110000"/>
-              </a:lnSpc>
-              <a:buFont typeface="Arial"/>
-              <a:buNone/>
+            <a:r>
+              <a:rPr lang="en-US" dirty="0"/>
+              <a:t>Create an Envelope:</a:t>
+            </a:r>
+            <a:br>
+              <a:rPr lang="en-US" dirty="0"/>
+            </a:br>
+            <a:r>
+              <a:rPr lang="en-US" sz="2400" i="1" dirty="0" err="1"/>
+              <a:t>SoapSerializationEnvelope</a:t>
+            </a:r>
+            <a:r>
+              <a:rPr lang="en-US" sz="2400" i="1" dirty="0"/>
+              <a:t> envelope = </a:t>
+            </a:r>
+            <a:br>
+              <a:rPr lang="en-US" sz="2400" i="1" dirty="0"/>
+            </a:br>
+            <a:r>
+              <a:rPr lang="en-US" sz="2400" i="1" dirty="0"/>
+              <a:t>            </a:t>
+            </a:r>
+            <a:r>
+              <a:rPr lang="en-US" sz="2400" b="1" i="1" dirty="0"/>
+              <a:t>new </a:t>
+            </a:r>
+            <a:r>
+              <a:rPr lang="en-US" sz="2400" i="1" dirty="0" err="1"/>
+              <a:t>SoapSerializationEnvelope</a:t>
+            </a:r>
+            <a:r>
+              <a:rPr lang="en-US" sz="2400" i="1" dirty="0"/>
+              <a:t>(SoapEnvelope.</a:t>
+            </a:r>
+            <a:r>
+              <a:rPr lang="en-US" sz="2400" b="1" i="1" dirty="0"/>
+              <a:t>VER12</a:t>
+            </a:r>
+            <a:r>
+              <a:rPr lang="en-US" sz="2400" i="1" dirty="0"/>
+              <a:t>);</a:t>
+            </a:r>
+          </a:p>
+          <a:p>
+            <a:pPr lvl="1">
+              <a:buFont typeface="Courier New"/>
+              <a:buChar char="o"/>
             </a:pPr>
             <a:r>
-              <a:rPr lang="en-US" sz="2000" dirty="0" smtClean="0"/>
-              <a:t>android {</a:t>
-            </a:r>
-            <a:r>
-              <a:rPr lang="en-US" sz="1800" dirty="0" smtClean="0"/>
-              <a:t/>
+              <a:rPr lang="en-US" dirty="0"/>
+              <a:t>Pass the SOAP version, 1.2, to the constructor</a:t>
+            </a:r>
+          </a:p>
+          <a:p>
+            <a:r>
+              <a:rPr lang="en-US" dirty="0"/>
+              <a:t>Initialize the envelope:</a:t>
+            </a:r>
+          </a:p>
+          <a:p>
+            <a:pPr lvl="1">
+              <a:buFont typeface="Courier New"/>
+              <a:buChar char="o"/>
+            </a:pPr>
+            <a:r>
+              <a:rPr lang="en-US" dirty="0" err="1"/>
+              <a:t>dotNet</a:t>
+            </a:r>
+            <a:r>
+              <a:rPr lang="en-US" dirty="0"/>
+              <a:t> property: Set to true if the web service you are consuming is written using .NET:</a:t>
             </a:r>
             <a:br>
-              <a:rPr lang="en-US" sz="1800" dirty="0" smtClean="0"/>
+              <a:rPr lang="en-US" i="1" dirty="0"/>
             </a:br>
             <a:r>
-              <a:rPr lang="en-US" sz="1800" dirty="0" smtClean="0"/>
-              <a:t>   …</a:t>
-            </a:r>
-            <a:r>
-              <a:rPr lang="en-US" sz="1600" dirty="0" smtClean="0"/>
-              <a:t/>
+              <a:rPr lang="en-US" i="1" dirty="0"/>
+              <a:t>     </a:t>
+            </a:r>
+            <a:r>
+              <a:rPr lang="en-US" sz="2400" i="1" dirty="0" err="1"/>
+              <a:t>envelope.dotNet</a:t>
+            </a:r>
+            <a:r>
+              <a:rPr lang="en-US" sz="2400" i="1" dirty="0"/>
+              <a:t> = true;</a:t>
+            </a:r>
+          </a:p>
+          <a:p>
+            <a:pPr lvl="1">
+              <a:buFont typeface="Courier New"/>
+              <a:buChar char="o"/>
+            </a:pPr>
+            <a:r>
+              <a:rPr lang="en-US" dirty="0" err="1"/>
+              <a:t>setOutputSoapObject</a:t>
+            </a:r>
+            <a:r>
+              <a:rPr lang="en-US" dirty="0"/>
+              <a:t>: pass in an instance of </a:t>
+            </a:r>
+            <a:r>
+              <a:rPr lang="en-US" dirty="0" err="1"/>
+              <a:t>soapObject</a:t>
             </a:r>
             <a:br>
-              <a:rPr lang="en-US" sz="1600" dirty="0" smtClean="0"/>
+              <a:rPr lang="en-US" i="1" dirty="0"/>
             </a:br>
             <a:r>
-              <a:rPr lang="en-US" sz="1800" dirty="0" smtClean="0"/>
-              <a:t>    </a:t>
-            </a:r>
-            <a:r>
-              <a:rPr lang="en-US" sz="1800" dirty="0" err="1" smtClean="0"/>
-              <a:t>defaultConfig</a:t>
-            </a:r>
-            <a:r>
-              <a:rPr lang="en-US" sz="1800" dirty="0" smtClean="0"/>
-              <a:t> {</a:t>
-            </a:r>
-            <a:br>
-              <a:rPr lang="en-US" sz="1800" dirty="0" smtClean="0"/>
-            </a:br>
-            <a:r>
-              <a:rPr lang="en-US" sz="1800" dirty="0" smtClean="0"/>
-              <a:t>        …   }</a:t>
-            </a:r>
-            <a:br>
-              <a:rPr lang="en-US" sz="1800" dirty="0" smtClean="0"/>
-            </a:br>
-            <a:r>
-              <a:rPr lang="en-US" sz="1800" dirty="0" smtClean="0"/>
-              <a:t>    </a:t>
-            </a:r>
-            <a:r>
-              <a:rPr lang="en-US" sz="1800" dirty="0" err="1" smtClean="0"/>
-              <a:t>buildTypes</a:t>
-            </a:r>
-            <a:r>
-              <a:rPr lang="en-US" sz="1800" dirty="0" smtClean="0"/>
-              <a:t> {</a:t>
-            </a:r>
-            <a:br>
-              <a:rPr lang="en-US" sz="1800" dirty="0" smtClean="0"/>
-            </a:br>
-            <a:r>
-              <a:rPr lang="en-US" sz="1800" dirty="0" smtClean="0"/>
-              <a:t>        …        }</a:t>
-            </a:r>
-            <a:r>
-              <a:rPr lang="en-US" sz="2000" dirty="0" smtClean="0"/>
-              <a:t/>
-            </a:r>
-            <a:br>
-              <a:rPr lang="en-US" sz="2000" dirty="0" smtClean="0"/>
-            </a:br>
-            <a:r>
-              <a:rPr lang="en-US" sz="2000" dirty="0" smtClean="0"/>
-              <a:t>        repositories {</a:t>
-            </a:r>
-            <a:br>
-              <a:rPr lang="en-US" sz="2000" dirty="0" smtClean="0"/>
-            </a:br>
-            <a:r>
-              <a:rPr lang="en-US" sz="2000" dirty="0" smtClean="0"/>
-              <a:t>            maven { </a:t>
-            </a:r>
-            <a:r>
-              <a:rPr lang="en-US" sz="2000" dirty="0" err="1" smtClean="0"/>
-              <a:t>url</a:t>
-            </a:r>
-            <a:r>
-              <a:rPr lang="en-US" sz="2000" dirty="0" smtClean="0"/>
-              <a:t> 'https://</a:t>
-            </a:r>
-            <a:r>
-              <a:rPr lang="en-US" sz="2000" dirty="0" err="1" smtClean="0"/>
-              <a:t>oss.sonatype.org</a:t>
-            </a:r>
-            <a:r>
-              <a:rPr lang="en-US" sz="2000" dirty="0" smtClean="0"/>
-              <a:t>/content/repositories/ksoap2-android-releases'}</a:t>
-            </a:r>
-            <a:br>
-              <a:rPr lang="en-US" sz="2000" dirty="0" smtClean="0"/>
-            </a:br>
-            <a:r>
-              <a:rPr lang="en-US" sz="2000" dirty="0" smtClean="0"/>
-              <a:t>        }</a:t>
-            </a:r>
-            <a:br>
-              <a:rPr lang="en-US" sz="2000" dirty="0" smtClean="0"/>
-            </a:br>
-            <a:r>
-              <a:rPr lang="en-US" sz="2000" dirty="0" smtClean="0"/>
-              <a:t>    }</a:t>
-            </a:r>
-            <a:br>
-              <a:rPr lang="en-US" sz="2000" dirty="0" smtClean="0"/>
-            </a:br>
-            <a:r>
-              <a:rPr lang="en-US" sz="2000" dirty="0" smtClean="0"/>
-              <a:t>}</a:t>
-            </a:r>
-          </a:p>
-          <a:p>
-            <a:pPr marL="0" indent="0">
-              <a:lnSpc>
-                <a:spcPct val="120000"/>
-              </a:lnSpc>
-              <a:buFont typeface="Arial"/>
-              <a:buNone/>
-            </a:pPr>
-            <a:endParaRPr lang="en-US" sz="1050" dirty="0" smtClean="0"/>
-          </a:p>
-          <a:p>
-            <a:pPr marL="0" indent="0">
-              <a:buFont typeface="Arial"/>
-              <a:buNone/>
-            </a:pPr>
-            <a:r>
-              <a:rPr lang="en-US" sz="2000" dirty="0" smtClean="0"/>
-              <a:t>dependencies {</a:t>
-            </a:r>
-            <a:br>
-              <a:rPr lang="en-US" sz="2000" dirty="0" smtClean="0"/>
-            </a:br>
-            <a:r>
-              <a:rPr lang="en-US" sz="2000" dirty="0" smtClean="0"/>
-              <a:t>    compile 'com.android.support:support-v4:21.0.3'</a:t>
-            </a:r>
-            <a:br>
-              <a:rPr lang="en-US" sz="2000" dirty="0" smtClean="0"/>
-            </a:br>
-            <a:r>
-              <a:rPr lang="en-US" sz="2000" dirty="0" smtClean="0"/>
-              <a:t>    compile 'com.google.code.ksoap2-android:ksoap2-android:3.6.0'</a:t>
-            </a:r>
-            <a:r>
-              <a:rPr lang="en-US" sz="2000" b="1" dirty="0" smtClean="0"/>
-              <a:t/>
-            </a:r>
-            <a:br>
-              <a:rPr lang="en-US" sz="2000" b="1" dirty="0" smtClean="0"/>
-            </a:br>
-            <a:r>
-              <a:rPr lang="en-US" sz="2000" dirty="0" smtClean="0"/>
-              <a:t>}</a:t>
-            </a:r>
-          </a:p>
-        </p:txBody>
-      </p:sp>
-      <p:cxnSp>
-        <p:nvCxnSpPr>
-          <p:cNvPr id="4" name="Straight Arrow Connector 3"/>
-          <p:cNvCxnSpPr/>
-          <p:nvPr/>
-        </p:nvCxnSpPr>
-        <p:spPr>
-          <a:xfrm flipH="1">
-            <a:off x="6456239" y="5087236"/>
-            <a:ext cx="423308" cy="916982"/>
-          </a:xfrm>
-          <a:prstGeom prst="straightConnector1">
-            <a:avLst/>
-          </a:prstGeom>
-          <a:ln>
-            <a:tailEnd type="arrow"/>
-          </a:ln>
-        </p:spPr>
-        <p:style>
-          <a:lnRef idx="2">
-            <a:schemeClr val="accent1"/>
-          </a:lnRef>
-          <a:fillRef idx="0">
-            <a:schemeClr val="accent1"/>
-          </a:fillRef>
-          <a:effectRef idx="1">
-            <a:schemeClr val="accent1"/>
-          </a:effectRef>
-          <a:fontRef idx="minor">
-            <a:schemeClr val="tx1"/>
-          </a:fontRef>
-        </p:style>
-      </p:cxnSp>
-      <p:sp>
-        <p:nvSpPr>
-          <p:cNvPr id="5" name="TextBox 4"/>
-          <p:cNvSpPr txBox="1"/>
-          <p:nvPr/>
-        </p:nvSpPr>
-        <p:spPr>
-          <a:xfrm>
-            <a:off x="5663159" y="4717904"/>
-            <a:ext cx="1788423" cy="369332"/>
-          </a:xfrm>
-          <a:prstGeom prst="rect">
-            <a:avLst/>
-          </a:prstGeom>
-          <a:noFill/>
-        </p:spPr>
-        <p:txBody>
-          <a:bodyPr wrap="square" rtlCol="0">
-            <a:spAutoFit/>
-          </a:bodyPr>
-          <a:lstStyle/>
-          <a:p>
-            <a:r>
-              <a:rPr lang="en-US" dirty="0" smtClean="0">
-                <a:solidFill>
-                  <a:srgbClr val="0000FF"/>
-                </a:solidFill>
-              </a:rPr>
-              <a:t>Add these lines</a:t>
-            </a:r>
-            <a:endParaRPr lang="en-US" dirty="0">
-              <a:solidFill>
-                <a:srgbClr val="0000FF"/>
-              </a:solidFill>
-            </a:endParaRPr>
-          </a:p>
-        </p:txBody>
-      </p:sp>
-      <p:cxnSp>
-        <p:nvCxnSpPr>
-          <p:cNvPr id="6" name="Straight Arrow Connector 5"/>
-          <p:cNvCxnSpPr/>
-          <p:nvPr/>
-        </p:nvCxnSpPr>
-        <p:spPr>
-          <a:xfrm flipH="1" flipV="1">
-            <a:off x="6029262" y="3882179"/>
-            <a:ext cx="850285" cy="835725"/>
-          </a:xfrm>
-          <a:prstGeom prst="straightConnector1">
-            <a:avLst/>
-          </a:prstGeom>
-          <a:ln>
-            <a:tailEnd type="arrow"/>
-          </a:ln>
-        </p:spPr>
-        <p:style>
-          <a:lnRef idx="2">
-            <a:schemeClr val="accent1"/>
-          </a:lnRef>
-          <a:fillRef idx="0">
-            <a:schemeClr val="accent1"/>
-          </a:fillRef>
-          <a:effectRef idx="1">
-            <a:schemeClr val="accent1"/>
-          </a:effectRef>
-          <a:fontRef idx="minor">
-            <a:schemeClr val="tx1"/>
-          </a:fontRef>
-        </p:style>
-      </p:cxnSp>
+              <a:rPr lang="en-US" i="1" dirty="0"/>
+              <a:t>     </a:t>
+            </a:r>
+            <a:r>
+              <a:rPr lang="en-US" sz="2400" i="1" dirty="0" err="1"/>
+              <a:t>envelope.setOutputSoapObject</a:t>
+            </a:r>
+            <a:r>
+              <a:rPr lang="en-US" sz="2400" i="1" dirty="0"/>
+              <a:t>(request);</a:t>
+            </a:r>
+          </a:p>
+        </p:txBody>
+      </p:sp>
     </p:spTree>
     <p:extLst>
       <p:ext uri="{BB962C8B-B14F-4D97-AF65-F5344CB8AC3E}">
-        <p14:creationId xmlns:p14="http://schemas.microsoft.com/office/powerpoint/2010/main" val="1778985209"/>
+        <p14:creationId xmlns:p14="http://schemas.microsoft.com/office/powerpoint/2010/main" val="1643403760"/>
       </p:ext>
     </p:extLst>
   </p:cSld>
   <p:clrMapOvr>
     <a:masterClrMapping/>
   </p:clrMapOvr>
-  <p:timing>
-    <p:tnLst>
-      <p:par>
-        <p:cTn id="1" dur="indefinite" restart="never" nodeType="tmRoot"/>
-      </p:par>
-    </p:tnLst>
-  </p:timing>
 </p:sld>
 </file>
 
@@ -7128,7 +7360,7 @@
       </p:grpSpPr>
       <p:sp>
         <p:nvSpPr>
-          <p:cNvPr id="4" name="Title 1"/>
+          <p:cNvPr id="2" name="Title 1"/>
           <p:cNvSpPr txBox="1">
             <a:spLocks/>
           </p:cNvSpPr>
@@ -7163,12 +7395,12 @@
           </a:lstStyle>
           <a:p>
             <a:r>
-              <a:rPr lang="en-US" smtClean="0">
+              <a:rPr lang="en-US">
                 <a:solidFill>
                   <a:srgbClr val="0000FF"/>
                 </a:solidFill>
               </a:rPr>
-              <a:t>Creating a SOAP Request</a:t>
+              <a:t>Sending the SOAP Request</a:t>
             </a:r>
             <a:endParaRPr lang="en-US" dirty="0">
               <a:solidFill>
@@ -7180,7 +7412,7 @@
       </p:sp>
       <p:sp>
         <p:nvSpPr>
-          <p:cNvPr id="5" name="Content Placeholder 2"/>
+          <p:cNvPr id="3" name="Content Placeholder 2"/>
           <p:cNvSpPr txBox="1">
             <a:spLocks/>
           </p:cNvSpPr>
@@ -7197,7 +7429,7 @@
         </p:spPr>
         <p:txBody>
           <a:bodyPr>
-            <a:normAutofit lnSpcReduction="10000"/>
+            <a:normAutofit/>
           </a:bodyPr>
           <a:lstStyle>
             <a:lvl1pPr marL="342900" indent="-342900" algn="l" defTabSz="457200" rtl="0" eaLnBrk="1" latinLnBrk="0" hangingPunct="1">
@@ -7338,115 +7570,86 @@
           </a:lstStyle>
           <a:p>
             <a:r>
-              <a:rPr lang="en-US" smtClean="0"/>
-              <a:t>Create an instance of the </a:t>
-            </a:r>
-            <a:r>
-              <a:rPr lang="en-US" i="1" smtClean="0"/>
-              <a:t>SoapObject</a:t>
-            </a:r>
-            <a:r>
-              <a:rPr lang="en-US" smtClean="0"/>
-              <a:t> class:</a:t>
+              <a:rPr lang="en-US"/>
+              <a:t>Instantiate an instance of HttpTrasportSE</a:t>
             </a:r>
             <a:br>
-              <a:rPr lang="en-US" smtClean="0"/>
+              <a:rPr lang="en-US" i="1"/>
             </a:br>
             <a:r>
-              <a:rPr lang="en-US" sz="2400" i="1" smtClean="0"/>
-              <a:t>SoapObject request = new SoapObject(</a:t>
+              <a:rPr lang="en-US" sz="2400" i="1"/>
+              <a:t>HttpTransportSE ht = new HttpTransportSE(</a:t>
             </a:r>
             <a:br>
-              <a:rPr lang="en-US" sz="2400" i="1" smtClean="0"/>
+              <a:rPr lang="en-US" sz="2400" i="1"/>
             </a:br>
             <a:r>
-              <a:rPr lang="en-US" sz="2400" i="1" smtClean="0"/>
-              <a:t>                                  http://ws.cdyne.com/WeatherWS/,</a:t>
+              <a:rPr lang="en-US" sz="2400" i="1"/>
+              <a:t> </a:t>
+            </a:r>
+            <a:r>
+              <a:rPr lang="en-US" sz="2000" i="1"/>
+              <a:t>   Proxy.NO_PROXY,</a:t>
             </a:r>
             <a:br>
-              <a:rPr lang="en-US" sz="2400" i="1" smtClean="0"/>
+              <a:rPr lang="en-US" sz="2400" i="1"/>
             </a:br>
             <a:r>
-              <a:rPr lang="en-US" sz="2400" i="1" smtClean="0"/>
-              <a:t>                                  "GetCityForecastByZIP");</a:t>
-            </a:r>
-          </a:p>
-          <a:p>
-            <a:pPr lvl="1"/>
-            <a:r>
-              <a:rPr lang="en-US" smtClean="0"/>
-              <a:t>Parameters: </a:t>
-            </a:r>
-          </a:p>
-          <a:p>
-            <a:pPr lvl="2"/>
-            <a:r>
-              <a:rPr lang="en-US" smtClean="0"/>
-              <a:t>URI of the web service</a:t>
-            </a:r>
-          </a:p>
-          <a:p>
-            <a:pPr lvl="2"/>
-            <a:r>
-              <a:rPr lang="en-US" smtClean="0"/>
-              <a:t>Name of the operation</a:t>
-            </a:r>
-          </a:p>
-          <a:p>
-            <a:r>
-              <a:rPr lang="en-US" smtClean="0"/>
-              <a:t>Add a parameter (message part)</a:t>
+              <a:rPr lang="en-US" sz="2400" i="1"/>
+              <a:t>    "http://wsf.cdyne.com/WeatherWS/ Weather.asmx",</a:t>
             </a:r>
             <a:br>
-              <a:rPr lang="en-US" smtClean="0"/>
+              <a:rPr lang="en-US" sz="2400" i="1"/>
             </a:br>
             <a:r>
-              <a:rPr lang="en-US" sz="2800" smtClean="0"/>
-              <a:t>Example: add a zip code parameter</a:t>
+              <a:rPr lang="en-US" sz="2400" i="1"/>
+              <a:t>      60000);</a:t>
+            </a:r>
+          </a:p>
+          <a:p>
+            <a:pPr marL="0" indent="0">
+              <a:buFont typeface="Arial"/>
+              <a:buNone/>
+            </a:pPr>
+            <a:r>
+              <a:rPr lang="en-US" sz="2800"/>
+              <a:t>Parameters: proxy, web service URI, timeout in milliseconds</a:t>
+            </a:r>
+            <a:endParaRPr lang="en-US" i="1"/>
+          </a:p>
+          <a:p>
+            <a:r>
+              <a:rPr lang="en-US"/>
+              <a:t>Set the XML version and encoding</a:t>
             </a:r>
             <a:br>
-              <a:rPr lang="en-US" sz="2800" smtClean="0"/>
+              <a:rPr lang="en-US" i="1"/>
             </a:br>
             <a:r>
-              <a:rPr lang="en-US" sz="2400" i="1" smtClean="0"/>
-              <a:t>String zipCode = “97405”;</a:t>
+              <a:rPr lang="en-US" sz="2400" i="1"/>
+              <a:t>ht.setXmlVersionTag(</a:t>
             </a:r>
             <a:br>
-              <a:rPr lang="en-US" sz="2400" i="1" smtClean="0"/>
+              <a:rPr lang="en-US" sz="2400" i="1"/>
             </a:br>
             <a:r>
-              <a:rPr lang="en-US" sz="2400" i="1" smtClean="0"/>
-              <a:t>request.addProperty(</a:t>
-            </a:r>
-            <a:r>
-              <a:rPr lang="en-US" sz="2400" b="1" i="1" smtClean="0"/>
-              <a:t>"ZIP"</a:t>
-            </a:r>
-            <a:r>
-              <a:rPr lang="en-US" sz="2400" i="1" smtClean="0"/>
-              <a:t>, zipCode);</a:t>
-            </a:r>
-            <a:endParaRPr lang="en-US" sz="2400" i="1" dirty="0" smtClean="0"/>
+              <a:rPr lang="en-US" sz="2400" i="1"/>
+              <a:t>   "&lt;!--?xml version=\"1.0\" encoding= \"UTF-8\" ?--&gt;");</a:t>
+            </a:r>
+            <a:endParaRPr lang="en-US" sz="2400" i="1" dirty="0"/>
           </a:p>
         </p:txBody>
       </p:sp>
     </p:spTree>
     <p:extLst>
       <p:ext uri="{BB962C8B-B14F-4D97-AF65-F5344CB8AC3E}">
-        <p14:creationId xmlns:p14="http://schemas.microsoft.com/office/powerpoint/2010/main" val="1698150701"/>
+        <p14:creationId xmlns:p14="http://schemas.microsoft.com/office/powerpoint/2010/main" val="3483137205"/>
       </p:ext>
     </p:extLst>
   </p:cSld>
   <p:clrMapOvr>
     <a:masterClrMapping/>
   </p:clrMapOvr>
-  <p:timing>
-    <p:tnLst>
-      <p:par>
-        <p:cTn id="1" dur="indefinite" restart="never" nodeType="tmRoot"/>
-      </p:par>
-    </p:tnLst>
-  </p:timing>
 </p:sld>
 </file>
 
@@ -7488,18 +7691,13 @@
           <a:lstStyle/>
           <a:p>
             <a:r>
-              <a:rPr lang="en-US" dirty="0" smtClean="0">
+              <a:rPr lang="en-US" dirty="0">
                 <a:solidFill>
                   <a:srgbClr val="2D2DB9"/>
                 </a:solidFill>
               </a:rPr>
               <a:t>Course Overview</a:t>
             </a:r>
-            <a:endParaRPr lang="en-US" dirty="0">
-              <a:solidFill>
-                <a:srgbClr val="2D2DB9"/>
-              </a:solidFill>
-            </a:endParaRPr>
           </a:p>
         </p:txBody>
       </p:sp>
@@ -7529,8 +7727,20 @@
                 <a:tableStyleId>{5C22544A-7EE6-4342-B048-85BDC9FD1C3A}</a:tableStyleId>
               </a:tblPr>
               <a:tblGrid>
-                <a:gridCol w="511701"/>
-                <a:gridCol w="3299499"/>
+                <a:gridCol w="511701">
+                  <a:extLst>
+                    <a:ext uri="{9D8B030D-6E8A-4147-A177-3AD203B41FA5}">
+                      <a16:colId xmlns:a16="http://schemas.microsoft.com/office/drawing/2014/main" val="20000"/>
+                    </a:ext>
+                  </a:extLst>
+                </a:gridCol>
+                <a:gridCol w="3299499">
+                  <a:extLst>
+                    <a:ext uri="{9D8B030D-6E8A-4147-A177-3AD203B41FA5}">
+                      <a16:colId xmlns:a16="http://schemas.microsoft.com/office/drawing/2014/main" val="20001"/>
+                    </a:ext>
+                  </a:extLst>
+                </a:gridCol>
               </a:tblGrid>
               <a:tr h="428284">
                 <a:tc>
@@ -7539,10 +7749,9 @@
                     <a:lstStyle/>
                     <a:p>
                       <a:r>
-                        <a:rPr lang="en-US" dirty="0" smtClean="0"/>
+                        <a:rPr lang="en-US" dirty="0"/>
                         <a:t>Wk</a:t>
                       </a:r>
-                      <a:endParaRPr lang="en-US" dirty="0"/>
                     </a:p>
                   </a:txBody>
                   <a:tcPr/>
@@ -7553,14 +7762,18 @@
                     <a:lstStyle/>
                     <a:p>
                       <a:r>
-                        <a:rPr lang="en-US" dirty="0" smtClean="0"/>
+                        <a:rPr lang="en-US" dirty="0"/>
                         <a:t>Topic</a:t>
                       </a:r>
-                      <a:endParaRPr lang="en-US" dirty="0"/>
                     </a:p>
                   </a:txBody>
                   <a:tcPr/>
                 </a:tc>
+                <a:extLst>
+                  <a:ext uri="{0D108BD9-81ED-4DB2-BD59-A6C34878D82A}">
+                    <a16:rowId xmlns:a16="http://schemas.microsoft.com/office/drawing/2014/main" val="10000"/>
+                  </a:ext>
+                </a:extLst>
               </a:tr>
               <a:tr h="428284">
                 <a:tc>
@@ -7569,10 +7782,9 @@
                     <a:lstStyle/>
                     <a:p>
                       <a:r>
-                        <a:rPr lang="en-US" sz="2800" dirty="0" smtClean="0"/>
+                        <a:rPr lang="en-US" sz="2800" dirty="0"/>
                         <a:t>1</a:t>
                       </a:r>
-                      <a:endParaRPr lang="en-US" sz="2800" dirty="0"/>
                     </a:p>
                   </a:txBody>
                   <a:tcPr>
@@ -7607,22 +7819,22 @@
                         <a:defRPr/>
                       </a:pPr>
                       <a:r>
-                        <a:rPr lang="en-US" sz="2800" dirty="0" smtClean="0"/>
+                        <a:rPr lang="en-US" sz="2800" dirty="0"/>
                         <a:t>Intro</a:t>
                       </a:r>
                       <a:r>
-                        <a:rPr lang="en-US" sz="2800" baseline="0" dirty="0" smtClean="0"/>
+                        <a:rPr lang="en-US" sz="2800" baseline="0" dirty="0"/>
                         <a:t>,</a:t>
                       </a:r>
                       <a:r>
-                        <a:rPr lang="en-US" sz="2800" dirty="0" smtClean="0"/>
+                        <a:rPr lang="en-US" sz="2800" dirty="0"/>
                         <a:t> </a:t>
                       </a:r>
                       <a:br>
-                        <a:rPr lang="en-US" sz="2800" dirty="0" smtClean="0"/>
+                        <a:rPr lang="en-US" sz="2800" dirty="0"/>
                       </a:br>
                       <a:r>
-                        <a:rPr lang="en-US" sz="2800" dirty="0" smtClean="0"/>
+                        <a:rPr lang="en-US" sz="2800" dirty="0"/>
                         <a:t>single-screen apps</a:t>
                       </a:r>
                     </a:p>
@@ -7636,6 +7848,11 @@
                     </a:solidFill>
                   </a:tcPr>
                 </a:tc>
+                <a:extLst>
+                  <a:ext uri="{0D108BD9-81ED-4DB2-BD59-A6C34878D82A}">
+                    <a16:rowId xmlns:a16="http://schemas.microsoft.com/office/drawing/2014/main" val="10001"/>
+                  </a:ext>
+                </a:extLst>
               </a:tr>
               <a:tr h="428284">
                 <a:tc>
@@ -7644,10 +7861,9 @@
                     <a:lstStyle/>
                     <a:p>
                       <a:r>
-                        <a:rPr lang="en-US" sz="2800" dirty="0" smtClean="0"/>
+                        <a:rPr lang="en-US" sz="2800" dirty="0"/>
                         <a:t>1</a:t>
                       </a:r>
-                      <a:endParaRPr lang="en-US" sz="2800" dirty="0"/>
                     </a:p>
                   </a:txBody>
                   <a:tcPr/>
@@ -7675,18 +7891,23 @@
                         <a:defRPr/>
                       </a:pPr>
                       <a:r>
-                        <a:rPr lang="en-US" sz="2800" dirty="0" smtClean="0"/>
+                        <a:rPr lang="en-US" sz="2800" dirty="0"/>
                         <a:t>Activity Lifecycle, saving</a:t>
                       </a:r>
                       <a:r>
-                        <a:rPr lang="en-US" sz="2800" baseline="0" dirty="0" smtClean="0"/>
+                        <a:rPr lang="en-US" sz="2800" baseline="0" dirty="0"/>
                         <a:t> activity state</a:t>
                       </a:r>
-                      <a:endParaRPr lang="en-US" sz="2800" dirty="0" smtClean="0"/>
+                      <a:endParaRPr lang="en-US" sz="2800" dirty="0"/>
                     </a:p>
                   </a:txBody>
                   <a:tcPr/>
                 </a:tc>
+                <a:extLst>
+                  <a:ext uri="{0D108BD9-81ED-4DB2-BD59-A6C34878D82A}">
+                    <a16:rowId xmlns:a16="http://schemas.microsoft.com/office/drawing/2014/main" val="10002"/>
+                  </a:ext>
+                </a:extLst>
               </a:tr>
               <a:tr h="428284">
                 <a:tc>
@@ -7695,10 +7916,9 @@
                     <a:lstStyle/>
                     <a:p>
                       <a:r>
-                        <a:rPr lang="en-US" sz="2800" dirty="0" smtClean="0"/>
+                        <a:rPr lang="en-US" sz="2800" dirty="0"/>
                         <a:t>2</a:t>
                       </a:r>
-                      <a:endParaRPr lang="en-US" sz="2800" dirty="0"/>
                     </a:p>
                   </a:txBody>
                   <a:tcPr/>
@@ -7726,11 +7946,11 @@
                         <a:defRPr/>
                       </a:pPr>
                       <a:r>
-                        <a:rPr lang="en-US" sz="2800" dirty="0" smtClean="0"/>
+                        <a:rPr lang="en-US" sz="2800" dirty="0"/>
                         <a:t>Layouts</a:t>
                       </a:r>
                       <a:r>
-                        <a:rPr lang="en-US" sz="2800" baseline="0" dirty="0" smtClean="0"/>
+                        <a:rPr lang="en-US" sz="2800" baseline="0" dirty="0"/>
                         <a:t> + widgets,</a:t>
                       </a:r>
                     </a:p>
@@ -7753,14 +7973,19 @@
                         <a:defRPr/>
                       </a:pPr>
                       <a:r>
-                        <a:rPr lang="en-US" sz="2800" baseline="0" dirty="0" smtClean="0"/>
+                        <a:rPr lang="en-US" sz="2800" baseline="0" dirty="0"/>
                         <a:t>Event Handlers</a:t>
                       </a:r>
-                      <a:endParaRPr lang="en-US" sz="2800" dirty="0" smtClean="0"/>
+                      <a:endParaRPr lang="en-US" sz="2800" dirty="0"/>
                     </a:p>
                   </a:txBody>
                   <a:tcPr/>
                 </a:tc>
+                <a:extLst>
+                  <a:ext uri="{0D108BD9-81ED-4DB2-BD59-A6C34878D82A}">
+                    <a16:rowId xmlns:a16="http://schemas.microsoft.com/office/drawing/2014/main" val="10003"/>
+                  </a:ext>
+                </a:extLst>
               </a:tr>
               <a:tr h="428284">
                 <a:tc>
@@ -7769,10 +7994,9 @@
                     <a:lstStyle/>
                     <a:p>
                       <a:r>
-                        <a:rPr lang="en-US" sz="2800" dirty="0" smtClean="0"/>
+                        <a:rPr lang="en-US" sz="2800" dirty="0"/>
                         <a:t>2</a:t>
                       </a:r>
-                      <a:endParaRPr lang="en-US" sz="2800" dirty="0"/>
                     </a:p>
                   </a:txBody>
                   <a:tcPr>
@@ -7806,7 +8030,7 @@
                         <a:defRPr/>
                       </a:pPr>
                       <a:r>
-                        <a:rPr lang="en-US" sz="2800" u="none" baseline="0" dirty="0" smtClean="0"/>
+                        <a:rPr lang="en-US" sz="2800" u="none" baseline="0" dirty="0"/>
                         <a:t>Themes + styles,</a:t>
                       </a:r>
                     </a:p>
@@ -7829,10 +8053,10 @@
                         <a:defRPr/>
                       </a:pPr>
                       <a:r>
-                        <a:rPr lang="en-US" sz="2800" u="none" baseline="0" dirty="0" smtClean="0"/>
+                        <a:rPr lang="en-US" sz="2800" u="none" baseline="0" dirty="0"/>
                         <a:t>Menu + settings</a:t>
                       </a:r>
-                      <a:endParaRPr lang="en-US" sz="2800" u="none" dirty="0" smtClean="0"/>
+                      <a:endParaRPr lang="en-US" sz="2800" u="none" dirty="0"/>
                     </a:p>
                   </a:txBody>
                   <a:tcPr>
@@ -7843,6 +8067,11 @@
                     </a:solidFill>
                   </a:tcPr>
                 </a:tc>
+                <a:extLst>
+                  <a:ext uri="{0D108BD9-81ED-4DB2-BD59-A6C34878D82A}">
+                    <a16:rowId xmlns:a16="http://schemas.microsoft.com/office/drawing/2014/main" val="10004"/>
+                  </a:ext>
+                </a:extLst>
               </a:tr>
               <a:tr h="428284">
                 <a:tc>
@@ -7851,10 +8080,9 @@
                     <a:lstStyle/>
                     <a:p>
                       <a:r>
-                        <a:rPr lang="en-US" sz="2800" dirty="0" smtClean="0"/>
+                        <a:rPr lang="en-US" sz="2800" dirty="0"/>
                         <a:t>2</a:t>
                       </a:r>
-                      <a:endParaRPr lang="en-US" sz="2800" dirty="0"/>
                     </a:p>
                   </a:txBody>
                   <a:tcPr>
@@ -7889,14 +8117,14 @@
                         <a:defRPr/>
                       </a:pPr>
                       <a:r>
-                        <a:rPr lang="en-US" sz="2800" dirty="0" smtClean="0"/>
+                        <a:rPr lang="en-US" sz="2800" dirty="0"/>
                         <a:t>Multi-screen</a:t>
                       </a:r>
                       <a:r>
-                        <a:rPr lang="en-US" sz="2800" baseline="0" dirty="0" smtClean="0"/>
+                        <a:rPr lang="en-US" sz="2800" baseline="0" dirty="0"/>
                         <a:t> apps</a:t>
                       </a:r>
-                      <a:endParaRPr lang="en-US" sz="2800" u="none" dirty="0" smtClean="0">
+                      <a:endParaRPr lang="en-US" sz="2800" u="none" dirty="0">
                         <a:solidFill>
                           <a:schemeClr val="tx1"/>
                         </a:solidFill>
@@ -7912,6 +8140,11 @@
                     </a:solidFill>
                   </a:tcPr>
                 </a:tc>
+                <a:extLst>
+                  <a:ext uri="{0D108BD9-81ED-4DB2-BD59-A6C34878D82A}">
+                    <a16:rowId xmlns:a16="http://schemas.microsoft.com/office/drawing/2014/main" val="10005"/>
+                  </a:ext>
+                </a:extLst>
               </a:tr>
             </a:tbl>
           </a:graphicData>
@@ -7943,8 +8176,20 @@
                 <a:tableStyleId>{5C22544A-7EE6-4342-B048-85BDC9FD1C3A}</a:tableStyleId>
               </a:tblPr>
               <a:tblGrid>
-                <a:gridCol w="589196"/>
-                <a:gridCol w="3685178"/>
+                <a:gridCol w="589196">
+                  <a:extLst>
+                    <a:ext uri="{9D8B030D-6E8A-4147-A177-3AD203B41FA5}">
+                      <a16:colId xmlns:a16="http://schemas.microsoft.com/office/drawing/2014/main" val="20000"/>
+                    </a:ext>
+                  </a:extLst>
+                </a:gridCol>
+                <a:gridCol w="3685178">
+                  <a:extLst>
+                    <a:ext uri="{9D8B030D-6E8A-4147-A177-3AD203B41FA5}">
+                      <a16:colId xmlns:a16="http://schemas.microsoft.com/office/drawing/2014/main" val="20001"/>
+                    </a:ext>
+                  </a:extLst>
+                </a:gridCol>
               </a:tblGrid>
               <a:tr h="375862">
                 <a:tc>
@@ -7953,10 +8198,9 @@
                     <a:lstStyle/>
                     <a:p>
                       <a:r>
-                        <a:rPr lang="en-US" dirty="0" smtClean="0"/>
+                        <a:rPr lang="en-US" dirty="0"/>
                         <a:t>Wk</a:t>
                       </a:r>
-                      <a:endParaRPr lang="en-US" dirty="0"/>
                     </a:p>
                   </a:txBody>
                   <a:tcPr/>
@@ -7967,14 +8211,18 @@
                     <a:lstStyle/>
                     <a:p>
                       <a:r>
-                        <a:rPr lang="en-US" dirty="0" smtClean="0"/>
+                        <a:rPr lang="en-US" dirty="0"/>
                         <a:t>Topic</a:t>
                       </a:r>
-                      <a:endParaRPr lang="en-US" dirty="0"/>
                     </a:p>
                   </a:txBody>
                   <a:tcPr/>
                 </a:tc>
+                <a:extLst>
+                  <a:ext uri="{0D108BD9-81ED-4DB2-BD59-A6C34878D82A}">
+                    <a16:rowId xmlns:a16="http://schemas.microsoft.com/office/drawing/2014/main" val="10000"/>
+                  </a:ext>
+                </a:extLst>
               </a:tr>
               <a:tr h="654110">
                 <a:tc>
@@ -7983,10 +8231,9 @@
                     <a:lstStyle/>
                     <a:p>
                       <a:r>
-                        <a:rPr lang="en-US" sz="2800" dirty="0" smtClean="0"/>
+                        <a:rPr lang="en-US" sz="2800" dirty="0"/>
                         <a:t>3</a:t>
                       </a:r>
-                      <a:endParaRPr lang="en-US" sz="2800" dirty="0"/>
                     </a:p>
                   </a:txBody>
                   <a:tcPr>
@@ -8021,14 +8268,14 @@
                         <a:defRPr/>
                       </a:pPr>
                       <a:r>
-                        <a:rPr lang="en-US" sz="2800" u="none" baseline="0" dirty="0" smtClean="0">
+                        <a:rPr lang="en-US" sz="2800" u="none" baseline="0" dirty="0">
                           <a:solidFill>
                             <a:schemeClr val="tx1"/>
                           </a:solidFill>
                         </a:rPr>
                         <a:t>Fragments</a:t>
                       </a:r>
-                      <a:endParaRPr lang="en-US" sz="2800" u="none" dirty="0" smtClean="0">
+                      <a:endParaRPr lang="en-US" sz="2800" u="none" dirty="0">
                         <a:solidFill>
                           <a:schemeClr val="tx1"/>
                         </a:solidFill>
@@ -8044,6 +8291,11 @@
                     </a:solidFill>
                   </a:tcPr>
                 </a:tc>
+                <a:extLst>
+                  <a:ext uri="{0D108BD9-81ED-4DB2-BD59-A6C34878D82A}">
+                    <a16:rowId xmlns:a16="http://schemas.microsoft.com/office/drawing/2014/main" val="10001"/>
+                  </a:ext>
+                </a:extLst>
               </a:tr>
               <a:tr h="957676">
                 <a:tc>
@@ -8052,10 +8304,9 @@
                     <a:lstStyle/>
                     <a:p>
                       <a:r>
-                        <a:rPr lang="en-US" sz="2800" dirty="0" smtClean="0"/>
+                        <a:rPr lang="en-US" sz="2800" dirty="0"/>
                         <a:t>3</a:t>
                       </a:r>
-                      <a:endParaRPr lang="en-US" sz="2800" dirty="0"/>
                     </a:p>
                   </a:txBody>
                   <a:tcPr>
@@ -8090,7 +8341,7 @@
                         <a:defRPr/>
                       </a:pPr>
                       <a:r>
-                        <a:rPr lang="en-US" sz="2800" baseline="0" dirty="0" smtClean="0"/>
+                        <a:rPr lang="en-US" sz="2800" baseline="0" dirty="0"/>
                         <a:t>Reading XML files,</a:t>
                       </a:r>
                     </a:p>
@@ -8113,10 +8364,10 @@
                         <a:defRPr/>
                       </a:pPr>
                       <a:r>
-                        <a:rPr lang="en-US" sz="2800" baseline="0" dirty="0" smtClean="0"/>
+                        <a:rPr lang="en-US" sz="2800" baseline="0" dirty="0"/>
                         <a:t>Asynch Tasks</a:t>
                       </a:r>
-                      <a:endParaRPr lang="en-US" sz="2800" dirty="0" smtClean="0"/>
+                      <a:endParaRPr lang="en-US" sz="2800" dirty="0"/>
                     </a:p>
                   </a:txBody>
                   <a:tcPr>
@@ -8128,6 +8379,11 @@
                     </a:solidFill>
                   </a:tcPr>
                 </a:tc>
+                <a:extLst>
+                  <a:ext uri="{0D108BD9-81ED-4DB2-BD59-A6C34878D82A}">
+                    <a16:rowId xmlns:a16="http://schemas.microsoft.com/office/drawing/2014/main" val="10002"/>
+                  </a:ext>
+                </a:extLst>
               </a:tr>
               <a:tr h="597991">
                 <a:tc>
@@ -8136,10 +8392,9 @@
                     <a:lstStyle/>
                     <a:p>
                       <a:r>
-                        <a:rPr lang="en-US" sz="2800" dirty="0" smtClean="0"/>
+                        <a:rPr lang="en-US" sz="2800" dirty="0"/>
                         <a:t>3</a:t>
                       </a:r>
-                      <a:endParaRPr lang="en-US" sz="2800" dirty="0"/>
                     </a:p>
                   </a:txBody>
                   <a:tcPr>
@@ -8173,7 +8428,7 @@
                         <a:defRPr/>
                       </a:pPr>
                       <a:r>
-                        <a:rPr lang="en-US" sz="2800" dirty="0" smtClean="0"/>
+                        <a:rPr lang="en-US" sz="2800" dirty="0"/>
                         <a:t>List Views</a:t>
                       </a:r>
                     </a:p>
@@ -8186,6 +8441,11 @@
                     </a:solidFill>
                   </a:tcPr>
                 </a:tc>
+                <a:extLst>
+                  <a:ext uri="{0D108BD9-81ED-4DB2-BD59-A6C34878D82A}">
+                    <a16:rowId xmlns:a16="http://schemas.microsoft.com/office/drawing/2014/main" val="10003"/>
+                  </a:ext>
+                </a:extLst>
               </a:tr>
               <a:tr h="617517">
                 <a:tc>
@@ -8194,10 +8454,9 @@
                     <a:lstStyle/>
                     <a:p>
                       <a:r>
-                        <a:rPr lang="en-US" sz="2800" dirty="0" smtClean="0"/>
+                        <a:rPr lang="en-US" sz="2800" dirty="0"/>
                         <a:t>3</a:t>
                       </a:r>
-                      <a:endParaRPr lang="en-US" sz="2800" dirty="0"/>
                     </a:p>
                   </a:txBody>
                   <a:tcPr>
@@ -8232,14 +8491,14 @@
                         <a:defRPr/>
                       </a:pPr>
                       <a:r>
-                        <a:rPr lang="en-US" sz="2800" dirty="0" smtClean="0"/>
+                        <a:rPr lang="en-US" sz="2800" dirty="0"/>
                         <a:t>SQLite</a:t>
                       </a:r>
                       <a:r>
-                        <a:rPr lang="en-US" sz="2800" baseline="0" dirty="0" smtClean="0"/>
+                        <a:rPr lang="en-US" sz="2800" baseline="0" dirty="0"/>
                         <a:t> Databases</a:t>
                       </a:r>
-                      <a:endParaRPr lang="en-US" sz="2800" dirty="0" smtClean="0"/>
+                      <a:endParaRPr lang="en-US" sz="2800" dirty="0"/>
                     </a:p>
                   </a:txBody>
                   <a:tcPr>
@@ -8251,6 +8510,11 @@
                     </a:solidFill>
                   </a:tcPr>
                 </a:tc>
+                <a:extLst>
+                  <a:ext uri="{0D108BD9-81ED-4DB2-BD59-A6C34878D82A}">
+                    <a16:rowId xmlns:a16="http://schemas.microsoft.com/office/drawing/2014/main" val="10004"/>
+                  </a:ext>
+                </a:extLst>
               </a:tr>
               <a:tr h="957676">
                 <a:tc>
@@ -8259,10 +8523,9 @@
                     <a:lstStyle/>
                     <a:p>
                       <a:r>
-                        <a:rPr lang="en-US" sz="2800" dirty="0" smtClean="0"/>
+                        <a:rPr lang="en-US" sz="2800" dirty="0"/>
                         <a:t>4</a:t>
                       </a:r>
-                      <a:endParaRPr lang="en-US" sz="2800" dirty="0"/>
                     </a:p>
                   </a:txBody>
                   <a:tcPr>
@@ -8294,7 +8557,7 @@
                         <a:defRPr/>
                       </a:pPr>
                       <a:r>
-                        <a:rPr lang="en-US" sz="2800" dirty="0" smtClean="0"/>
+                        <a:rPr lang="en-US" sz="2800" dirty="0"/>
                         <a:t>Consuming web services</a:t>
                       </a:r>
                     </a:p>
@@ -8305,6 +8568,11 @@
                     </a:solidFill>
                   </a:tcPr>
                 </a:tc>
+                <a:extLst>
+                  <a:ext uri="{0D108BD9-81ED-4DB2-BD59-A6C34878D82A}">
+                    <a16:rowId xmlns:a16="http://schemas.microsoft.com/office/drawing/2014/main" val="10005"/>
+                  </a:ext>
+                </a:extLst>
               </a:tr>
               <a:tr h="574241">
                 <a:tc>
@@ -8313,10 +8581,9 @@
                     <a:lstStyle/>
                     <a:p>
                       <a:r>
-                        <a:rPr lang="en-US" sz="2800" dirty="0" smtClean="0"/>
+                        <a:rPr lang="en-US" sz="2800" dirty="0"/>
                         <a:t>4</a:t>
                       </a:r>
-                      <a:endParaRPr lang="en-US" sz="2800" dirty="0"/>
                     </a:p>
                   </a:txBody>
                   <a:tcPr/>
@@ -8344,13 +8611,18 @@
                         <a:defRPr/>
                       </a:pPr>
                       <a:r>
-                        <a:rPr lang="en-US" sz="2800" dirty="0" smtClean="0"/>
+                        <a:rPr lang="en-US" sz="2800" dirty="0"/>
                         <a:t>Geolocation</a:t>
                       </a:r>
                     </a:p>
                   </a:txBody>
                   <a:tcPr/>
                 </a:tc>
+                <a:extLst>
+                  <a:ext uri="{0D108BD9-81ED-4DB2-BD59-A6C34878D82A}">
+                    <a16:rowId xmlns:a16="http://schemas.microsoft.com/office/drawing/2014/main" val="10006"/>
+                  </a:ext>
+                </a:extLst>
               </a:tr>
             </a:tbl>
           </a:graphicData>
@@ -8366,13 +8638,6 @@
   <p:clrMapOvr>
     <a:masterClrMapping/>
   </p:clrMapOvr>
-  <p:timing>
-    <p:tnLst>
-      <p:par>
-        <p:cTn id="1" dur="indefinite" restart="never" nodeType="tmRoot"/>
-      </p:par>
-    </p:tnLst>
-  </p:timing>
 </p:sld>
 </file>
 
@@ -8418,7 +8683,7 @@
       </p:grpSpPr>
       <p:sp>
         <p:nvSpPr>
-          <p:cNvPr id="4" name="Title 1"/>
+          <p:cNvPr id="2" name="Title 1"/>
           <p:cNvSpPr txBox="1">
             <a:spLocks/>
           </p:cNvSpPr>
@@ -8455,12 +8720,12 @@
           </a:lstStyle>
           <a:p>
             <a:r>
-              <a:rPr lang="en-US" smtClean="0">
+              <a:rPr lang="en-US">
                 <a:solidFill>
                   <a:srgbClr val="0000FF"/>
                 </a:solidFill>
               </a:rPr>
-              <a:t>Creating a SOAP Request (continued)</a:t>
+              <a:t>Sending the SOAP Request (continued)</a:t>
             </a:r>
             <a:endParaRPr lang="en-US" dirty="0">
               <a:solidFill>
@@ -8472,7 +8737,7 @@
       </p:sp>
       <p:sp>
         <p:nvSpPr>
-          <p:cNvPr id="5" name="Content Placeholder 2"/>
+          <p:cNvPr id="3" name="Content Placeholder 2"/>
           <p:cNvSpPr txBox="1">
             <a:spLocks/>
           </p:cNvSpPr>
@@ -8481,7 +8746,7 @@
         <p:spPr>
           <a:xfrm>
             <a:off x="457200" y="1600200"/>
-            <a:ext cx="8229600" cy="4954002"/>
+            <a:ext cx="8229600" cy="4525963"/>
           </a:xfrm>
           <a:prstGeom prst="rect">
             <a:avLst/>
@@ -8489,7 +8754,7 @@
         </p:spPr>
         <p:txBody>
           <a:bodyPr>
-            <a:normAutofit lnSpcReduction="10000"/>
+            <a:normAutofit/>
           </a:bodyPr>
           <a:lstStyle>
             <a:lvl1pPr marL="342900" indent="-342900" algn="l" defTabSz="457200" rtl="0" eaLnBrk="1" latinLnBrk="0" hangingPunct="1">
@@ -8630,154 +8895,64 @@
           </a:lstStyle>
           <a:p>
             <a:r>
-              <a:rPr lang="en-US" dirty="0" smtClean="0"/>
-              <a:t>Create an Envelope:</a:t>
+              <a:rPr lang="en-US"/>
+              <a:t>Make a call to the web service:</a:t>
             </a:r>
             <a:br>
-              <a:rPr lang="en-US" dirty="0" smtClean="0"/>
+              <a:rPr lang="en-US"/>
             </a:br>
             <a:r>
-              <a:rPr lang="en-US" sz="2400" i="1" dirty="0" err="1" smtClean="0"/>
-              <a:t>SoapSerializationEnvelope</a:t>
-            </a:r>
-            <a:r>
-              <a:rPr lang="en-US" sz="2400" i="1" dirty="0" smtClean="0"/>
-              <a:t> envelope = </a:t>
+              <a:rPr lang="en-US" sz="2400" i="1"/>
+              <a:t>ht.call(</a:t>
             </a:r>
             <a:br>
-              <a:rPr lang="en-US" sz="2400" i="1" dirty="0" smtClean="0"/>
+              <a:rPr lang="en-US" sz="2400" i="1"/>
             </a:br>
             <a:r>
-              <a:rPr lang="en-US" sz="2400" i="1" dirty="0" smtClean="0"/>
-              <a:t>            </a:t>
-            </a:r>
-            <a:r>
-              <a:rPr lang="en-US" sz="2400" b="1" i="1" dirty="0" smtClean="0"/>
-              <a:t>new </a:t>
-            </a:r>
-            <a:r>
-              <a:rPr lang="en-US" sz="2400" i="1" dirty="0" err="1" smtClean="0"/>
-              <a:t>SoapSerializationEnvelope</a:t>
-            </a:r>
-            <a:r>
-              <a:rPr lang="en-US" sz="2400" i="1" dirty="0" smtClean="0"/>
-              <a:t>(SoapEnvelope.</a:t>
-            </a:r>
-            <a:r>
-              <a:rPr lang="en-US" sz="2400" b="1" i="1" dirty="0" smtClean="0"/>
-              <a:t>VER12</a:t>
-            </a:r>
-            <a:r>
-              <a:rPr lang="en-US" sz="2400" i="1" dirty="0" smtClean="0"/>
-              <a:t>);</a:t>
-            </a:r>
-          </a:p>
-          <a:p>
-            <a:pPr lvl="1">
-              <a:buFont typeface="Courier New"/>
-              <a:buChar char="o"/>
-            </a:pPr>
-            <a:r>
-              <a:rPr lang="en-US" dirty="0" smtClean="0"/>
-              <a:t>Pass the SOAP version, 1.2, to the constructor</a:t>
-            </a:r>
-          </a:p>
-          <a:p>
-            <a:r>
-              <a:rPr lang="en-US" dirty="0" smtClean="0"/>
-              <a:t>Initialize the envelope:</a:t>
-            </a:r>
-          </a:p>
-          <a:p>
-            <a:pPr lvl="1">
-              <a:buFont typeface="Courier New"/>
-              <a:buChar char="o"/>
-            </a:pPr>
-            <a:r>
-              <a:rPr lang="en-US" dirty="0" err="1" smtClean="0"/>
-              <a:t>dotNet</a:t>
-            </a:r>
-            <a:r>
-              <a:rPr lang="en-US" dirty="0" smtClean="0"/>
-              <a:t> property: Set to true if the web service you are consuming is written using .NET:</a:t>
-            </a:r>
-            <a:r>
-              <a:rPr lang="en-US" i="1" dirty="0" smtClean="0"/>
-              <a:t/>
+              <a:rPr lang="en-US" sz="2400" i="1"/>
+              <a:t>"http://ws.cdyne.com/WeatherWS/GetCityForecastByZIP",</a:t>
             </a:r>
             <a:br>
-              <a:rPr lang="en-US" i="1" dirty="0" smtClean="0"/>
+              <a:rPr lang="en-US" sz="2400" i="1"/>
             </a:br>
             <a:r>
-              <a:rPr lang="en-US" i="1" dirty="0" smtClean="0"/>
-              <a:t>     </a:t>
-            </a:r>
-            <a:r>
-              <a:rPr lang="en-US" sz="2400" i="1" dirty="0" err="1" smtClean="0"/>
-              <a:t>envelope.dotNet</a:t>
-            </a:r>
-            <a:r>
-              <a:rPr lang="en-US" sz="2400" i="1" dirty="0" smtClean="0"/>
-              <a:t> = true;</a:t>
-            </a:r>
-          </a:p>
-          <a:p>
-            <a:pPr lvl="1">
-              <a:buFont typeface="Courier New"/>
-              <a:buChar char="o"/>
-            </a:pPr>
-            <a:r>
-              <a:rPr lang="en-US" dirty="0" err="1" smtClean="0"/>
-              <a:t>setOutputSoapObject</a:t>
-            </a:r>
-            <a:r>
-              <a:rPr lang="en-US" dirty="0" smtClean="0"/>
-              <a:t>: pass in an instance of </a:t>
-            </a:r>
-            <a:r>
-              <a:rPr lang="en-US" dirty="0" err="1" smtClean="0"/>
-              <a:t>soapObject</a:t>
-            </a:r>
-            <a:r>
-              <a:rPr lang="en-US" i="1" dirty="0" smtClean="0"/>
-              <a:t/>
-            </a:r>
-            <a:br>
-              <a:rPr lang="en-US" i="1" dirty="0" smtClean="0"/>
-            </a:br>
-            <a:r>
-              <a:rPr lang="en-US" i="1" dirty="0" smtClean="0"/>
-              <a:t>     </a:t>
-            </a:r>
-            <a:r>
-              <a:rPr lang="en-US" sz="2400" i="1" dirty="0" err="1" smtClean="0"/>
-              <a:t>envelope.setOutputSoapObject</a:t>
-            </a:r>
-            <a:r>
-              <a:rPr lang="en-US" sz="2400" i="1" dirty="0" smtClean="0"/>
-              <a:t>(request);</a:t>
-            </a:r>
-            <a:endParaRPr lang="en-US" sz="2400" i="1" dirty="0"/>
+              <a:rPr lang="en-US" sz="2400" i="1"/>
+              <a:t> envelope);</a:t>
+            </a:r>
+          </a:p>
+          <a:p>
+            <a:pPr lvl="1"/>
+            <a:r>
+              <a:rPr lang="en-US" sz="2400"/>
+              <a:t>First parameter: URI of SOAP endpoint for the operation</a:t>
+            </a:r>
+          </a:p>
+          <a:p>
+            <a:pPr lvl="1"/>
+            <a:r>
+              <a:rPr lang="en-US" sz="2400"/>
+              <a:t>Second parameter: the SoapSerializationEnvelope</a:t>
+            </a:r>
+          </a:p>
+          <a:p>
+            <a:r>
+              <a:rPr lang="en-US"/>
+              <a:t>Now the request has been sent!</a:t>
+            </a:r>
+            <a:endParaRPr lang="en-US" dirty="0"/>
           </a:p>
         </p:txBody>
       </p:sp>
     </p:spTree>
     <p:extLst>
       <p:ext uri="{BB962C8B-B14F-4D97-AF65-F5344CB8AC3E}">
-        <p14:creationId xmlns:p14="http://schemas.microsoft.com/office/powerpoint/2010/main" val="1643403760"/>
+        <p14:creationId xmlns:p14="http://schemas.microsoft.com/office/powerpoint/2010/main" val="1671976443"/>
       </p:ext>
     </p:extLst>
   </p:cSld>
   <p:clrMapOvr>
     <a:masterClrMapping/>
   </p:clrMapOvr>
-  <p:timing>
-    <p:tnLst>
-      <p:par>
-        <p:cTn id="1" dur="indefinite" restart="never" nodeType="tmRoot"/>
-      </p:par>
-    </p:tnLst>
-  </p:timing>
 </p:sld>
 </file>
 
@@ -8858,12 +9033,12 @@
           </a:lstStyle>
           <a:p>
             <a:r>
-              <a:rPr lang="en-US" smtClean="0">
+              <a:rPr lang="en-US">
                 <a:solidFill>
                   <a:srgbClr val="0000FF"/>
                 </a:solidFill>
               </a:rPr>
-              <a:t>Sending the SOAP Request</a:t>
+              <a:t>Receiving the Response</a:t>
             </a:r>
             <a:endParaRPr lang="en-US" dirty="0">
               <a:solidFill>
@@ -8891,9 +9066,7 @@
           </a:prstGeom>
         </p:spPr>
         <p:txBody>
-          <a:bodyPr>
-            <a:normAutofit/>
-          </a:bodyPr>
+          <a:bodyPr/>
           <a:lstStyle>
             <a:lvl1pPr marL="342900" indent="-342900" algn="l" defTabSz="457200" rtl="0" eaLnBrk="1" latinLnBrk="0" hangingPunct="1">
               <a:spcBef>
@@ -9032,106 +9205,63 @@
             </a:lvl9pPr>
           </a:lstStyle>
           <a:p>
-            <a:r>
-              <a:rPr lang="en-US" smtClean="0"/>
-              <a:t>Instantiate an instance of HttpTrasportSE</a:t>
-            </a:r>
-            <a:r>
-              <a:rPr lang="en-US" i="1" smtClean="0"/>
-              <a:t/>
-            </a:r>
-            <a:br>
-              <a:rPr lang="en-US" i="1" smtClean="0"/>
-            </a:br>
-            <a:r>
-              <a:rPr lang="en-US" sz="2400" i="1" smtClean="0"/>
-              <a:t>HttpTransportSE ht = new HttpTransportSE(</a:t>
-            </a:r>
-            <a:br>
-              <a:rPr lang="en-US" sz="2400" i="1" smtClean="0"/>
-            </a:br>
-            <a:r>
-              <a:rPr lang="en-US" sz="2400" i="1" smtClean="0"/>
-              <a:t> </a:t>
-            </a:r>
-            <a:r>
-              <a:rPr lang="en-US" sz="2000" i="1" smtClean="0"/>
-              <a:t>   Proxy.NO_PROXY,</a:t>
-            </a:r>
-            <a:r>
-              <a:rPr lang="en-US" sz="2400" i="1" smtClean="0"/>
-              <a:t/>
-            </a:r>
-            <a:br>
-              <a:rPr lang="en-US" sz="2400" i="1" smtClean="0"/>
-            </a:br>
-            <a:r>
-              <a:rPr lang="en-US" sz="2400" i="1" smtClean="0"/>
-              <a:t>    "http://wsf.cdyne.com/WeatherWS/ Weather.asmx",</a:t>
-            </a:r>
-            <a:br>
-              <a:rPr lang="en-US" sz="2400" i="1" smtClean="0"/>
-            </a:br>
-            <a:r>
-              <a:rPr lang="en-US" sz="2400" i="1" smtClean="0"/>
-              <a:t>      60000);</a:t>
-            </a:r>
-          </a:p>
-          <a:p>
             <a:pPr marL="0" indent="0">
               <a:buFont typeface="Arial"/>
               <a:buNone/>
             </a:pPr>
             <a:r>
-              <a:rPr lang="en-US" sz="2800" smtClean="0"/>
-              <a:t>Parameters: proxy, web service URI, timeout in milliseconds</a:t>
-            </a:r>
-            <a:endParaRPr lang="en-US" i="1" smtClean="0"/>
-          </a:p>
-          <a:p>
-            <a:r>
-              <a:rPr lang="en-US" smtClean="0"/>
-              <a:t>Set the XML version and encoding</a:t>
-            </a:r>
-            <a:r>
-              <a:rPr lang="en-US" i="1" smtClean="0"/>
-              <a:t/>
+              <a:rPr lang="en-US"/>
+              <a:t>Multiple options:</a:t>
+            </a:r>
+          </a:p>
+          <a:p>
+            <a:pPr marL="514350" indent="-514350">
+              <a:buFont typeface="+mj-lt"/>
+              <a:buAutoNum type="arabicPeriod"/>
+            </a:pPr>
+            <a:r>
+              <a:rPr lang="en-US"/>
+              <a:t>Get the response from the SoapSerializationEnvelope object:</a:t>
             </a:r>
             <a:br>
-              <a:rPr lang="en-US" i="1" smtClean="0"/>
+              <a:rPr lang="en-US"/>
             </a:br>
             <a:r>
-              <a:rPr lang="en-US" sz="2400" i="1" smtClean="0"/>
-              <a:t>ht.setXmlVersionTag(</a:t>
+              <a:rPr lang="ro-RO" sz="2400" i="1"/>
+              <a:t>SoapPrimitive resultsObject = (SoapPrimitive) envelope.getResponse();</a:t>
+            </a:r>
+            <a:endParaRPr lang="en-US"/>
+          </a:p>
+          <a:p>
+            <a:pPr marL="514350" indent="-514350">
+              <a:buFont typeface="+mj-lt"/>
+              <a:buAutoNum type="arabicPeriod"/>
+            </a:pPr>
+            <a:r>
+              <a:rPr lang="en-US"/>
+              <a:t>Get the response from the HttpTransportSE object:</a:t>
             </a:r>
             <a:br>
-              <a:rPr lang="en-US" sz="2400" i="1" smtClean="0"/>
+              <a:rPr lang="en-US" sz="2400"/>
             </a:br>
             <a:r>
-              <a:rPr lang="en-US" sz="2400" i="1" smtClean="0"/>
-              <a:t>   "&lt;!--?xml version=\"1.0\" encoding= \"UTF-8\" ?--&gt;");</a:t>
-            </a:r>
-            <a:endParaRPr lang="en-US" sz="2400" i="1" dirty="0"/>
+              <a:rPr lang="en-US" sz="2400" i="1"/>
+              <a:t>String weatherXml = ht.responseDump;</a:t>
+            </a:r>
+            <a:endParaRPr lang="ro-RO" sz="2400" i="1" dirty="0"/>
           </a:p>
         </p:txBody>
       </p:sp>
     </p:spTree>
     <p:extLst>
       <p:ext uri="{BB962C8B-B14F-4D97-AF65-F5344CB8AC3E}">
-        <p14:creationId xmlns:p14="http://schemas.microsoft.com/office/powerpoint/2010/main" val="3483137205"/>
+        <p14:creationId xmlns:p14="http://schemas.microsoft.com/office/powerpoint/2010/main" val="1887912034"/>
       </p:ext>
     </p:extLst>
   </p:cSld>
   <p:clrMapOvr>
     <a:masterClrMapping/>
   </p:clrMapOvr>
-  <p:timing>
-    <p:tnLst>
-      <p:par>
-        <p:cTn id="1" dur="indefinite" restart="never" nodeType="tmRoot"/>
-      </p:par>
-    </p:tnLst>
-  </p:timing>
 </p:sld>
 </file>
 
@@ -9177,7 +9307,7 @@
       </p:grpSpPr>
       <p:sp>
         <p:nvSpPr>
-          <p:cNvPr id="2" name="Title 1"/>
+          <p:cNvPr id="3" name="Title 1"/>
           <p:cNvSpPr txBox="1">
             <a:spLocks/>
           </p:cNvSpPr>
@@ -9194,7 +9324,7 @@
         </p:spPr>
         <p:txBody>
           <a:bodyPr>
-            <a:normAutofit fontScale="90000"/>
+            <a:normAutofit fontScale="97500"/>
           </a:bodyPr>
           <a:lstStyle>
             <a:lvl1pPr algn="ctr" defTabSz="457200" rtl="0" eaLnBrk="1" latinLnBrk="0" hangingPunct="1">
@@ -9214,12 +9344,12 @@
           </a:lstStyle>
           <a:p>
             <a:r>
-              <a:rPr lang="en-US" smtClean="0">
+              <a:rPr lang="en-US">
                 <a:solidFill>
                   <a:srgbClr val="0000FF"/>
                 </a:solidFill>
               </a:rPr>
-              <a:t>Sending the SOAP Request (continued)</a:t>
+              <a:t>Receiving the Response (continued)</a:t>
             </a:r>
             <a:endParaRPr lang="en-US" dirty="0">
               <a:solidFill>
@@ -9231,7 +9361,7 @@
       </p:sp>
       <p:sp>
         <p:nvSpPr>
-          <p:cNvPr id="3" name="Content Placeholder 2"/>
+          <p:cNvPr id="4" name="Content Placeholder 2"/>
           <p:cNvSpPr txBox="1">
             <a:spLocks/>
           </p:cNvSpPr>
@@ -9247,9 +9377,7 @@
           </a:prstGeom>
         </p:spPr>
         <p:txBody>
-          <a:bodyPr>
-            <a:normAutofit/>
-          </a:bodyPr>
+          <a:bodyPr/>
           <a:lstStyle>
             <a:lvl1pPr marL="342900" indent="-342900" algn="l" defTabSz="457200" rtl="0" eaLnBrk="1" latinLnBrk="0" hangingPunct="1">
               <a:spcBef>
@@ -9388,669 +9516,29 @@
             </a:lvl9pPr>
           </a:lstStyle>
           <a:p>
-            <a:r>
-              <a:rPr lang="en-US" smtClean="0"/>
-              <a:t>Make a call to the web service:</a:t>
-            </a:r>
-            <a:br>
-              <a:rPr lang="en-US" smtClean="0"/>
-            </a:br>
-            <a:r>
-              <a:rPr lang="en-US" sz="2400" i="1" smtClean="0"/>
-              <a:t>ht.call(</a:t>
-            </a:r>
-            <a:br>
-              <a:rPr lang="en-US" sz="2400" i="1" smtClean="0"/>
-            </a:br>
-            <a:r>
-              <a:rPr lang="en-US" sz="2400" i="1" smtClean="0"/>
-              <a:t>"http://ws.cdyne.com/WeatherWS/GetCityForecastByZIP",</a:t>
-            </a:r>
-            <a:br>
-              <a:rPr lang="en-US" sz="2400" i="1" smtClean="0"/>
-            </a:br>
-            <a:r>
-              <a:rPr lang="en-US" sz="2400" i="1" smtClean="0"/>
-              <a:t> envelope);</a:t>
-            </a:r>
-          </a:p>
-          <a:p>
-            <a:pPr lvl="1"/>
-            <a:r>
-              <a:rPr lang="en-US" sz="2400" smtClean="0"/>
-              <a:t>First parameter: URI of SOAP endpoint for the operation</a:t>
-            </a:r>
-          </a:p>
-          <a:p>
-            <a:pPr lvl="1"/>
-            <a:r>
-              <a:rPr lang="en-US" sz="2400" smtClean="0"/>
-              <a:t>Second parameter: the SoapSerializationEnvelope</a:t>
-            </a:r>
-          </a:p>
-          <a:p>
-            <a:r>
-              <a:rPr lang="en-US" smtClean="0"/>
-              <a:t>Now the request has been sent!</a:t>
-            </a:r>
-            <a:endParaRPr lang="en-US" dirty="0" smtClean="0"/>
-          </a:p>
-        </p:txBody>
-      </p:sp>
-    </p:spTree>
-    <p:extLst>
-      <p:ext uri="{BB962C8B-B14F-4D97-AF65-F5344CB8AC3E}">
-        <p14:creationId xmlns:p14="http://schemas.microsoft.com/office/powerpoint/2010/main" val="1671976443"/>
-      </p:ext>
-    </p:extLst>
-  </p:cSld>
-  <p:clrMapOvr>
-    <a:masterClrMapping/>
-  </p:clrMapOvr>
-  <p:timing>
-    <p:tnLst>
-      <p:par>
-        <p:cTn id="1" dur="indefinite" restart="never" nodeType="tmRoot"/>
-      </p:par>
-    </p:tnLst>
-  </p:timing>
-</p:sld>
-</file>
-
-<file path=ppt/slides/slide23.xml><?xml version="1.0" encoding="utf-8"?>
-<p:sld xmlns:a="http://schemas.openxmlformats.org/drawingml/2006/main" xmlns:r="http://schemas.openxmlformats.org/officeDocument/2006/relationships" xmlns:p="http://schemas.openxmlformats.org/presentationml/2006/main">
-  <p:cSld>
-    <p:bg>
-      <p:bgPr>
-        <a:gradFill flip="none" rotWithShape="1">
-          <a:gsLst>
-            <a:gs pos="100000">
-              <a:schemeClr val="bg2">
-                <a:lumMod val="25000"/>
-                <a:alpha val="68000"/>
-              </a:schemeClr>
-            </a:gs>
-            <a:gs pos="55000">
-              <a:schemeClr val="bg2">
-                <a:lumMod val="50000"/>
-                <a:alpha val="30000"/>
-              </a:schemeClr>
-            </a:gs>
-          </a:gsLst>
-          <a:lin ang="5400000" scaled="0"/>
-          <a:tileRect/>
-        </a:gradFill>
-        <a:effectLst/>
-      </p:bgPr>
-    </p:bg>
-    <p:spTree>
-      <p:nvGrpSpPr>
-        <p:cNvPr id="1" name=""/>
-        <p:cNvGrpSpPr/>
-        <p:nvPr/>
-      </p:nvGrpSpPr>
-      <p:grpSpPr>
-        <a:xfrm>
-          <a:off x="0" y="0"/>
-          <a:ext cx="0" cy="0"/>
-          <a:chOff x="0" y="0"/>
-          <a:chExt cx="0" cy="0"/>
-        </a:xfrm>
-      </p:grpSpPr>
-      <p:sp>
-        <p:nvSpPr>
-          <p:cNvPr id="2" name="Title 1"/>
-          <p:cNvSpPr txBox="1">
-            <a:spLocks/>
-          </p:cNvSpPr>
-          <p:nvPr/>
-        </p:nvSpPr>
-        <p:spPr>
-          <a:xfrm>
-            <a:off x="457200" y="274638"/>
-            <a:ext cx="8229600" cy="1143000"/>
-          </a:xfrm>
-          <a:prstGeom prst="rect">
-            <a:avLst/>
-          </a:prstGeom>
-        </p:spPr>
-        <p:txBody>
-          <a:bodyPr/>
-          <a:lstStyle>
-            <a:lvl1pPr algn="ctr" defTabSz="457200" rtl="0" eaLnBrk="1" latinLnBrk="0" hangingPunct="1">
-              <a:spcBef>
-                <a:spcPct val="0"/>
-              </a:spcBef>
-              <a:buNone/>
-              <a:defRPr sz="4400" kern="1200">
-                <a:solidFill>
-                  <a:schemeClr val="tx1"/>
-                </a:solidFill>
-                <a:latin typeface="+mj-lt"/>
-                <a:ea typeface="+mj-ea"/>
-                <a:cs typeface="+mj-cs"/>
-              </a:defRPr>
-            </a:lvl1pPr>
-          </a:lstStyle>
-          <a:p>
-            <a:r>
-              <a:rPr lang="en-US" smtClean="0">
-                <a:solidFill>
-                  <a:srgbClr val="0000FF"/>
-                </a:solidFill>
-              </a:rPr>
-              <a:t>Receiving the Response</a:t>
-            </a:r>
-            <a:endParaRPr lang="en-US" dirty="0">
-              <a:solidFill>
-                <a:srgbClr val="0000FF"/>
-              </a:solidFill>
-            </a:endParaRPr>
-          </a:p>
-        </p:txBody>
-      </p:sp>
-      <p:sp>
-        <p:nvSpPr>
-          <p:cNvPr id="3" name="Content Placeholder 2"/>
-          <p:cNvSpPr txBox="1">
-            <a:spLocks/>
-          </p:cNvSpPr>
-          <p:nvPr/>
-        </p:nvSpPr>
-        <p:spPr>
-          <a:xfrm>
-            <a:off x="457200" y="1600200"/>
-            <a:ext cx="8229600" cy="4525963"/>
-          </a:xfrm>
-          <a:prstGeom prst="rect">
-            <a:avLst/>
-          </a:prstGeom>
-        </p:spPr>
-        <p:txBody>
-          <a:bodyPr/>
-          <a:lstStyle>
-            <a:lvl1pPr marL="342900" indent="-342900" algn="l" defTabSz="457200" rtl="0" eaLnBrk="1" latinLnBrk="0" hangingPunct="1">
-              <a:spcBef>
-                <a:spcPct val="20000"/>
-              </a:spcBef>
-              <a:buFont typeface="Arial"/>
-              <a:buChar char="•"/>
-              <a:defRPr sz="3200" kern="1200">
-                <a:solidFill>
-                  <a:schemeClr val="tx1"/>
-                </a:solidFill>
-                <a:latin typeface="+mn-lt"/>
-                <a:ea typeface="+mn-ea"/>
-                <a:cs typeface="+mn-cs"/>
-              </a:defRPr>
-            </a:lvl1pPr>
-            <a:lvl2pPr marL="742950" indent="-285750" algn="l" defTabSz="457200" rtl="0" eaLnBrk="1" latinLnBrk="0" hangingPunct="1">
-              <a:spcBef>
-                <a:spcPct val="20000"/>
-              </a:spcBef>
-              <a:buFont typeface="Arial"/>
-              <a:buChar char="–"/>
-              <a:defRPr sz="2800" kern="1200">
-                <a:solidFill>
-                  <a:schemeClr val="tx1"/>
-                </a:solidFill>
-                <a:latin typeface="+mn-lt"/>
-                <a:ea typeface="+mn-ea"/>
-                <a:cs typeface="+mn-cs"/>
-              </a:defRPr>
-            </a:lvl2pPr>
-            <a:lvl3pPr marL="1143000" indent="-228600" algn="l" defTabSz="457200" rtl="0" eaLnBrk="1" latinLnBrk="0" hangingPunct="1">
-              <a:spcBef>
-                <a:spcPct val="20000"/>
-              </a:spcBef>
-              <a:buFont typeface="Arial"/>
-              <a:buChar char="•"/>
-              <a:defRPr sz="2400" kern="1200">
-                <a:solidFill>
-                  <a:schemeClr val="tx1"/>
-                </a:solidFill>
-                <a:latin typeface="+mn-lt"/>
-                <a:ea typeface="+mn-ea"/>
-                <a:cs typeface="+mn-cs"/>
-              </a:defRPr>
-            </a:lvl3pPr>
-            <a:lvl4pPr marL="1600200" indent="-228600" algn="l" defTabSz="457200" rtl="0" eaLnBrk="1" latinLnBrk="0" hangingPunct="1">
-              <a:spcBef>
-                <a:spcPct val="20000"/>
-              </a:spcBef>
-              <a:buFont typeface="Arial"/>
-              <a:buChar char="–"/>
-              <a:defRPr sz="2000" kern="1200">
-                <a:solidFill>
-                  <a:schemeClr val="tx1"/>
-                </a:solidFill>
-                <a:latin typeface="+mn-lt"/>
-                <a:ea typeface="+mn-ea"/>
-                <a:cs typeface="+mn-cs"/>
-              </a:defRPr>
-            </a:lvl4pPr>
-            <a:lvl5pPr marL="2057400" indent="-228600" algn="l" defTabSz="457200" rtl="0" eaLnBrk="1" latinLnBrk="0" hangingPunct="1">
-              <a:spcBef>
-                <a:spcPct val="20000"/>
-              </a:spcBef>
-              <a:buFont typeface="Arial"/>
-              <a:buChar char="»"/>
-              <a:defRPr sz="2000" kern="1200">
-                <a:solidFill>
-                  <a:schemeClr val="tx1"/>
-                </a:solidFill>
-                <a:latin typeface="+mn-lt"/>
-                <a:ea typeface="+mn-ea"/>
-                <a:cs typeface="+mn-cs"/>
-              </a:defRPr>
-            </a:lvl5pPr>
-            <a:lvl6pPr marL="2514600" indent="-228600" algn="l" defTabSz="457200" rtl="0" eaLnBrk="1" latinLnBrk="0" hangingPunct="1">
-              <a:spcBef>
-                <a:spcPct val="20000"/>
-              </a:spcBef>
-              <a:buFont typeface="Arial"/>
-              <a:buChar char="•"/>
-              <a:defRPr sz="2000" kern="1200">
-                <a:solidFill>
-                  <a:schemeClr val="tx1"/>
-                </a:solidFill>
-                <a:latin typeface="+mn-lt"/>
-                <a:ea typeface="+mn-ea"/>
-                <a:cs typeface="+mn-cs"/>
-              </a:defRPr>
-            </a:lvl6pPr>
-            <a:lvl7pPr marL="2971800" indent="-228600" algn="l" defTabSz="457200" rtl="0" eaLnBrk="1" latinLnBrk="0" hangingPunct="1">
-              <a:spcBef>
-                <a:spcPct val="20000"/>
-              </a:spcBef>
-              <a:buFont typeface="Arial"/>
-              <a:buChar char="•"/>
-              <a:defRPr sz="2000" kern="1200">
-                <a:solidFill>
-                  <a:schemeClr val="tx1"/>
-                </a:solidFill>
-                <a:latin typeface="+mn-lt"/>
-                <a:ea typeface="+mn-ea"/>
-                <a:cs typeface="+mn-cs"/>
-              </a:defRPr>
-            </a:lvl7pPr>
-            <a:lvl8pPr marL="3429000" indent="-228600" algn="l" defTabSz="457200" rtl="0" eaLnBrk="1" latinLnBrk="0" hangingPunct="1">
-              <a:spcBef>
-                <a:spcPct val="20000"/>
-              </a:spcBef>
-              <a:buFont typeface="Arial"/>
-              <a:buChar char="•"/>
-              <a:defRPr sz="2000" kern="1200">
-                <a:solidFill>
-                  <a:schemeClr val="tx1"/>
-                </a:solidFill>
-                <a:latin typeface="+mn-lt"/>
-                <a:ea typeface="+mn-ea"/>
-                <a:cs typeface="+mn-cs"/>
-              </a:defRPr>
-            </a:lvl8pPr>
-            <a:lvl9pPr marL="3886200" indent="-228600" algn="l" defTabSz="457200" rtl="0" eaLnBrk="1" latinLnBrk="0" hangingPunct="1">
-              <a:spcBef>
-                <a:spcPct val="20000"/>
-              </a:spcBef>
-              <a:buFont typeface="Arial"/>
-              <a:buChar char="•"/>
-              <a:defRPr sz="2000" kern="1200">
-                <a:solidFill>
-                  <a:schemeClr val="tx1"/>
-                </a:solidFill>
-                <a:latin typeface="+mn-lt"/>
-                <a:ea typeface="+mn-ea"/>
-                <a:cs typeface="+mn-cs"/>
-              </a:defRPr>
-            </a:lvl9pPr>
-          </a:lstStyle>
-          <a:p>
             <a:pPr marL="0" indent="0">
               <a:buFont typeface="Arial"/>
               <a:buNone/>
             </a:pPr>
             <a:r>
-              <a:rPr lang="en-US" smtClean="0"/>
-              <a:t>Multiple options:</a:t>
-            </a:r>
-          </a:p>
-          <a:p>
-            <a:pPr marL="514350" indent="-514350">
-              <a:buFont typeface="+mj-lt"/>
-              <a:buAutoNum type="arabicPeriod"/>
-            </a:pPr>
-            <a:r>
-              <a:rPr lang="en-US" smtClean="0"/>
-              <a:t>Get the response from the SoapSerializationEnvelope object:</a:t>
-            </a:r>
-            <a:br>
-              <a:rPr lang="en-US" smtClean="0"/>
-            </a:br>
-            <a:r>
-              <a:rPr lang="ro-RO" sz="2400" i="1" smtClean="0"/>
-              <a:t>SoapPrimitive resultsObject = (SoapPrimitive) envelope.getResponse();</a:t>
-            </a:r>
-            <a:endParaRPr lang="en-US" smtClean="0"/>
-          </a:p>
-          <a:p>
-            <a:pPr marL="514350" indent="-514350">
-              <a:buFont typeface="+mj-lt"/>
-              <a:buAutoNum type="arabicPeriod"/>
-            </a:pPr>
-            <a:r>
-              <a:rPr lang="en-US" smtClean="0"/>
-              <a:t>Get the response from the HttpTransportSE object:</a:t>
-            </a:r>
-            <a:r>
-              <a:rPr lang="en-US" sz="2400" smtClean="0"/>
-              <a:t/>
-            </a:r>
-            <a:br>
-              <a:rPr lang="en-US" sz="2400" smtClean="0"/>
-            </a:br>
-            <a:r>
-              <a:rPr lang="en-US" sz="2400" i="1" smtClean="0"/>
-              <a:t>String weatherXml = ht.responseDump;</a:t>
-            </a:r>
-            <a:endParaRPr lang="ro-RO" sz="2400" i="1" dirty="0" smtClean="0"/>
-          </a:p>
-        </p:txBody>
-      </p:sp>
-    </p:spTree>
-    <p:extLst>
-      <p:ext uri="{BB962C8B-B14F-4D97-AF65-F5344CB8AC3E}">
-        <p14:creationId xmlns:p14="http://schemas.microsoft.com/office/powerpoint/2010/main" val="1887912034"/>
-      </p:ext>
-    </p:extLst>
-  </p:cSld>
-  <p:clrMapOvr>
-    <a:masterClrMapping/>
-  </p:clrMapOvr>
-  <p:timing>
-    <p:tnLst>
-      <p:par>
-        <p:cTn id="1" dur="indefinite" restart="never" nodeType="tmRoot"/>
-      </p:par>
-    </p:tnLst>
-  </p:timing>
-</p:sld>
-</file>
-
-<file path=ppt/slides/slide24.xml><?xml version="1.0" encoding="utf-8"?>
-<p:sld xmlns:a="http://schemas.openxmlformats.org/drawingml/2006/main" xmlns:r="http://schemas.openxmlformats.org/officeDocument/2006/relationships" xmlns:p="http://schemas.openxmlformats.org/presentationml/2006/main">
-  <p:cSld>
-    <p:bg>
-      <p:bgPr>
-        <a:gradFill flip="none" rotWithShape="1">
-          <a:gsLst>
-            <a:gs pos="100000">
-              <a:schemeClr val="bg2">
-                <a:lumMod val="25000"/>
-                <a:alpha val="68000"/>
-              </a:schemeClr>
-            </a:gs>
-            <a:gs pos="55000">
-              <a:schemeClr val="bg2">
-                <a:lumMod val="50000"/>
-                <a:alpha val="30000"/>
-              </a:schemeClr>
-            </a:gs>
-          </a:gsLst>
-          <a:lin ang="5400000" scaled="0"/>
-          <a:tileRect/>
-        </a:gradFill>
-        <a:effectLst/>
-      </p:bgPr>
-    </p:bg>
-    <p:spTree>
-      <p:nvGrpSpPr>
-        <p:cNvPr id="1" name=""/>
-        <p:cNvGrpSpPr/>
-        <p:nvPr/>
-      </p:nvGrpSpPr>
-      <p:grpSpPr>
-        <a:xfrm>
-          <a:off x="0" y="0"/>
-          <a:ext cx="0" cy="0"/>
-          <a:chOff x="0" y="0"/>
-          <a:chExt cx="0" cy="0"/>
-        </a:xfrm>
-      </p:grpSpPr>
-      <p:sp>
-        <p:nvSpPr>
-          <p:cNvPr id="3" name="Title 1"/>
-          <p:cNvSpPr txBox="1">
-            <a:spLocks/>
-          </p:cNvSpPr>
-          <p:nvPr/>
-        </p:nvSpPr>
-        <p:spPr>
-          <a:xfrm>
-            <a:off x="457200" y="274638"/>
-            <a:ext cx="8229600" cy="1143000"/>
-          </a:xfrm>
-          <a:prstGeom prst="rect">
-            <a:avLst/>
-          </a:prstGeom>
-        </p:spPr>
-        <p:txBody>
-          <a:bodyPr>
-            <a:normAutofit fontScale="97500"/>
-          </a:bodyPr>
-          <a:lstStyle>
-            <a:lvl1pPr algn="ctr" defTabSz="457200" rtl="0" eaLnBrk="1" latinLnBrk="0" hangingPunct="1">
-              <a:spcBef>
-                <a:spcPct val="0"/>
-              </a:spcBef>
-              <a:buNone/>
-              <a:defRPr sz="4400" kern="1200">
-                <a:solidFill>
-                  <a:schemeClr val="tx1"/>
-                </a:solidFill>
-                <a:latin typeface="+mj-lt"/>
-                <a:ea typeface="+mj-ea"/>
-                <a:cs typeface="+mj-cs"/>
-              </a:defRPr>
-            </a:lvl1pPr>
-          </a:lstStyle>
-          <a:p>
-            <a:r>
-              <a:rPr lang="en-US" smtClean="0">
-                <a:solidFill>
-                  <a:srgbClr val="0000FF"/>
-                </a:solidFill>
-              </a:rPr>
-              <a:t>Receiving the Response (continued)</a:t>
-            </a:r>
-            <a:endParaRPr lang="en-US" dirty="0">
-              <a:solidFill>
-                <a:srgbClr val="0000FF"/>
-              </a:solidFill>
-            </a:endParaRPr>
-          </a:p>
-        </p:txBody>
-      </p:sp>
-      <p:sp>
-        <p:nvSpPr>
-          <p:cNvPr id="4" name="Content Placeholder 2"/>
-          <p:cNvSpPr txBox="1">
-            <a:spLocks/>
-          </p:cNvSpPr>
-          <p:nvPr/>
-        </p:nvSpPr>
-        <p:spPr>
-          <a:xfrm>
-            <a:off x="457200" y="1600200"/>
-            <a:ext cx="8229600" cy="4525963"/>
-          </a:xfrm>
-          <a:prstGeom prst="rect">
-            <a:avLst/>
-          </a:prstGeom>
-        </p:spPr>
-        <p:txBody>
-          <a:bodyPr/>
-          <a:lstStyle>
-            <a:lvl1pPr marL="342900" indent="-342900" algn="l" defTabSz="457200" rtl="0" eaLnBrk="1" latinLnBrk="0" hangingPunct="1">
-              <a:spcBef>
-                <a:spcPct val="20000"/>
-              </a:spcBef>
-              <a:buFont typeface="Arial"/>
-              <a:buChar char="•"/>
-              <a:defRPr sz="3200" kern="1200">
-                <a:solidFill>
-                  <a:schemeClr val="tx1"/>
-                </a:solidFill>
-                <a:latin typeface="+mn-lt"/>
-                <a:ea typeface="+mn-ea"/>
-                <a:cs typeface="+mn-cs"/>
-              </a:defRPr>
-            </a:lvl1pPr>
-            <a:lvl2pPr marL="742950" indent="-285750" algn="l" defTabSz="457200" rtl="0" eaLnBrk="1" latinLnBrk="0" hangingPunct="1">
-              <a:spcBef>
-                <a:spcPct val="20000"/>
-              </a:spcBef>
-              <a:buFont typeface="Arial"/>
-              <a:buChar char="–"/>
-              <a:defRPr sz="2800" kern="1200">
-                <a:solidFill>
-                  <a:schemeClr val="tx1"/>
-                </a:solidFill>
-                <a:latin typeface="+mn-lt"/>
-                <a:ea typeface="+mn-ea"/>
-                <a:cs typeface="+mn-cs"/>
-              </a:defRPr>
-            </a:lvl2pPr>
-            <a:lvl3pPr marL="1143000" indent="-228600" algn="l" defTabSz="457200" rtl="0" eaLnBrk="1" latinLnBrk="0" hangingPunct="1">
-              <a:spcBef>
-                <a:spcPct val="20000"/>
-              </a:spcBef>
-              <a:buFont typeface="Arial"/>
-              <a:buChar char="•"/>
-              <a:defRPr sz="2400" kern="1200">
-                <a:solidFill>
-                  <a:schemeClr val="tx1"/>
-                </a:solidFill>
-                <a:latin typeface="+mn-lt"/>
-                <a:ea typeface="+mn-ea"/>
-                <a:cs typeface="+mn-cs"/>
-              </a:defRPr>
-            </a:lvl3pPr>
-            <a:lvl4pPr marL="1600200" indent="-228600" algn="l" defTabSz="457200" rtl="0" eaLnBrk="1" latinLnBrk="0" hangingPunct="1">
-              <a:spcBef>
-                <a:spcPct val="20000"/>
-              </a:spcBef>
-              <a:buFont typeface="Arial"/>
-              <a:buChar char="–"/>
-              <a:defRPr sz="2000" kern="1200">
-                <a:solidFill>
-                  <a:schemeClr val="tx1"/>
-                </a:solidFill>
-                <a:latin typeface="+mn-lt"/>
-                <a:ea typeface="+mn-ea"/>
-                <a:cs typeface="+mn-cs"/>
-              </a:defRPr>
-            </a:lvl4pPr>
-            <a:lvl5pPr marL="2057400" indent="-228600" algn="l" defTabSz="457200" rtl="0" eaLnBrk="1" latinLnBrk="0" hangingPunct="1">
-              <a:spcBef>
-                <a:spcPct val="20000"/>
-              </a:spcBef>
-              <a:buFont typeface="Arial"/>
-              <a:buChar char="»"/>
-              <a:defRPr sz="2000" kern="1200">
-                <a:solidFill>
-                  <a:schemeClr val="tx1"/>
-                </a:solidFill>
-                <a:latin typeface="+mn-lt"/>
-                <a:ea typeface="+mn-ea"/>
-                <a:cs typeface="+mn-cs"/>
-              </a:defRPr>
-            </a:lvl5pPr>
-            <a:lvl6pPr marL="2514600" indent="-228600" algn="l" defTabSz="457200" rtl="0" eaLnBrk="1" latinLnBrk="0" hangingPunct="1">
-              <a:spcBef>
-                <a:spcPct val="20000"/>
-              </a:spcBef>
-              <a:buFont typeface="Arial"/>
-              <a:buChar char="•"/>
-              <a:defRPr sz="2000" kern="1200">
-                <a:solidFill>
-                  <a:schemeClr val="tx1"/>
-                </a:solidFill>
-                <a:latin typeface="+mn-lt"/>
-                <a:ea typeface="+mn-ea"/>
-                <a:cs typeface="+mn-cs"/>
-              </a:defRPr>
-            </a:lvl6pPr>
-            <a:lvl7pPr marL="2971800" indent="-228600" algn="l" defTabSz="457200" rtl="0" eaLnBrk="1" latinLnBrk="0" hangingPunct="1">
-              <a:spcBef>
-                <a:spcPct val="20000"/>
-              </a:spcBef>
-              <a:buFont typeface="Arial"/>
-              <a:buChar char="•"/>
-              <a:defRPr sz="2000" kern="1200">
-                <a:solidFill>
-                  <a:schemeClr val="tx1"/>
-                </a:solidFill>
-                <a:latin typeface="+mn-lt"/>
-                <a:ea typeface="+mn-ea"/>
-                <a:cs typeface="+mn-cs"/>
-              </a:defRPr>
-            </a:lvl7pPr>
-            <a:lvl8pPr marL="3429000" indent="-228600" algn="l" defTabSz="457200" rtl="0" eaLnBrk="1" latinLnBrk="0" hangingPunct="1">
-              <a:spcBef>
-                <a:spcPct val="20000"/>
-              </a:spcBef>
-              <a:buFont typeface="Arial"/>
-              <a:buChar char="•"/>
-              <a:defRPr sz="2000" kern="1200">
-                <a:solidFill>
-                  <a:schemeClr val="tx1"/>
-                </a:solidFill>
-                <a:latin typeface="+mn-lt"/>
-                <a:ea typeface="+mn-ea"/>
-                <a:cs typeface="+mn-cs"/>
-              </a:defRPr>
-            </a:lvl8pPr>
-            <a:lvl9pPr marL="3886200" indent="-228600" algn="l" defTabSz="457200" rtl="0" eaLnBrk="1" latinLnBrk="0" hangingPunct="1">
-              <a:spcBef>
-                <a:spcPct val="20000"/>
-              </a:spcBef>
-              <a:buFont typeface="Arial"/>
-              <a:buChar char="•"/>
-              <a:defRPr sz="2000" kern="1200">
-                <a:solidFill>
-                  <a:schemeClr val="tx1"/>
-                </a:solidFill>
-                <a:latin typeface="+mn-lt"/>
-                <a:ea typeface="+mn-ea"/>
-                <a:cs typeface="+mn-cs"/>
-              </a:defRPr>
-            </a:lvl9pPr>
-          </a:lstStyle>
-          <a:p>
-            <a:pPr marL="0" indent="0">
-              <a:buFont typeface="Arial"/>
-              <a:buNone/>
-            </a:pPr>
-            <a:r>
-              <a:rPr lang="en-US" smtClean="0"/>
+              <a:rPr lang="en-US"/>
               <a:t>Option 2, continued:</a:t>
             </a:r>
           </a:p>
           <a:p>
             <a:r>
-              <a:rPr lang="en-US" smtClean="0"/>
+              <a:rPr lang="en-US"/>
               <a:t>The responseDump method returns a text string containing the XML response envelope</a:t>
             </a:r>
           </a:p>
           <a:p>
             <a:r>
-              <a:rPr lang="en-US" smtClean="0"/>
+              <a:rPr lang="en-US"/>
               <a:t>This response string can be parsed using SAX or any other standard XML parser</a:t>
             </a:r>
           </a:p>
           <a:p>
-            <a:endParaRPr lang="en-US" dirty="0" smtClean="0"/>
+            <a:endParaRPr lang="en-US" dirty="0"/>
           </a:p>
         </p:txBody>
       </p:sp>
@@ -10064,17 +9552,10 @@
   <p:clrMapOvr>
     <a:masterClrMapping/>
   </p:clrMapOvr>
-  <p:timing>
-    <p:tnLst>
-      <p:par>
-        <p:cTn id="1" dur="indefinite" restart="never" nodeType="tmRoot"/>
-      </p:par>
-    </p:tnLst>
-  </p:timing>
 </p:sld>
 </file>
 
-<file path=ppt/slides/slide25.xml><?xml version="1.0" encoding="utf-8"?>
+<file path=ppt/slides/slide23.xml><?xml version="1.0" encoding="utf-8"?>
 <p:sld xmlns:a="http://schemas.openxmlformats.org/drawingml/2006/main" xmlns:r="http://schemas.openxmlformats.org/officeDocument/2006/relationships" xmlns:p="http://schemas.openxmlformats.org/presentationml/2006/main">
   <p:cSld>
     <p:bg>
@@ -10126,7 +9607,7 @@
           <a:lstStyle/>
           <a:p>
             <a:r>
-              <a:rPr lang="en-US" b="1" dirty="0" smtClean="0">
+              <a:rPr lang="en-US" b="1" dirty="0">
                 <a:solidFill>
                   <a:srgbClr val="0000FF"/>
                 </a:solidFill>
@@ -10134,7 +9615,7 @@
               <a:t>Further </a:t>
             </a:r>
             <a:r>
-              <a:rPr lang="en-US" b="1" dirty="0" err="1" smtClean="0">
+              <a:rPr lang="en-US" b="1" dirty="0" err="1">
                 <a:solidFill>
                   <a:srgbClr val="0000FF"/>
                 </a:solidFill>
@@ -10142,18 +9623,13 @@
               <a:t>kSOAP</a:t>
             </a:r>
             <a:r>
-              <a:rPr lang="en-US" b="1" dirty="0" smtClean="0">
+              <a:rPr lang="en-US" b="1" dirty="0">
                 <a:solidFill>
                   <a:srgbClr val="0000FF"/>
                 </a:solidFill>
               </a:rPr>
               <a:t> Reading</a:t>
             </a:r>
-            <a:endParaRPr lang="en-US" b="1" dirty="0">
-              <a:solidFill>
-                <a:srgbClr val="0000FF"/>
-              </a:solidFill>
-            </a:endParaRPr>
           </a:p>
         </p:txBody>
       </p:sp>
@@ -10175,63 +9651,59 @@
           <a:lstStyle/>
           <a:p>
             <a:r>
-              <a:rPr lang="en-US" dirty="0" smtClean="0"/>
+              <a:rPr lang="en-US" dirty="0"/>
               <a:t>W3Schools SOAP tutorial</a:t>
             </a:r>
             <a:br>
-              <a:rPr lang="en-US" dirty="0" smtClean="0"/>
+              <a:rPr lang="en-US" dirty="0"/>
             </a:br>
             <a:r>
-              <a:rPr lang="en-US" dirty="0" smtClean="0">
+              <a:rPr lang="en-US" dirty="0">
                 <a:hlinkClick r:id="rId2"/>
               </a:rPr>
               <a:t>http://www.w3schools.com/XML/xml_soap.asp</a:t>
             </a:r>
             <a:r>
-              <a:rPr lang="en-US" dirty="0" smtClean="0"/>
+              <a:rPr lang="en-US" dirty="0"/>
               <a:t> </a:t>
             </a:r>
           </a:p>
           <a:p>
             <a:r>
-              <a:rPr lang="en-US" dirty="0" smtClean="0"/>
+              <a:rPr lang="en-US" dirty="0"/>
               <a:t>ksoap2-android home page:</a:t>
             </a:r>
             <a:br>
-              <a:rPr lang="en-US" dirty="0" smtClean="0"/>
+              <a:rPr lang="en-US" dirty="0"/>
             </a:br>
             <a:r>
-              <a:rPr lang="en-US" dirty="0" smtClean="0">
+              <a:rPr lang="en-US" dirty="0">
                 <a:hlinkClick r:id="rId3"/>
               </a:rPr>
               <a:t>http://mosabua.github.io/ksoap2-android/index.html</a:t>
             </a:r>
-            <a:endParaRPr lang="en-US" dirty="0" smtClean="0"/>
-          </a:p>
-          <a:p>
-            <a:r>
-              <a:rPr lang="en-US" dirty="0" smtClean="0"/>
+            <a:endParaRPr lang="en-US" dirty="0"/>
+          </a:p>
+          <a:p>
+            <a:r>
+              <a:rPr lang="en-US" dirty="0"/>
               <a:t>ksoap2 API documentation:</a:t>
             </a:r>
             <a:br>
-              <a:rPr lang="en-US" dirty="0" smtClean="0"/>
+              <a:rPr lang="en-US" dirty="0"/>
             </a:br>
             <a:r>
-              <a:rPr lang="en-US" dirty="0" smtClean="0">
+              <a:rPr lang="en-US" dirty="0">
                 <a:hlinkClick r:id="rId4"/>
               </a:rPr>
               <a:t>http://www.kobjects.org/ksoap2/doc/api/overview-summary.html</a:t>
             </a:r>
-            <a:endParaRPr lang="en-US" dirty="0" smtClean="0"/>
-          </a:p>
-          <a:p>
-            <a:r>
-              <a:rPr lang="en-US" dirty="0" smtClean="0"/>
-              <a:t>ksoap2-</a:t>
-            </a:r>
+            <a:endParaRPr lang="en-US" dirty="0"/>
+          </a:p>
+          <a:p>
             <a:r>
               <a:rPr lang="en-US" dirty="0"/>
-              <a:t>android tutorial</a:t>
+              <a:t>ksoap2-android tutorial</a:t>
             </a:r>
             <a:br>
               <a:rPr lang="en-US" dirty="0"/>
@@ -10240,16 +9712,10 @@
               <a:rPr lang="en-US" dirty="0">
                 <a:hlinkClick r:id="rId5"/>
               </a:rPr>
-              <a:t>http://code.tutsplus.com/tutorials/consuming-web-services-with-ksoap--mobile-</a:t>
-            </a:r>
-            <a:r>
-              <a:rPr lang="en-US" dirty="0" smtClean="0">
-                <a:hlinkClick r:id="rId5"/>
-              </a:rPr>
-              <a:t>21242</a:t>
-            </a:r>
-            <a:r>
-              <a:rPr lang="en-US" dirty="0" smtClean="0"/>
+              <a:t>http://code.tutsplus.com/tutorials/consuming-web-services-with-ksoap--mobile-21242</a:t>
+            </a:r>
+            <a:r>
+              <a:rPr lang="en-US" dirty="0"/>
               <a:t> </a:t>
             </a:r>
           </a:p>
@@ -10268,13 +9734,6 @@
   <p:clrMapOvr>
     <a:masterClrMapping/>
   </p:clrMapOvr>
-  <p:timing>
-    <p:tnLst>
-      <p:par>
-        <p:cTn id="1" dur="indefinite" restart="never" nodeType="tmRoot"/>
-      </p:par>
-    </p:tnLst>
-  </p:timing>
 </p:sld>
 </file>
 
@@ -10341,18 +9800,13 @@
           <a:p>
             <a:pPr algn="ctr"/>
             <a:r>
-              <a:rPr lang="en-US" sz="6600" dirty="0" smtClean="0">
+              <a:rPr lang="en-US" sz="6600" dirty="0">
                 <a:solidFill>
                   <a:srgbClr val="2D2DB9"/>
                 </a:solidFill>
               </a:rPr>
               <a:t>Intro to Web Services</a:t>
             </a:r>
-            <a:endParaRPr lang="en-US" sz="6600" dirty="0">
-              <a:solidFill>
-                <a:srgbClr val="2D2DB9"/>
-              </a:solidFill>
-            </a:endParaRPr>
           </a:p>
         </p:txBody>
       </p:sp>
@@ -10390,13 +9844,6 @@
   <p:clrMapOvr>
     <a:masterClrMapping/>
   </p:clrMapOvr>
-  <p:timing>
-    <p:tnLst>
-      <p:par>
-        <p:cTn id="1" dur="indefinite" restart="never" nodeType="tmRoot"/>
-      </p:par>
-    </p:tnLst>
-  </p:timing>
 </p:sld>
 </file>
 
@@ -10433,10 +9880,9 @@
           <a:lstStyle/>
           <a:p>
             <a:r>
-              <a:rPr lang="en-US" dirty="0" smtClean="0"/>
+              <a:rPr lang="en-US" dirty="0"/>
               <a:t>How Web Services are Used</a:t>
             </a:r>
-            <a:endParaRPr lang="en-US" dirty="0"/>
           </a:p>
         </p:txBody>
       </p:sp>
@@ -10466,10 +9912,9 @@
               <a:buNone/>
             </a:pPr>
             <a:r>
-              <a:rPr lang="en-US" dirty="0" smtClean="0"/>
+              <a:rPr lang="en-US" dirty="0"/>
               <a:t>A Web Service provides information or computing services to other computers over a  network</a:t>
             </a:r>
-            <a:endParaRPr lang="en-US" dirty="0"/>
           </a:p>
         </p:txBody>
       </p:sp>
@@ -10513,24 +9958,23 @@
           <a:p>
             <a:pPr algn="ctr"/>
             <a:r>
-              <a:rPr lang="en-US" sz="2400" dirty="0" smtClean="0"/>
+              <a:rPr lang="en-US" sz="2400" dirty="0"/>
               <a:t>A server</a:t>
             </a:r>
           </a:p>
           <a:p>
             <a:pPr algn="ctr"/>
             <a:r>
-              <a:rPr lang="en-US" sz="2400" dirty="0" smtClean="0"/>
+              <a:rPr lang="en-US" sz="2400" dirty="0"/>
               <a:t>Provides a</a:t>
             </a:r>
           </a:p>
           <a:p>
             <a:pPr algn="ctr"/>
             <a:r>
-              <a:rPr lang="en-US" sz="2400" dirty="0" smtClean="0"/>
+              <a:rPr lang="en-US" sz="2400" dirty="0"/>
               <a:t>Web Service </a:t>
             </a:r>
-            <a:endParaRPr lang="en-US" sz="2400" dirty="0"/>
           </a:p>
         </p:txBody>
       </p:sp>
@@ -10574,17 +10018,16 @@
           <a:p>
             <a:pPr algn="ctr"/>
             <a:r>
-              <a:rPr lang="en-US" sz="2400" dirty="0" smtClean="0"/>
+              <a:rPr lang="en-US" sz="2400" dirty="0"/>
               <a:t>Client 1</a:t>
             </a:r>
           </a:p>
           <a:p>
             <a:pPr algn="ctr"/>
             <a:r>
-              <a:rPr lang="en-US" sz="2400" dirty="0" smtClean="0"/>
+              <a:rPr lang="en-US" sz="2400" dirty="0"/>
               <a:t>consuming the service</a:t>
             </a:r>
-            <a:endParaRPr lang="en-US" sz="2400" dirty="0"/>
           </a:p>
         </p:txBody>
       </p:sp>
@@ -10628,10 +10071,9 @@
           <a:p>
             <a:pPr algn="ctr"/>
             <a:r>
-              <a:rPr lang="en-US" sz="2400" dirty="0" smtClean="0"/>
+              <a:rPr lang="en-US" sz="2400" dirty="0"/>
               <a:t>Client 2 consuming the service </a:t>
             </a:r>
-            <a:endParaRPr lang="en-US" sz="2400" dirty="0"/>
           </a:p>
         </p:txBody>
       </p:sp>
@@ -10675,10 +10117,9 @@
           <a:p>
             <a:pPr algn="ctr"/>
             <a:r>
-              <a:rPr lang="en-US" sz="2400" dirty="0" smtClean="0"/>
+              <a:rPr lang="en-US" sz="2400" dirty="0"/>
               <a:t>Client 3 consuming the service</a:t>
             </a:r>
-            <a:endParaRPr lang="en-US" sz="2400" dirty="0"/>
           </a:p>
         </p:txBody>
       </p:sp>
@@ -10831,13 +10272,6 @@
   <p:clrMapOvr>
     <a:masterClrMapping/>
   </p:clrMapOvr>
-  <p:timing>
-    <p:tnLst>
-      <p:par>
-        <p:cTn id="1" dur="indefinite" restart="never" nodeType="tmRoot"/>
-      </p:par>
-    </p:tnLst>
-  </p:timing>
 </p:sld>
 </file>
 
@@ -10874,10 +10308,9 @@
           <a:lstStyle/>
           <a:p>
             <a:r>
-              <a:rPr lang="en-US" dirty="0" smtClean="0"/>
+              <a:rPr lang="en-US" dirty="0"/>
               <a:t>Advantages of Web Services</a:t>
             </a:r>
-            <a:endParaRPr lang="en-US" dirty="0"/>
           </a:p>
         </p:txBody>
       </p:sp>
@@ -10899,41 +10332,41 @@
           <a:lstStyle/>
           <a:p>
             <a:r>
-              <a:rPr lang="en-US" dirty="0" smtClean="0"/>
+              <a:rPr lang="en-US" dirty="0"/>
               <a:t>Allows computing services to be distributed across:</a:t>
             </a:r>
           </a:p>
           <a:p>
             <a:pPr lvl="1"/>
             <a:r>
-              <a:rPr lang="en-US" dirty="0" smtClean="0"/>
+              <a:rPr lang="en-US" dirty="0"/>
               <a:t>Multiple machines</a:t>
             </a:r>
           </a:p>
           <a:p>
             <a:pPr lvl="1"/>
             <a:r>
-              <a:rPr lang="en-US" dirty="0" smtClean="0"/>
+              <a:rPr lang="en-US" dirty="0"/>
               <a:t>Any distance</a:t>
             </a:r>
           </a:p>
           <a:p>
             <a:r>
-              <a:rPr lang="en-US" dirty="0" smtClean="0"/>
+              <a:rPr lang="en-US" dirty="0"/>
               <a:t>Provides a service that is:</a:t>
             </a:r>
           </a:p>
           <a:p>
             <a:pPr lvl="1"/>
             <a:r>
-              <a:rPr lang="en-US" dirty="0" smtClean="0"/>
+              <a:rPr lang="en-US" dirty="0"/>
               <a:t>OS independent</a:t>
             </a:r>
           </a:p>
           <a:p>
             <a:pPr lvl="1"/>
             <a:r>
-              <a:rPr lang="en-US" dirty="0" smtClean="0"/>
+              <a:rPr lang="en-US" dirty="0"/>
               <a:t>Language independent</a:t>
             </a:r>
           </a:p>
@@ -10949,13 +10382,6 @@
   <p:clrMapOvr>
     <a:masterClrMapping/>
   </p:clrMapOvr>
-  <p:timing>
-    <p:tnLst>
-      <p:par>
-        <p:cTn id="1" dur="indefinite" restart="never" nodeType="tmRoot"/>
-      </p:par>
-    </p:tnLst>
-  </p:timing>
 </p:sld>
 </file>
 
@@ -10992,10 +10418,9 @@
           <a:lstStyle/>
           <a:p>
             <a:r>
-              <a:rPr lang="en-US" dirty="0" smtClean="0"/>
-              <a:t>Protocols</a:t>
-            </a:r>
-            <a:endParaRPr lang="en-US" dirty="0"/>
+              <a:rPr lang="en-US" dirty="0"/>
+              <a:t>Types of Web Services</a:t>
+            </a:r>
           </a:p>
         </p:txBody>
       </p:sp>
@@ -11020,43 +10445,42 @@
               <a:buNone/>
             </a:pPr>
             <a:r>
-              <a:rPr lang="en-US" dirty="0" smtClean="0"/>
+              <a:rPr lang="en-US" dirty="0"/>
               <a:t>Two Main Standards:</a:t>
             </a:r>
           </a:p>
           <a:p>
             <a:r>
-              <a:rPr lang="en-US" dirty="0" smtClean="0"/>
+              <a:rPr lang="en-US" dirty="0"/>
               <a:t>REST: Representational State Transfer</a:t>
             </a:r>
           </a:p>
           <a:p>
             <a:pPr lvl="1"/>
             <a:r>
-              <a:rPr lang="en-US" dirty="0" smtClean="0"/>
+              <a:rPr lang="en-US" dirty="0"/>
               <a:t>Newer, simpler, client code easier to write</a:t>
             </a:r>
           </a:p>
           <a:p>
             <a:r>
-              <a:rPr lang="en-US" dirty="0" smtClean="0"/>
+              <a:rPr lang="en-US" dirty="0"/>
               <a:t>SOAP: Simple Object Access Protocol</a:t>
             </a:r>
           </a:p>
           <a:p>
             <a:pPr lvl="1"/>
             <a:r>
-              <a:rPr lang="en-US" dirty="0" smtClean="0"/>
+              <a:rPr lang="en-US" dirty="0"/>
               <a:t>Older, more complex, client harder to write</a:t>
             </a:r>
           </a:p>
           <a:p>
             <a:pPr lvl="1"/>
             <a:r>
-              <a:rPr lang="en-US" dirty="0" smtClean="0"/>
+              <a:rPr lang="en-US" dirty="0"/>
               <a:t>Lots of legacy SOAP services out there</a:t>
             </a:r>
-            <a:endParaRPr lang="en-US" dirty="0"/>
           </a:p>
         </p:txBody>
       </p:sp>
@@ -11070,13 +10494,6 @@
   <p:clrMapOvr>
     <a:masterClrMapping/>
   </p:clrMapOvr>
-  <p:timing>
-    <p:tnLst>
-      <p:par>
-        <p:cTn id="1" dur="indefinite" restart="never" nodeType="tmRoot"/>
-      </p:par>
-    </p:tnLst>
-  </p:timing>
 </p:sld>
 </file>
 
@@ -11113,14 +10530,9 @@
           <a:lstStyle/>
           <a:p>
             <a:r>
-              <a:rPr lang="en-US" dirty="0" smtClean="0"/>
-              <a:t>REST </a:t>
-            </a:r>
-            <a:r>
-              <a:rPr lang="en-US" dirty="0" smtClean="0"/>
-              <a:t>Protocol</a:t>
-            </a:r>
-            <a:endParaRPr lang="en-US" dirty="0"/>
+              <a:rPr lang="en-US" dirty="0"/>
+              <a:t>SOAP Protocol</a:t>
+            </a:r>
           </a:p>
         </p:txBody>
       </p:sp>
@@ -11137,63 +10549,118 @@
         <p:spPr/>
         <p:txBody>
           <a:bodyPr>
-            <a:normAutofit/>
+            <a:normAutofit fontScale="70000" lnSpcReduction="20000"/>
           </a:bodyPr>
           <a:lstStyle/>
           <a:p>
             <a:pPr marL="0" indent="0">
               <a:buNone/>
             </a:pPr>
+            <a:r>
+              <a:rPr lang="en-US" dirty="0" err="1"/>
+              <a:t>TheSimpleObjectAccessProtocol</a:t>
+            </a:r>
+            <a:r>
+              <a:rPr lang="en-US" dirty="0"/>
+              <a:t>(SOAP)</a:t>
+            </a:r>
+            <a:r>
+              <a:rPr lang="en-US" dirty="0" err="1"/>
+              <a:t>isaplatform-independentprotocolthatuses</a:t>
+            </a:r>
             <a:endParaRPr lang="en-US" dirty="0"/>
+          </a:p>
+          <a:p>
+            <a:pPr marL="0" indent="0">
+              <a:buNone/>
+            </a:pPr>
+            <a:endParaRPr lang="en-US" dirty="0"/>
+          </a:p>
+          <a:p>
+            <a:pPr marL="0" indent="0">
+              <a:buNone/>
+            </a:pPr>
+            <a:r>
+              <a:rPr lang="en-US" dirty="0"/>
+              <a:t>XMLtomakeremoteprocedurecalls,typicallyoverHTTP.Eachrequestandresponseis</a:t>
+            </a:r>
+          </a:p>
+          <a:p>
+            <a:pPr marL="0" indent="0">
+              <a:buNone/>
+            </a:pPr>
+            <a:endParaRPr lang="en-US" dirty="0"/>
+          </a:p>
+          <a:p>
+            <a:pPr marL="0" indent="0">
+              <a:buNone/>
+            </a:pPr>
+            <a:r>
+              <a:rPr lang="en-US" dirty="0" err="1"/>
+              <a:t>packagedinaSOAPmessage</a:t>
+            </a:r>
+            <a:r>
+              <a:rPr lang="en-US" dirty="0"/>
+              <a:t>—</a:t>
+            </a:r>
+            <a:r>
+              <a:rPr lang="en-US" dirty="0" err="1"/>
+              <a:t>anXMLmessagecontainingtheinformationthataweb</a:t>
+            </a:r>
+            <a:endParaRPr lang="en-US" dirty="0"/>
+          </a:p>
+          <a:p>
+            <a:pPr marL="0" indent="0">
+              <a:buNone/>
+            </a:pPr>
+            <a:endParaRPr lang="en-US" dirty="0"/>
+          </a:p>
+          <a:p>
+            <a:pPr marL="0" indent="0">
+              <a:buNone/>
+            </a:pPr>
+            <a:r>
+              <a:rPr lang="en-US" dirty="0"/>
+              <a:t>servicerequirestoprocessthemessage.SOAPmessagesarewritteninXMLsothatthey’re</a:t>
+            </a:r>
+          </a:p>
+          <a:p>
+            <a:pPr marL="0" indent="0">
+              <a:buNone/>
+            </a:pPr>
+            <a:endParaRPr lang="en-US" dirty="0"/>
+          </a:p>
+          <a:p>
+            <a:pPr marL="0" indent="0">
+              <a:buNone/>
+            </a:pPr>
+            <a:r>
+              <a:rPr lang="en-US" dirty="0" err="1"/>
+              <a:t>computerreadable,humanreadableandplatformindependent</a:t>
+            </a:r>
+            <a:r>
+              <a:rPr lang="en-US" dirty="0"/>
+              <a:t>.</a:t>
+            </a:r>
           </a:p>
         </p:txBody>
       </p:sp>
     </p:spTree>
     <p:extLst>
       <p:ext uri="{BB962C8B-B14F-4D97-AF65-F5344CB8AC3E}">
-        <p14:creationId xmlns:p14="http://schemas.microsoft.com/office/powerpoint/2010/main" val="6758833"/>
+        <p14:creationId xmlns:p14="http://schemas.microsoft.com/office/powerpoint/2010/main" val="929819204"/>
       </p:ext>
     </p:extLst>
   </p:cSld>
   <p:clrMapOvr>
     <a:masterClrMapping/>
   </p:clrMapOvr>
-  <p:timing>
-    <p:tnLst>
-      <p:par>
-        <p:cTn id="1" dur="indefinite" restart="never" nodeType="tmRoot"/>
-      </p:par>
-    </p:tnLst>
-  </p:timing>
 </p:sld>
 </file>
 
 <file path=ppt/slides/slide8.xml><?xml version="1.0" encoding="utf-8"?>
 <p:sld xmlns:a="http://schemas.openxmlformats.org/drawingml/2006/main" xmlns:r="http://schemas.openxmlformats.org/officeDocument/2006/relationships" xmlns:p="http://schemas.openxmlformats.org/presentationml/2006/main">
   <p:cSld>
-    <p:bg>
-      <p:bgPr>
-        <a:gradFill flip="none" rotWithShape="1">
-          <a:gsLst>
-            <a:gs pos="100000">
-              <a:schemeClr val="bg2">
-                <a:lumMod val="25000"/>
-                <a:alpha val="68000"/>
-              </a:schemeClr>
-            </a:gs>
-            <a:gs pos="55000">
-              <a:schemeClr val="bg2">
-                <a:lumMod val="50000"/>
-                <a:alpha val="30000"/>
-              </a:schemeClr>
-            </a:gs>
-          </a:gsLst>
-          <a:lin ang="5400000" scaled="0"/>
-          <a:tileRect/>
-        </a:gradFill>
-        <a:effectLst/>
-      </p:bgPr>
-    </p:bg>
     <p:spTree>
       <p:nvGrpSpPr>
         <p:cNvPr id="1" name=""/>
@@ -11210,6 +10677,30 @@
       </p:grpSpPr>
       <p:sp>
         <p:nvSpPr>
+          <p:cNvPr id="2" name="Title 1"/>
+          <p:cNvSpPr>
+            <a:spLocks noGrp="1"/>
+          </p:cNvSpPr>
+          <p:nvPr>
+            <p:ph type="title"/>
+          </p:nvPr>
+        </p:nvSpPr>
+        <p:spPr/>
+        <p:txBody>
+          <a:bodyPr>
+            <a:normAutofit/>
+          </a:bodyPr>
+          <a:lstStyle/>
+          <a:p>
+            <a:r>
+              <a:rPr lang="en-US" dirty="0"/>
+              <a:t>WSDL</a:t>
+            </a:r>
+          </a:p>
+        </p:txBody>
+      </p:sp>
+      <p:sp>
+        <p:nvSpPr>
           <p:cNvPr id="3" name="Content Placeholder 2"/>
           <p:cNvSpPr>
             <a:spLocks noGrp="1"/>
@@ -11218,85 +10709,89 @@
             <p:ph idx="1"/>
           </p:nvPr>
         </p:nvSpPr>
-        <p:spPr>
-          <a:xfrm>
-            <a:off x="457200" y="1173238"/>
-            <a:ext cx="8229600" cy="4952925"/>
-          </a:xfrm>
-        </p:spPr>
-        <p:txBody>
-          <a:bodyPr/>
+        <p:spPr/>
+        <p:txBody>
+          <a:bodyPr>
+            <a:normAutofit/>
+          </a:bodyPr>
           <a:lstStyle/>
           <a:p>
-            <a:pPr marL="0" indent="0" algn="ctr">
+            <a:r>
+              <a:rPr lang="en-US" dirty="0"/>
+              <a:t>Web Services Description Layer</a:t>
+            </a:r>
+          </a:p>
+          <a:p>
+            <a:r>
+              <a:rPr lang="en-US" dirty="0"/>
+              <a:t>An XML document that describes a web service</a:t>
+            </a:r>
+          </a:p>
+          <a:p>
+            <a:r>
+              <a:rPr lang="en-US" dirty="0"/>
+              <a:t>The main elements in a WSDL document:</a:t>
+            </a:r>
+          </a:p>
+          <a:p>
+            <a:pPr marL="457200" lvl="1" indent="0">
               <a:buNone/>
             </a:pPr>
             <a:r>
-              <a:rPr lang="en-US" sz="6000" b="1" dirty="0"/>
-              <a:t>Using </a:t>
-            </a:r>
-            <a:r>
-              <a:rPr lang="en-US" sz="6000" b="1" dirty="0" smtClean="0"/>
-              <a:t>the Weather Underground REST API</a:t>
-            </a:r>
-            <a:endParaRPr lang="en-US" sz="6000" b="1" dirty="0"/>
-          </a:p>
-          <a:p>
-            <a:pPr marL="0" indent="0">
+              <a:rPr lang="en-US" dirty="0"/>
+              <a:t>&lt;types&gt; 		Contains data type definitions</a:t>
+            </a:r>
+          </a:p>
+          <a:p>
+            <a:pPr marL="457200" lvl="1" indent="0">
               <a:buNone/>
             </a:pPr>
+            <a:r>
+              <a:rPr lang="en-US" dirty="0"/>
+              <a:t>&lt;message&gt;	Definition of the data being sent</a:t>
+            </a:r>
+          </a:p>
+          <a:p>
+            <a:pPr marL="457200" lvl="1" indent="0">
+              <a:buNone/>
+            </a:pPr>
+            <a:r>
+              <a:rPr lang="en-US" dirty="0"/>
+              <a:t>&lt;</a:t>
+            </a:r>
+            <a:r>
+              <a:rPr lang="en-US" dirty="0" err="1"/>
+              <a:t>portType</a:t>
+            </a:r>
+            <a:r>
+              <a:rPr lang="en-US" dirty="0"/>
+              <a:t>&gt;	List of operations </a:t>
+            </a:r>
+          </a:p>
+          <a:p>
+            <a:pPr marL="457200" lvl="1" indent="0">
+              <a:buNone/>
+            </a:pPr>
+            <a:r>
+              <a:rPr lang="en-US" dirty="0"/>
+              <a:t>&lt;binding&gt;	Protocol and data format for port type</a:t>
+            </a:r>
+          </a:p>
+          <a:p>
             <a:endParaRPr lang="en-US" dirty="0"/>
-          </a:p>
-        </p:txBody>
-      </p:sp>
-      <p:sp>
-        <p:nvSpPr>
-          <p:cNvPr id="4" name="Title 3"/>
-          <p:cNvSpPr>
-            <a:spLocks noGrp="1"/>
-          </p:cNvSpPr>
-          <p:nvPr>
-            <p:ph type="title"/>
-          </p:nvPr>
-        </p:nvSpPr>
-        <p:spPr/>
-        <p:txBody>
-          <a:bodyPr/>
-          <a:lstStyle/>
-          <a:p>
-            <a:r>
-              <a:rPr lang="en-US" b="1" dirty="0" smtClean="0">
-                <a:solidFill>
-                  <a:srgbClr val="0000FF"/>
-                </a:solidFill>
-              </a:rPr>
-              <a:t>Code Tour</a:t>
-            </a:r>
-            <a:endParaRPr lang="en-US" b="1" dirty="0">
-              <a:solidFill>
-                <a:srgbClr val="0000FF"/>
-              </a:solidFill>
-            </a:endParaRPr>
           </a:p>
         </p:txBody>
       </p:sp>
     </p:spTree>
     <p:extLst>
       <p:ext uri="{BB962C8B-B14F-4D97-AF65-F5344CB8AC3E}">
-        <p14:creationId xmlns:p14="http://schemas.microsoft.com/office/powerpoint/2010/main" val="3792523372"/>
+        <p14:creationId xmlns:p14="http://schemas.microsoft.com/office/powerpoint/2010/main" val="885899410"/>
       </p:ext>
     </p:extLst>
   </p:cSld>
   <p:clrMapOvr>
     <a:masterClrMapping/>
   </p:clrMapOvr>
-  <p:timing>
-    <p:tnLst>
-      <p:par>
-        <p:cTn id="1" dur="indefinite" restart="never" nodeType="tmRoot"/>
-      </p:par>
-    </p:tnLst>
-  </p:timing>
 </p:sld>
 </file>
 
@@ -11333,10 +10828,9 @@
           <a:lstStyle/>
           <a:p>
             <a:r>
-              <a:rPr lang="en-US" dirty="0" smtClean="0"/>
-              <a:t>SOAP Protocol</a:t>
-            </a:r>
-            <a:endParaRPr lang="en-US" dirty="0"/>
+              <a:rPr lang="en-US" dirty="0"/>
+              <a:t>SOAP Messages</a:t>
+            </a:r>
           </a:p>
         </p:txBody>
       </p:sp>
@@ -11353,119 +10847,76 @@
         <p:spPr/>
         <p:txBody>
           <a:bodyPr>
-            <a:normAutofit fontScale="70000" lnSpcReduction="20000"/>
+            <a:normAutofit/>
           </a:bodyPr>
           <a:lstStyle/>
           <a:p>
-            <a:pPr marL="0" indent="0">
-              <a:buNone/>
+            <a:r>
+              <a:rPr lang="en-US" dirty="0"/>
+              <a:t>Used for Request and Response</a:t>
+            </a:r>
+          </a:p>
+          <a:p>
+            <a:r>
+              <a:rPr lang="en-US" dirty="0"/>
+              <a:t>A SOAP message is an XML document (not a file) with these elements:</a:t>
+            </a:r>
+          </a:p>
+          <a:p>
+            <a:pPr lvl="1">
+              <a:buFont typeface="Courier New"/>
+              <a:buChar char="o"/>
             </a:pPr>
             <a:r>
-              <a:rPr lang="en-US" dirty="0" err="1"/>
-              <a:t>TheSimpleObjectAccessProtocol</a:t>
-            </a:r>
-            <a:r>
               <a:rPr lang="en-US" dirty="0"/>
-              <a:t>(SOAP)</a:t>
-            </a:r>
-            <a:r>
-              <a:rPr lang="en-US" dirty="0" err="1"/>
-              <a:t>isaplatform-independentprotocolthatuses</a:t>
-            </a:r>
+              <a:t>Header</a:t>
+            </a:r>
+          </a:p>
+          <a:p>
+            <a:pPr lvl="1">
+              <a:buFont typeface="Courier New"/>
+              <a:buChar char="o"/>
+            </a:pPr>
+            <a:r>
+              <a:rPr lang="en-US" dirty="0"/>
+              <a:t>Body</a:t>
+            </a:r>
+          </a:p>
+          <a:p>
+            <a:pPr lvl="1">
+              <a:buFont typeface="Courier New"/>
+              <a:buChar char="o"/>
+            </a:pPr>
+            <a:r>
+              <a:rPr lang="en-US" dirty="0"/>
+              <a:t>Fault</a:t>
+            </a:r>
+          </a:p>
+          <a:p>
+            <a:pPr lvl="1">
+              <a:buFont typeface="Courier New"/>
+              <a:buChar char="o"/>
+            </a:pPr>
+            <a:r>
+              <a:rPr lang="en-US" dirty="0"/>
+              <a:t>Envelope</a:t>
+            </a:r>
+          </a:p>
+          <a:p>
             <a:endParaRPr lang="en-US" dirty="0"/>
-          </a:p>
-          <a:p>
-            <a:pPr marL="0" indent="0">
-              <a:buNone/>
-            </a:pPr>
-            <a:endParaRPr lang="en-US" dirty="0"/>
-          </a:p>
-          <a:p>
-            <a:pPr marL="0" indent="0">
-              <a:buNone/>
-            </a:pPr>
-            <a:r>
-              <a:rPr lang="en-US" dirty="0"/>
-              <a:t>XMLtomakeremoteprocedurecalls,typicallyoverHTTP.Eachrequestandresponseis</a:t>
-            </a:r>
-          </a:p>
-          <a:p>
-            <a:pPr marL="0" indent="0">
-              <a:buNone/>
-            </a:pPr>
-            <a:endParaRPr lang="en-US" dirty="0"/>
-          </a:p>
-          <a:p>
-            <a:pPr marL="0" indent="0">
-              <a:buNone/>
-            </a:pPr>
-            <a:r>
-              <a:rPr lang="en-US" dirty="0" err="1"/>
-              <a:t>packagedinaSOAPmessage</a:t>
-            </a:r>
-            <a:r>
-              <a:rPr lang="en-US" dirty="0"/>
-              <a:t>—</a:t>
-            </a:r>
-            <a:r>
-              <a:rPr lang="en-US" dirty="0" err="1"/>
-              <a:t>anXMLmessagecontainingtheinformationthataweb</a:t>
-            </a:r>
-            <a:endParaRPr lang="en-US" dirty="0"/>
-          </a:p>
-          <a:p>
-            <a:pPr marL="0" indent="0">
-              <a:buNone/>
-            </a:pPr>
-            <a:endParaRPr lang="en-US" dirty="0"/>
-          </a:p>
-          <a:p>
-            <a:pPr marL="0" indent="0">
-              <a:buNone/>
-            </a:pPr>
-            <a:r>
-              <a:rPr lang="en-US" dirty="0"/>
-              <a:t>servicerequirestoprocessthemessage.SOAPmessagesarewritteninXMLsothatthey’re</a:t>
-            </a:r>
-          </a:p>
-          <a:p>
-            <a:pPr marL="0" indent="0">
-              <a:buNone/>
-            </a:pPr>
-            <a:endParaRPr lang="en-US" dirty="0"/>
-          </a:p>
-          <a:p>
-            <a:pPr marL="0" indent="0">
-              <a:buNone/>
-            </a:pPr>
-            <a:r>
-              <a:rPr lang="en-US" dirty="0" err="1"/>
-              <a:t>computerreadable,humanreadableandplatformindependent</a:t>
-            </a:r>
-            <a:r>
-              <a:rPr lang="en-US" dirty="0"/>
-              <a:t>.</a:t>
-            </a:r>
           </a:p>
         </p:txBody>
       </p:sp>
     </p:spTree>
     <p:extLst>
       <p:ext uri="{BB962C8B-B14F-4D97-AF65-F5344CB8AC3E}">
-        <p14:creationId xmlns:p14="http://schemas.microsoft.com/office/powerpoint/2010/main" val="929819204"/>
+        <p14:creationId xmlns:p14="http://schemas.microsoft.com/office/powerpoint/2010/main" val="644461026"/>
       </p:ext>
     </p:extLst>
   </p:cSld>
   <p:clrMapOvr>
     <a:masterClrMapping/>
   </p:clrMapOvr>
-  <p:timing>
-    <p:tnLst>
-      <p:par>
-        <p:cTn id="1" dur="indefinite" restart="never" nodeType="tmRoot"/>
-      </p:par>
-    </p:tnLst>
-  </p:timing>
 </p:sld>
 </file>
 
